--- a/trunk/2-Java-Programmer-Modulo-II/07.Capitulo02.pptx
+++ b/trunk/2-Java-Programmer-Modulo-II/07.Capitulo02.pptx
@@ -5,7 +5,7 @@
     <p:sldMasterId id="2147483660" r:id="rId1"/>
   </p:sldMasterIdLst>
   <p:notesMasterIdLst>
-    <p:notesMasterId r:id="rId20"/>
+    <p:notesMasterId r:id="rId21"/>
   </p:notesMasterIdLst>
   <p:sldIdLst>
     <p:sldId id="256" r:id="rId2"/>
@@ -14,18 +14,19 @@
     <p:sldId id="259" r:id="rId5"/>
     <p:sldId id="260" r:id="rId6"/>
     <p:sldId id="261" r:id="rId7"/>
-    <p:sldId id="262" r:id="rId8"/>
+    <p:sldId id="275" r:id="rId8"/>
     <p:sldId id="263" r:id="rId9"/>
     <p:sldId id="264" r:id="rId10"/>
     <p:sldId id="265" r:id="rId11"/>
     <p:sldId id="266" r:id="rId12"/>
     <p:sldId id="267" r:id="rId13"/>
     <p:sldId id="268" r:id="rId14"/>
-    <p:sldId id="269" r:id="rId15"/>
+    <p:sldId id="276" r:id="rId15"/>
     <p:sldId id="270" r:id="rId16"/>
     <p:sldId id="271" r:id="rId17"/>
     <p:sldId id="272" r:id="rId18"/>
     <p:sldId id="273" r:id="rId19"/>
+    <p:sldId id="274" r:id="rId20"/>
   </p:sldIdLst>
   <p:sldSz cx="9144000" cy="6858000" type="screen4x3"/>
   <p:notesSz cx="6858000" cy="9144000"/>
@@ -266,7 +267,7 @@
               <a:pPr>
                 <a:defRPr/>
               </a:pPr>
-              <a:t>27/02/2012</a:t>
+              <a:t>04/04/2012</a:t>
             </a:fld>
             <a:endParaRPr lang="pt-BR"/>
           </a:p>
@@ -1769,6 +1770,115 @@
 </p:notes>
 </file>
 
+<file path=ppt/notesSlides/notesSlide19.xml><?xml version="1.0" encoding="utf-8"?>
+<p:notes xmlns:a="http://schemas.openxmlformats.org/drawingml/2006/main" xmlns:r="http://schemas.openxmlformats.org/officeDocument/2006/relationships" xmlns:p="http://schemas.openxmlformats.org/presentationml/2006/main">
+  <p:cSld>
+    <p:bg>
+      <p:bgPr>
+        <a:solidFill>
+          <a:srgbClr val="FFFFFF"/>
+        </a:solidFill>
+        <a:effectLst/>
+      </p:bgPr>
+    </p:bg>
+    <p:spTree>
+      <p:nvGrpSpPr>
+        <p:cNvPr id="1" name=""/>
+        <p:cNvGrpSpPr/>
+        <p:nvPr/>
+      </p:nvGrpSpPr>
+      <p:grpSpPr>
+        <a:xfrm>
+          <a:off x="0" y="0"/>
+          <a:ext cx="0" cy="0"/>
+          <a:chOff x="0" y="0"/>
+          <a:chExt cx="0" cy="0"/>
+        </a:xfrm>
+      </p:grpSpPr>
+      <p:sp>
+        <p:nvSpPr>
+          <p:cNvPr id="22530" name="Rectangle 18"/>
+          <p:cNvSpPr>
+            <a:spLocks noGrp="1" noChangeArrowheads="1"/>
+          </p:cNvSpPr>
+          <p:nvPr>
+            <p:ph type="sldNum" sz="quarter"/>
+          </p:nvPr>
+        </p:nvSpPr>
+        <p:spPr>
+          <a:noFill/>
+        </p:spPr>
+        <p:txBody>
+          <a:bodyPr/>
+          <a:lstStyle/>
+          <a:p>
+            <a:fld id="{18C6C9DF-C0C7-4394-993B-5BB9360579D4}" type="slidenum">
+              <a:rPr lang="pt-BR" smtClean="0">
+                <a:latin typeface="Tahoma" pitchFamily="34" charset="0"/>
+              </a:rPr>
+              <a:pPr/>
+              <a:t>19</a:t>
+            </a:fld>
+            <a:endParaRPr lang="pt-BR" smtClean="0">
+              <a:latin typeface="Tahoma" pitchFamily="34" charset="0"/>
+            </a:endParaRPr>
+          </a:p>
+        </p:txBody>
+      </p:sp>
+      <p:sp>
+        <p:nvSpPr>
+          <p:cNvPr id="22531" name="Rectangle 1"/>
+          <p:cNvSpPr>
+            <a:spLocks noGrp="1" noRot="1" noChangeAspect="1" noChangeArrowheads="1" noTextEdit="1"/>
+          </p:cNvSpPr>
+          <p:nvPr>
+            <p:ph type="sldImg"/>
+          </p:nvPr>
+        </p:nvSpPr>
+        <p:spPr>
+          <a:xfrm>
+            <a:off x="1143000" y="685800"/>
+            <a:ext cx="4572000" cy="3429000"/>
+          </a:xfrm>
+          <a:ln/>
+        </p:spPr>
+      </p:sp>
+      <p:sp>
+        <p:nvSpPr>
+          <p:cNvPr id="22532" name="Rectangle 2"/>
+          <p:cNvSpPr>
+            <a:spLocks noGrp="1" noChangeArrowheads="1"/>
+          </p:cNvSpPr>
+          <p:nvPr>
+            <p:ph type="body" idx="1"/>
+          </p:nvPr>
+        </p:nvSpPr>
+        <p:spPr>
+          <a:xfrm>
+            <a:off x="914400" y="4343400"/>
+            <a:ext cx="5011738" cy="4097338"/>
+          </a:xfrm>
+          <a:noFill/>
+          <a:ln/>
+        </p:spPr>
+        <p:txBody>
+          <a:bodyPr wrap="none" anchor="ctr"/>
+          <a:lstStyle/>
+          <a:p>
+            <a:endParaRPr lang="pt-BR" smtClean="0">
+              <a:latin typeface="Times New Roman" pitchFamily="18" charset="0"/>
+            </a:endParaRPr>
+          </a:p>
+        </p:txBody>
+      </p:sp>
+    </p:spTree>
+  </p:cSld>
+  <p:clrMapOvr>
+    <a:masterClrMapping/>
+  </p:clrMapOvr>
+</p:notes>
+</file>
+
 <file path=ppt/notesSlides/notesSlide2.xml><?xml version="1.0" encoding="utf-8"?>
 <p:notes xmlns:a="http://schemas.openxmlformats.org/drawingml/2006/main" xmlns:r="http://schemas.openxmlformats.org/officeDocument/2006/relationships" xmlns:p="http://schemas.openxmlformats.org/presentationml/2006/main">
   <p:cSld>
@@ -3230,12 +3340,9 @@
             <a:pPr>
               <a:defRPr/>
             </a:pPr>
-            <a:fld id="{E56E90E4-2DA6-4932-B863-9D56B056A887}" type="datetimeFigureOut">
-              <a:rPr lang="pt-BR"/>
-              <a:pPr>
-                <a:defRPr/>
-              </a:pPr>
-              <a:t>27/02/2012</a:t>
+            <a:fld id="{E1532F2F-29F5-4DAE-A363-C6DAC46E1857}" type="datetime1">
+              <a:rPr lang="pt-BR" smtClean="0"/>
+              <a:t>04/04/2012</a:t>
             </a:fld>
             <a:endParaRPr lang="pt-BR"/>
           </a:p>
@@ -3422,12 +3529,9 @@
             <a:pPr>
               <a:defRPr/>
             </a:pPr>
-            <a:fld id="{C1F00792-83A9-48F7-86F8-19EA3873C2BF}" type="datetimeFigureOut">
-              <a:rPr lang="pt-BR"/>
-              <a:pPr>
-                <a:defRPr/>
-              </a:pPr>
-              <a:t>27/02/2012</a:t>
+            <a:fld id="{76E0553D-8D34-4DCF-A436-D2E77B7A5246}" type="datetime1">
+              <a:rPr lang="pt-BR" smtClean="0"/>
+              <a:t>04/04/2012</a:t>
             </a:fld>
             <a:endParaRPr lang="pt-BR"/>
           </a:p>
@@ -3624,12 +3728,9 @@
             <a:pPr>
               <a:defRPr/>
             </a:pPr>
-            <a:fld id="{F84F59CD-F27E-4A9C-AACB-6E46532E9D83}" type="datetimeFigureOut">
-              <a:rPr lang="pt-BR"/>
-              <a:pPr>
-                <a:defRPr/>
-              </a:pPr>
-              <a:t>27/02/2012</a:t>
+            <a:fld id="{A4E414DC-D62F-4E55-830A-E183CA2A1834}" type="datetime1">
+              <a:rPr lang="pt-BR" smtClean="0"/>
+              <a:t>04/04/2012</a:t>
             </a:fld>
             <a:endParaRPr lang="pt-BR"/>
           </a:p>
@@ -3885,6 +3986,10 @@
             <a:pPr>
               <a:defRPr/>
             </a:pPr>
+            <a:fld id="{F776AF5D-1D6B-4ED9-A5AC-5C27535AAE57}" type="datetime1">
+              <a:rPr lang="pt-BR" smtClean="0"/>
+              <a:t>04/04/2012</a:t>
+            </a:fld>
             <a:endParaRPr lang="pt-BR"/>
           </a:p>
         </p:txBody>
@@ -4078,12 +4183,9 @@
             <a:pPr>
               <a:defRPr/>
             </a:pPr>
-            <a:fld id="{E7116A5A-CED5-4C41-A9B7-D8D0F13F6C62}" type="datetimeFigureOut">
-              <a:rPr lang="pt-BR"/>
-              <a:pPr>
-                <a:defRPr/>
-              </a:pPr>
-              <a:t>27/02/2012</a:t>
+            <a:fld id="{EC1BE553-8B4E-4AB0-BA50-AF70C82A532A}" type="datetime1">
+              <a:rPr lang="pt-BR" smtClean="0"/>
+              <a:t>04/04/2012</a:t>
             </a:fld>
             <a:endParaRPr lang="pt-BR"/>
           </a:p>
@@ -4584,12 +4686,9 @@
             <a:pPr>
               <a:defRPr/>
             </a:pPr>
-            <a:fld id="{3E52FB6B-E945-46F6-A9B3-B9001FB5D4EC}" type="datetimeFigureOut">
-              <a:rPr lang="pt-BR"/>
-              <a:pPr>
-                <a:defRPr/>
-              </a:pPr>
-              <a:t>27/02/2012</a:t>
+            <a:fld id="{12ED4F63-D730-453C-AC25-D4D62BA6C3A6}" type="datetime1">
+              <a:rPr lang="pt-BR" smtClean="0"/>
+              <a:t>04/04/2012</a:t>
             </a:fld>
             <a:endParaRPr lang="pt-BR"/>
           </a:p>
@@ -4875,12 +4974,9 @@
             <a:pPr>
               <a:defRPr/>
             </a:pPr>
-            <a:fld id="{263880C7-520A-4DB0-B0BD-4916F760CC44}" type="datetimeFigureOut">
-              <a:rPr lang="pt-BR"/>
-              <a:pPr>
-                <a:defRPr/>
-              </a:pPr>
-              <a:t>27/02/2012</a:t>
+            <a:fld id="{61511202-23A4-4C28-AE00-24FEBB130B9F}" type="datetime1">
+              <a:rPr lang="pt-BR" smtClean="0"/>
+              <a:t>04/04/2012</a:t>
             </a:fld>
             <a:endParaRPr lang="pt-BR"/>
           </a:p>
@@ -5276,12 +5372,9 @@
             <a:pPr>
               <a:defRPr/>
             </a:pPr>
-            <a:fld id="{E20F0D38-2A64-40B4-AECA-45C4E4712464}" type="datetimeFigureOut">
-              <a:rPr lang="pt-BR"/>
-              <a:pPr>
-                <a:defRPr/>
-              </a:pPr>
-              <a:t>27/02/2012</a:t>
+            <a:fld id="{FA21467B-860E-4A10-BC05-9E3F42723107}" type="datetime1">
+              <a:rPr lang="pt-BR" smtClean="0"/>
+              <a:t>04/04/2012</a:t>
             </a:fld>
             <a:endParaRPr lang="pt-BR"/>
           </a:p>
@@ -5425,12 +5518,9 @@
             <a:pPr>
               <a:defRPr/>
             </a:pPr>
-            <a:fld id="{33327424-DEBF-4DCC-AB90-8B948C8E913E}" type="datetimeFigureOut">
-              <a:rPr lang="pt-BR"/>
-              <a:pPr>
-                <a:defRPr/>
-              </a:pPr>
-              <a:t>27/02/2012</a:t>
+            <a:fld id="{7523BC98-7845-4B31-AC11-6C6FDE6340D3}" type="datetime1">
+              <a:rPr lang="pt-BR" smtClean="0"/>
+              <a:t>04/04/2012</a:t>
             </a:fld>
             <a:endParaRPr lang="pt-BR"/>
           </a:p>
@@ -5542,12 +5632,9 @@
             <a:pPr>
               <a:defRPr/>
             </a:pPr>
-            <a:fld id="{9FFC35DB-272C-43AD-B9E8-E1605EABF052}" type="datetimeFigureOut">
-              <a:rPr lang="pt-BR"/>
-              <a:pPr>
-                <a:defRPr/>
-              </a:pPr>
-              <a:t>27/02/2012</a:t>
+            <a:fld id="{F9B56AF3-F7FF-4CE1-A685-873F6930876F}" type="datetime1">
+              <a:rPr lang="pt-BR" smtClean="0"/>
+              <a:t>04/04/2012</a:t>
             </a:fld>
             <a:endParaRPr lang="pt-BR"/>
           </a:p>
@@ -5818,12 +5905,9 @@
             <a:pPr>
               <a:defRPr/>
             </a:pPr>
-            <a:fld id="{96AAB48B-3853-4D5B-A02A-36F7C49880D9}" type="datetimeFigureOut">
-              <a:rPr lang="pt-BR"/>
-              <a:pPr>
-                <a:defRPr/>
-              </a:pPr>
-              <a:t>27/02/2012</a:t>
+            <a:fld id="{38204BA6-EBD5-47C9-A380-B3C719FDBAB5}" type="datetime1">
+              <a:rPr lang="pt-BR" smtClean="0"/>
+              <a:t>04/04/2012</a:t>
             </a:fld>
             <a:endParaRPr lang="pt-BR"/>
           </a:p>
@@ -6102,12 +6186,9 @@
             <a:pPr>
               <a:defRPr/>
             </a:pPr>
-            <a:fld id="{3660945E-6D5F-4AF6-AB1F-9DA6C07B659A}" type="datetimeFigureOut">
-              <a:rPr lang="pt-BR"/>
-              <a:pPr>
-                <a:defRPr/>
-              </a:pPr>
-              <a:t>27/02/2012</a:t>
+            <a:fld id="{8C975550-D5DC-4616-A3B6-C6BE077798B3}" type="datetime1">
+              <a:rPr lang="pt-BR" smtClean="0"/>
+              <a:t>04/04/2012</a:t>
             </a:fld>
             <a:endParaRPr lang="pt-BR"/>
           </a:p>
@@ -6580,12 +6661,9 @@
             <a:pPr>
               <a:defRPr/>
             </a:pPr>
-            <a:fld id="{FAD3B9EC-C089-427D-A1FA-230C3A135662}" type="datetimeFigureOut">
-              <a:rPr lang="pt-BR"/>
-              <a:pPr>
-                <a:defRPr/>
-              </a:pPr>
-              <a:t>27/02/2012</a:t>
+            <a:fld id="{9C6164F9-0FD3-45A6-9987-3488D7EC9F08}" type="datetime1">
+              <a:rPr lang="pt-BR" smtClean="0"/>
+              <a:t>04/04/2012</a:t>
             </a:fld>
             <a:endParaRPr lang="pt-BR"/>
           </a:p>
@@ -6668,7 +6746,7 @@
               <a:spcAft>
                 <a:spcPts val="0"/>
               </a:spcAft>
-              <a:defRPr kumimoji="0" sz="1000">
+              <a:defRPr kumimoji="0" sz="1600">
                 <a:solidFill>
                   <a:schemeClr val="tx2">
                     <a:shade val="50000"/>
@@ -6684,7 +6762,7 @@
               <a:defRPr/>
             </a:pPr>
             <a:fld id="{975D3A59-8CFE-473F-B233-79E4E2779953}" type="slidenum">
-              <a:rPr lang="pt-BR"/>
+              <a:rPr lang="pt-BR" smtClean="0"/>
               <a:pPr>
                 <a:defRPr/>
               </a:pPr>
@@ -6711,6 +6789,7 @@
     <p:sldLayoutId id="2147483714" r:id="rId11"/>
     <p:sldLayoutId id="2147483720" r:id="rId12"/>
   </p:sldLayoutIdLst>
+  <p:hf hdr="0" ftr="0" dt="0"/>
   <p:txStyles>
     <p:titleStyle>
       <a:lvl1pPr algn="l" rtl="0" eaLnBrk="0" fontAlgn="base" hangingPunct="0">
@@ -7285,8 +7364,16 @@
               <a:buNone/>
             </a:pPr>
             <a:r>
+              <a:rPr lang="pt-BR" sz="2600" dirty="0" smtClean="0">
+                <a:solidFill>
+                  <a:srgbClr val="FFC000"/>
+                </a:solidFill>
+              </a:rPr>
+              <a:t>String[ ] nome = { “</a:t>
+            </a:r>
+            <a:r>
               <a:rPr lang="pt-BR" sz="2600" dirty="0" smtClean="0"/>
-              <a:t>String[ ] nome = { “</a:t>
+              <a:t>Manuel</a:t>
             </a:r>
             <a:r>
               <a:rPr lang="pt-BR" sz="2600" dirty="0" smtClean="0">
@@ -7294,70 +7381,66 @@
                   <a:srgbClr val="FFC000"/>
                 </a:solidFill>
               </a:rPr>
-              <a:t>Manuel</a:t>
-            </a:r>
-            <a:r>
-              <a:rPr lang="pt-BR" sz="2600" dirty="0" smtClean="0"/>
               <a:t>”, “</a:t>
             </a:r>
             <a:r>
-              <a:rPr lang="pt-BR" dirty="0" smtClean="0">
-                <a:solidFill>
-                  <a:srgbClr val="FFC000"/>
-                </a:solidFill>
-              </a:rPr>
+              <a:rPr lang="pt-BR" dirty="0" smtClean="0"/>
               <a:t>Joaquim</a:t>
             </a:r>
             <a:r>
-              <a:rPr lang="pt-BR" sz="2600" dirty="0" smtClean="0"/>
+              <a:rPr lang="pt-BR" sz="2600" dirty="0" smtClean="0">
+                <a:solidFill>
+                  <a:srgbClr val="FFC000"/>
+                </a:solidFill>
+              </a:rPr>
               <a:t>”, “</a:t>
             </a:r>
             <a:r>
-              <a:rPr lang="pt-BR" dirty="0" smtClean="0">
-                <a:solidFill>
-                  <a:srgbClr val="FFC000"/>
-                </a:solidFill>
-              </a:rPr>
+              <a:rPr lang="pt-BR" dirty="0" smtClean="0"/>
               <a:t>Maria</a:t>
             </a:r>
             <a:r>
-              <a:rPr lang="pt-BR" sz="2600" dirty="0" smtClean="0"/>
+              <a:rPr lang="pt-BR" sz="2600" dirty="0" smtClean="0">
+                <a:solidFill>
+                  <a:srgbClr val="FFC000"/>
+                </a:solidFill>
+              </a:rPr>
               <a:t>”, 	“</a:t>
             </a:r>
             <a:r>
-              <a:rPr lang="pt-BR" dirty="0" smtClean="0">
-                <a:solidFill>
-                  <a:srgbClr val="FFC000"/>
-                </a:solidFill>
-              </a:rPr>
+              <a:rPr lang="pt-BR" dirty="0" smtClean="0"/>
               <a:t>Augusto</a:t>
             </a:r>
             <a:r>
-              <a:rPr lang="pt-BR" sz="2600" dirty="0" smtClean="0"/>
+              <a:rPr lang="pt-BR" sz="2600" dirty="0" smtClean="0">
+                <a:solidFill>
+                  <a:srgbClr val="FFC000"/>
+                </a:solidFill>
+              </a:rPr>
               <a:t>”, “</a:t>
             </a:r>
             <a:r>
-              <a:rPr lang="pt-BR" dirty="0" smtClean="0">
-                <a:solidFill>
-                  <a:srgbClr val="FFC000"/>
-                </a:solidFill>
-              </a:rPr>
+              <a:rPr lang="pt-BR" dirty="0" smtClean="0"/>
               <a:t>Júlio</a:t>
             </a:r>
             <a:r>
-              <a:rPr lang="pt-BR" sz="2600" dirty="0" smtClean="0"/>
+              <a:rPr lang="pt-BR" sz="2600" dirty="0" smtClean="0">
+                <a:solidFill>
+                  <a:srgbClr val="FFC000"/>
+                </a:solidFill>
+              </a:rPr>
               <a:t>”, “</a:t>
             </a:r>
             <a:r>
-              <a:rPr lang="pt-BR" dirty="0" smtClean="0">
-                <a:solidFill>
-                  <a:srgbClr val="FFC000"/>
-                </a:solidFill>
-              </a:rPr>
+              <a:rPr lang="pt-BR" dirty="0" smtClean="0"/>
               <a:t>Silvia</a:t>
             </a:r>
             <a:r>
-              <a:rPr lang="pt-BR" sz="2600" dirty="0" smtClean="0"/>
+              <a:rPr lang="pt-BR" sz="2600" dirty="0" smtClean="0">
+                <a:solidFill>
+                  <a:srgbClr val="FFC000"/>
+                </a:solidFill>
+              </a:rPr>
               <a:t>” };</a:t>
             </a:r>
           </a:p>
@@ -7384,20 +7467,87 @@
               <a:buNone/>
             </a:pPr>
             <a:r>
+              <a:rPr lang="pt-BR" sz="2600" dirty="0" smtClean="0"/>
+              <a:t>for (</a:t>
+            </a:r>
+            <a:r>
+              <a:rPr lang="pt-BR" sz="2600" dirty="0" err="1" smtClean="0">
+                <a:solidFill>
+                  <a:srgbClr val="FFC000"/>
+                </a:solidFill>
+              </a:rPr>
+              <a:t>int</a:t>
+            </a:r>
+            <a:r>
               <a:rPr lang="pt-BR" sz="2600" dirty="0" smtClean="0">
                 <a:solidFill>
                   <a:srgbClr val="FFC000"/>
                 </a:solidFill>
               </a:rPr>
-              <a:t>for (</a:t>
+              <a:t> i</a:t>
+            </a:r>
+            <a:r>
+              <a:rPr lang="pt-BR" sz="2600" dirty="0" smtClean="0"/>
+              <a:t> = 0; </a:t>
+            </a:r>
+            <a:r>
+              <a:rPr lang="pt-BR" sz="2600" dirty="0" smtClean="0">
+                <a:solidFill>
+                  <a:srgbClr val="FFC000"/>
+                </a:solidFill>
+              </a:rPr>
+              <a:t>i</a:t>
+            </a:r>
+            <a:r>
+              <a:rPr lang="pt-BR" sz="2600" dirty="0" smtClean="0"/>
+              <a:t> &lt; </a:t>
+            </a:r>
+            <a:r>
+              <a:rPr lang="pt-BR" sz="2600" dirty="0" smtClean="0">
+                <a:solidFill>
+                  <a:srgbClr val="FFC000"/>
+                </a:solidFill>
+              </a:rPr>
+              <a:t>nome.</a:t>
+            </a:r>
+            <a:r>
+              <a:rPr lang="pt-BR" sz="2600" b="1" dirty="0" err="1" smtClean="0">
+                <a:solidFill>
+                  <a:srgbClr val="FFC000"/>
+                </a:solidFill>
+              </a:rPr>
+              <a:t>length</a:t>
+            </a:r>
+            <a:r>
+              <a:rPr lang="pt-BR" sz="2600" dirty="0" smtClean="0"/>
+              <a:t>; </a:t>
+            </a:r>
+            <a:r>
+              <a:rPr lang="pt-BR" sz="2600" dirty="0" smtClean="0">
+                <a:solidFill>
+                  <a:srgbClr val="FFC000"/>
+                </a:solidFill>
+              </a:rPr>
+              <a:t>i</a:t>
+            </a:r>
+            <a:r>
+              <a:rPr lang="pt-BR" sz="2600" dirty="0" smtClean="0"/>
+              <a:t>++) {</a:t>
+            </a:r>
+            <a:br>
+              <a:rPr lang="pt-BR" sz="2600" dirty="0" smtClean="0"/>
+            </a:br>
+            <a:r>
+              <a:rPr lang="pt-BR" sz="2600" dirty="0" smtClean="0"/>
+              <a:t>	System.</a:t>
             </a:r>
             <a:r>
               <a:rPr lang="pt-BR" sz="2600" dirty="0" err="1" smtClean="0"/>
-              <a:t>int</a:t>
+              <a:t>out.println</a:t>
             </a:r>
             <a:r>
               <a:rPr lang="pt-BR" sz="2600" dirty="0" smtClean="0"/>
-              <a:t> i</a:t>
+              <a:t>(</a:t>
             </a:r>
             <a:r>
               <a:rPr lang="pt-BR" sz="2600" dirty="0" smtClean="0">
@@ -7405,111 +7555,20 @@
                   <a:srgbClr val="FFC000"/>
                 </a:solidFill>
               </a:rPr>
-              <a:t> = 0; </a:t>
+              <a:t>nome[i]</a:t>
             </a:r>
             <a:r>
               <a:rPr lang="pt-BR" sz="2600" dirty="0" smtClean="0"/>
-              <a:t>i</a:t>
-            </a:r>
-            <a:r>
-              <a:rPr lang="pt-BR" sz="2600" dirty="0" smtClean="0">
-                <a:solidFill>
-                  <a:srgbClr val="FFC000"/>
-                </a:solidFill>
-              </a:rPr>
-              <a:t> &lt; </a:t>
-            </a:r>
-            <a:r>
+              <a:t>);</a:t>
+            </a:r>
+            <a:br>
               <a:rPr lang="pt-BR" sz="2600" dirty="0" smtClean="0"/>
-              <a:t>nome.</a:t>
-            </a:r>
-            <a:r>
-              <a:rPr lang="pt-BR" sz="2600" b="1" dirty="0" err="1" smtClean="0"/>
-              <a:t>length</a:t>
-            </a:r>
-            <a:r>
-              <a:rPr lang="pt-BR" sz="2600" dirty="0" smtClean="0">
-                <a:solidFill>
-                  <a:srgbClr val="FFC000"/>
-                </a:solidFill>
-              </a:rPr>
-              <a:t>; </a:t>
-            </a:r>
+            </a:br>
             <a:r>
               <a:rPr lang="pt-BR" sz="2600" dirty="0" smtClean="0"/>
-              <a:t>i</a:t>
-            </a:r>
-            <a:r>
-              <a:rPr lang="pt-BR" sz="2600" dirty="0" smtClean="0">
-                <a:solidFill>
-                  <a:srgbClr val="FFC000"/>
-                </a:solidFill>
-              </a:rPr>
-              <a:t>++) {</a:t>
-            </a:r>
-            <a:br>
-              <a:rPr lang="pt-BR" sz="2600" dirty="0" smtClean="0">
-                <a:solidFill>
-                  <a:srgbClr val="FFC000"/>
-                </a:solidFill>
-              </a:rPr>
-            </a:br>
-            <a:r>
-              <a:rPr lang="pt-BR" sz="2600" dirty="0" smtClean="0">
-                <a:solidFill>
-                  <a:srgbClr val="FFC000"/>
-                </a:solidFill>
-              </a:rPr>
-              <a:t>	System.</a:t>
-            </a:r>
-            <a:r>
-              <a:rPr lang="pt-BR" sz="2600" dirty="0" err="1" smtClean="0">
-                <a:solidFill>
-                  <a:srgbClr val="FFC000"/>
-                </a:solidFill>
-              </a:rPr>
-              <a:t>out.println</a:t>
-            </a:r>
-            <a:r>
-              <a:rPr lang="pt-BR" sz="2600" dirty="0" smtClean="0">
-                <a:solidFill>
-                  <a:srgbClr val="FFC000"/>
-                </a:solidFill>
-              </a:rPr>
-              <a:t>(</a:t>
-            </a:r>
-            <a:r>
-              <a:rPr lang="pt-BR" sz="2600" dirty="0" smtClean="0"/>
-              <a:t>nome[i]</a:t>
-            </a:r>
-            <a:r>
-              <a:rPr lang="pt-BR" sz="2600" dirty="0" smtClean="0">
-                <a:solidFill>
-                  <a:srgbClr val="FFC000"/>
-                </a:solidFill>
-              </a:rPr>
-              <a:t>);</a:t>
-            </a:r>
-            <a:br>
-              <a:rPr lang="pt-BR" sz="2600" dirty="0" smtClean="0">
-                <a:solidFill>
-                  <a:srgbClr val="FFC000"/>
-                </a:solidFill>
-              </a:rPr>
-            </a:br>
-            <a:r>
-              <a:rPr lang="pt-BR" sz="2600" dirty="0" smtClean="0">
-                <a:solidFill>
-                  <a:srgbClr val="FFC000"/>
-                </a:solidFill>
-              </a:rPr>
               <a:t>}</a:t>
             </a:r>
-            <a:endParaRPr lang="en-US" sz="2600" dirty="0" smtClean="0">
-              <a:solidFill>
-                <a:srgbClr val="FFC000"/>
-              </a:solidFill>
-            </a:endParaRPr>
+            <a:endParaRPr lang="en-US" sz="2600" dirty="0" smtClean="0"/>
           </a:p>
         </p:txBody>
       </p:sp>
@@ -7559,6 +7618,35 @@
               <a:t>Forma tradicional (“for” comum)</a:t>
             </a:r>
             <a:endParaRPr lang="en-US" sz="2800" dirty="0" smtClean="0"/>
+          </a:p>
+        </p:txBody>
+      </p:sp>
+      <p:sp>
+        <p:nvSpPr>
+          <p:cNvPr id="5" name="Espaço Reservado para Número de Slide 4"/>
+          <p:cNvSpPr>
+            <a:spLocks noGrp="1"/>
+          </p:cNvSpPr>
+          <p:nvPr>
+            <p:ph type="sldNum" sz="quarter" idx="12"/>
+          </p:nvPr>
+        </p:nvSpPr>
+        <p:spPr/>
+        <p:txBody>
+          <a:bodyPr/>
+          <a:lstStyle/>
+          <a:p>
+            <a:pPr>
+              <a:defRPr/>
+            </a:pPr>
+            <a:fld id="{9E364CE3-A46F-4C27-B40A-8C650EEE1408}" type="slidenum">
+              <a:rPr lang="pt-BR" smtClean="0"/>
+              <a:pPr>
+                <a:defRPr/>
+              </a:pPr>
+              <a:t>10</a:t>
+            </a:fld>
+            <a:endParaRPr lang="pt-BR"/>
           </a:p>
         </p:txBody>
       </p:sp>
@@ -7645,8 +7733,16 @@
               <a:buNone/>
             </a:pPr>
             <a:r>
+              <a:rPr lang="pt-BR" dirty="0" smtClean="0">
+                <a:solidFill>
+                  <a:srgbClr val="FFC000"/>
+                </a:solidFill>
+              </a:rPr>
+              <a:t>String[ ] nome = { “</a:t>
+            </a:r>
+            <a:r>
               <a:rPr lang="pt-BR" dirty="0" smtClean="0"/>
-              <a:t>String[ ] nome = { “</a:t>
+              <a:t>Manuel</a:t>
             </a:r>
             <a:r>
               <a:rPr lang="pt-BR" dirty="0" smtClean="0">
@@ -7654,35 +7750,59 @@
                   <a:srgbClr val="FFC000"/>
                 </a:solidFill>
               </a:rPr>
-              <a:t>Manuel</a:t>
+              <a:t>”, “</a:t>
             </a:r>
             <a:r>
               <a:rPr lang="pt-BR" dirty="0" smtClean="0"/>
+              <a:t>Joaquim</a:t>
+            </a:r>
+            <a:r>
+              <a:rPr lang="pt-BR" dirty="0" smtClean="0">
+                <a:solidFill>
+                  <a:srgbClr val="FFC000"/>
+                </a:solidFill>
+              </a:rPr>
               <a:t>”, “</a:t>
             </a:r>
             <a:r>
+              <a:rPr lang="pt-BR" dirty="0" smtClean="0"/>
+              <a:t>Maria</a:t>
+            </a:r>
+            <a:r>
               <a:rPr lang="pt-BR" dirty="0" smtClean="0">
                 <a:solidFill>
                   <a:srgbClr val="FFC000"/>
                 </a:solidFill>
               </a:rPr>
-              <a:t>Joaquim</a:t>
+              <a:t>”, 	“</a:t>
             </a:r>
             <a:r>
               <a:rPr lang="pt-BR" dirty="0" smtClean="0"/>
+              <a:t>Augusto</a:t>
+            </a:r>
+            <a:r>
+              <a:rPr lang="pt-BR" dirty="0" smtClean="0">
+                <a:solidFill>
+                  <a:srgbClr val="FFC000"/>
+                </a:solidFill>
+              </a:rPr>
               <a:t>”, “</a:t>
             </a:r>
             <a:r>
+              <a:rPr lang="pt-BR" dirty="0" smtClean="0"/>
+              <a:t>Júlio</a:t>
+            </a:r>
+            <a:r>
               <a:rPr lang="pt-BR" dirty="0" smtClean="0">
                 <a:solidFill>
                   <a:srgbClr val="FFC000"/>
                 </a:solidFill>
               </a:rPr>
-              <a:t>Maria</a:t>
+              <a:t>”, “</a:t>
             </a:r>
             <a:r>
               <a:rPr lang="pt-BR" dirty="0" smtClean="0"/>
-              <a:t>”, 	“</a:t>
+              <a:t>Silvia</a:t>
             </a:r>
             <a:r>
               <a:rPr lang="pt-BR" dirty="0" smtClean="0">
@@ -7690,34 +7810,6 @@
                   <a:srgbClr val="FFC000"/>
                 </a:solidFill>
               </a:rPr>
-              <a:t>Augusto</a:t>
-            </a:r>
-            <a:r>
-              <a:rPr lang="pt-BR" dirty="0" smtClean="0"/>
-              <a:t>”, “</a:t>
-            </a:r>
-            <a:r>
-              <a:rPr lang="pt-BR" dirty="0" smtClean="0">
-                <a:solidFill>
-                  <a:srgbClr val="FFC000"/>
-                </a:solidFill>
-              </a:rPr>
-              <a:t>Júlio</a:t>
-            </a:r>
-            <a:r>
-              <a:rPr lang="pt-BR" dirty="0" smtClean="0"/>
-              <a:t>”, “</a:t>
-            </a:r>
-            <a:r>
-              <a:rPr lang="pt-BR" dirty="0" smtClean="0">
-                <a:solidFill>
-                  <a:srgbClr val="FFC000"/>
-                </a:solidFill>
-              </a:rPr>
-              <a:t>Silvia</a:t>
-            </a:r>
-            <a:r>
-              <a:rPr lang="pt-BR" dirty="0" smtClean="0"/>
               <a:t>” };</a:t>
             </a:r>
           </a:p>
@@ -7738,12 +7830,47 @@
               <a:buNone/>
             </a:pPr>
             <a:r>
+              <a:rPr lang="pt-BR" dirty="0" smtClean="0"/>
+              <a:t>for </a:t>
+            </a:r>
+            <a:r>
+              <a:rPr lang="pt-BR" dirty="0" smtClean="0"/>
+              <a:t>(</a:t>
+            </a:r>
+            <a:r>
               <a:rPr lang="pt-BR" dirty="0" smtClean="0">
                 <a:solidFill>
                   <a:srgbClr val="FFC000"/>
                 </a:solidFill>
               </a:rPr>
-              <a:t>for </a:t>
+              <a:t>String n : nome</a:t>
+            </a:r>
+            <a:r>
+              <a:rPr lang="pt-BR" dirty="0" smtClean="0"/>
+              <a:t>) </a:t>
+            </a:r>
+            <a:r>
+              <a:rPr lang="pt-BR" dirty="0" smtClean="0"/>
+              <a:t>{</a:t>
+            </a:r>
+            <a:br>
+              <a:rPr lang="pt-BR" dirty="0" smtClean="0"/>
+            </a:br>
+            <a:r>
+              <a:rPr lang="pt-BR" dirty="0" smtClean="0"/>
+              <a:t>	</a:t>
+            </a:r>
+            <a:r>
+              <a:rPr lang="pt-BR" dirty="0" smtClean="0"/>
+              <a:t>System.</a:t>
+            </a:r>
+            <a:r>
+              <a:rPr lang="pt-BR" dirty="0" err="1" smtClean="0"/>
+              <a:t>out.println</a:t>
+            </a:r>
+            <a:r>
+              <a:rPr lang="pt-BR" dirty="0" smtClean="0"/>
+              <a:t>(</a:t>
             </a:r>
             <a:r>
               <a:rPr lang="pt-BR" dirty="0" smtClean="0">
@@ -7751,107 +7878,24 @@
                   <a:srgbClr val="FFC000"/>
                 </a:solidFill>
               </a:rPr>
-              <a:t>(</a:t>
+              <a:t>n</a:t>
             </a:r>
             <a:r>
               <a:rPr lang="pt-BR" dirty="0" smtClean="0"/>
-              <a:t>String n : nome</a:t>
-            </a:r>
-            <a:r>
-              <a:rPr lang="pt-BR" dirty="0" smtClean="0">
-                <a:solidFill>
-                  <a:srgbClr val="FFC000"/>
-                </a:solidFill>
-              </a:rPr>
-              <a:t>) </a:t>
-            </a:r>
-            <a:r>
-              <a:rPr lang="pt-BR" dirty="0" smtClean="0">
-                <a:solidFill>
-                  <a:srgbClr val="FFC000"/>
-                </a:solidFill>
-              </a:rPr>
-              <a:t>{</a:t>
+              <a:t>);</a:t>
+            </a:r>
+            <a:r>
+              <a:rPr lang="pt-BR" dirty="0" smtClean="0"/>
+              <a:t/>
             </a:r>
             <a:br>
-              <a:rPr lang="pt-BR" dirty="0" smtClean="0">
-                <a:solidFill>
-                  <a:srgbClr val="FFC000"/>
-                </a:solidFill>
-              </a:rPr>
+              <a:rPr lang="pt-BR" dirty="0" smtClean="0"/>
             </a:br>
             <a:r>
-              <a:rPr lang="pt-BR" dirty="0" smtClean="0">
-                <a:solidFill>
-                  <a:srgbClr val="FFC000"/>
-                </a:solidFill>
-              </a:rPr>
-              <a:t>	</a:t>
-            </a:r>
-            <a:r>
-              <a:rPr lang="pt-BR" dirty="0" smtClean="0">
-                <a:solidFill>
-                  <a:srgbClr val="FFC000"/>
-                </a:solidFill>
-              </a:rPr>
-              <a:t>System.</a:t>
-            </a:r>
-            <a:r>
-              <a:rPr lang="pt-BR" dirty="0" err="1" smtClean="0">
-                <a:solidFill>
-                  <a:srgbClr val="FFC000"/>
-                </a:solidFill>
-              </a:rPr>
-              <a:t>out.println</a:t>
-            </a:r>
-            <a:r>
-              <a:rPr lang="pt-BR" dirty="0" smtClean="0">
-                <a:solidFill>
-                  <a:srgbClr val="FFC000"/>
-                </a:solidFill>
-              </a:rPr>
-              <a:t>(</a:t>
-            </a:r>
-            <a:r>
               <a:rPr lang="pt-BR" dirty="0" smtClean="0"/>
-              <a:t>n</a:t>
-            </a:r>
-            <a:r>
-              <a:rPr lang="pt-BR" dirty="0" smtClean="0">
-                <a:solidFill>
-                  <a:srgbClr val="FFC000"/>
-                </a:solidFill>
-              </a:rPr>
-              <a:t>);</a:t>
-            </a:r>
-            <a:r>
-              <a:rPr lang="pt-BR" dirty="0" smtClean="0">
-                <a:solidFill>
-                  <a:srgbClr val="FFC000"/>
-                </a:solidFill>
-              </a:rPr>
-              <a:t/>
-            </a:r>
-            <a:br>
-              <a:rPr lang="pt-BR" dirty="0" smtClean="0">
-                <a:solidFill>
-                  <a:srgbClr val="FFC000"/>
-                </a:solidFill>
-              </a:rPr>
-            </a:br>
-            <a:r>
-              <a:rPr lang="pt-BR" dirty="0" smtClean="0">
-                <a:solidFill>
-                  <a:srgbClr val="FFC000"/>
-                </a:solidFill>
-              </a:rPr>
               <a:t>}</a:t>
             </a:r>
-            <a:endParaRPr lang="en-US" dirty="0" smtClean="0">
-              <a:solidFill>
-                <a:srgbClr val="FFC000"/>
-              </a:solidFill>
-            </a:endParaRPr>
+            <a:endParaRPr lang="en-US" dirty="0" smtClean="0"/>
           </a:p>
         </p:txBody>
       </p:sp>
@@ -7909,6 +7953,35 @@
               <a:t>”)</a:t>
             </a:r>
             <a:endParaRPr lang="en-US" sz="2800" dirty="0" smtClean="0"/>
+          </a:p>
+        </p:txBody>
+      </p:sp>
+      <p:sp>
+        <p:nvSpPr>
+          <p:cNvPr id="5" name="Espaço Reservado para Número de Slide 4"/>
+          <p:cNvSpPr>
+            <a:spLocks noGrp="1"/>
+          </p:cNvSpPr>
+          <p:nvPr>
+            <p:ph type="sldNum" sz="quarter" idx="12"/>
+          </p:nvPr>
+        </p:nvSpPr>
+        <p:spPr/>
+        <p:txBody>
+          <a:bodyPr/>
+          <a:lstStyle/>
+          <a:p>
+            <a:pPr>
+              <a:defRPr/>
+            </a:pPr>
+            <a:fld id="{9E364CE3-A46F-4C27-B40A-8C650EEE1408}" type="slidenum">
+              <a:rPr lang="pt-BR" smtClean="0"/>
+              <a:pPr>
+                <a:defRPr/>
+              </a:pPr>
+              <a:t>11</a:t>
+            </a:fld>
+            <a:endParaRPr lang="pt-BR"/>
           </a:p>
         </p:txBody>
       </p:sp>
@@ -7996,12 +8069,32 @@
               <a:buNone/>
             </a:pPr>
             <a:r>
-              <a:rPr lang="pt-BR" sz="2400" dirty="0" err="1" smtClean="0"/>
+              <a:rPr lang="pt-BR" sz="2400" dirty="0" err="1" smtClean="0">
+                <a:solidFill>
+                  <a:srgbClr val="FFC000"/>
+                </a:solidFill>
+              </a:rPr>
               <a:t>long</a:t>
             </a:r>
             <a:r>
+              <a:rPr lang="pt-BR" sz="2400" dirty="0" smtClean="0">
+                <a:solidFill>
+                  <a:srgbClr val="FFC000"/>
+                </a:solidFill>
+              </a:rPr>
+              <a:t>[ ][ ]</a:t>
+            </a:r>
+            <a:r>
               <a:rPr lang="pt-BR" sz="2400" dirty="0" smtClean="0"/>
-              <a:t>[ ][ ]</a:t>
+              <a:t> matricula = </a:t>
+            </a:r>
+            <a:r>
+              <a:rPr lang="pt-BR" sz="2400" dirty="0" err="1" smtClean="0">
+                <a:solidFill>
+                  <a:srgbClr val="FFC000"/>
+                </a:solidFill>
+              </a:rPr>
+              <a:t>new</a:t>
             </a:r>
             <a:r>
               <a:rPr lang="pt-BR" sz="2400" dirty="0" smtClean="0">
@@ -8009,30 +8102,26 @@
                   <a:srgbClr val="FFC000"/>
                 </a:solidFill>
               </a:rPr>
-              <a:t> matricula = </a:t>
-            </a:r>
-            <a:r>
-              <a:rPr lang="pt-BR" sz="2400" dirty="0" err="1" smtClean="0"/>
-              <a:t>new</a:t>
+              <a:t> </a:t>
+            </a:r>
+            <a:r>
+              <a:rPr lang="pt-BR" sz="2400" dirty="0" err="1" smtClean="0">
+                <a:solidFill>
+                  <a:srgbClr val="FFC000"/>
+                </a:solidFill>
+              </a:rPr>
+              <a:t>long</a:t>
+            </a:r>
+            <a:r>
+              <a:rPr lang="pt-BR" sz="2400" dirty="0" smtClean="0">
+                <a:solidFill>
+                  <a:srgbClr val="FFC000"/>
+                </a:solidFill>
+              </a:rPr>
+              <a:t>[3][5]</a:t>
             </a:r>
             <a:r>
               <a:rPr lang="pt-BR" sz="2400" dirty="0" smtClean="0"/>
-              <a:t> </a:t>
-            </a:r>
-            <a:r>
-              <a:rPr lang="pt-BR" sz="2400" dirty="0" err="1" smtClean="0"/>
-              <a:t>long</a:t>
-            </a:r>
-            <a:r>
-              <a:rPr lang="pt-BR" sz="2400" dirty="0" smtClean="0"/>
-              <a:t>[3][5]</a:t>
-            </a:r>
-            <a:r>
-              <a:rPr lang="pt-BR" sz="2400" dirty="0" smtClean="0">
-                <a:solidFill>
-                  <a:srgbClr val="FFC000"/>
-                </a:solidFill>
-              </a:rPr>
               <a:t>;</a:t>
             </a:r>
           </a:p>
@@ -8050,39 +8139,27 @@
               <a:buNone/>
             </a:pPr>
             <a:r>
+              <a:rPr lang="pt-BR" sz="2400" dirty="0" smtClean="0"/>
+              <a:t>matricula</a:t>
+            </a:r>
+            <a:r>
               <a:rPr lang="pt-BR" sz="2400" dirty="0" smtClean="0">
                 <a:solidFill>
                   <a:srgbClr val="FFC000"/>
                 </a:solidFill>
               </a:rPr>
-              <a:t>matricula</a:t>
+              <a:t>[0][0]</a:t>
             </a:r>
             <a:r>
               <a:rPr lang="pt-BR" sz="2400" dirty="0" smtClean="0"/>
-              <a:t>[0][0]</a:t>
-            </a:r>
-            <a:r>
-              <a:rPr lang="pt-BR" sz="2400" dirty="0" smtClean="0">
-                <a:solidFill>
-                  <a:srgbClr val="FFC000"/>
-                </a:solidFill>
-              </a:rPr>
               <a:t> = </a:t>
             </a:r>
             <a:r>
-              <a:rPr lang="pt-BR" sz="2000" dirty="0" smtClean="0">
-                <a:solidFill>
-                  <a:srgbClr val="FFC000"/>
-                </a:solidFill>
-              </a:rPr>
+              <a:rPr lang="pt-BR" sz="2000" dirty="0" smtClean="0"/>
               <a:t>12563</a:t>
             </a:r>
             <a:r>
-              <a:rPr lang="pt-BR" sz="2400" dirty="0" smtClean="0">
-                <a:solidFill>
-                  <a:srgbClr val="FFC000"/>
-                </a:solidFill>
-              </a:rPr>
+              <a:rPr lang="pt-BR" sz="2400" dirty="0" smtClean="0"/>
               <a:t>;</a:t>
             </a:r>
           </a:p>
@@ -8100,39 +8177,27 @@
               <a:buNone/>
             </a:pPr>
             <a:r>
+              <a:rPr lang="pt-BR" sz="2400" dirty="0" smtClean="0"/>
+              <a:t>matricula</a:t>
+            </a:r>
+            <a:r>
               <a:rPr lang="pt-BR" sz="2400" dirty="0" smtClean="0">
                 <a:solidFill>
                   <a:srgbClr val="FFC000"/>
                 </a:solidFill>
               </a:rPr>
-              <a:t>matricula</a:t>
+              <a:t>[0][1]</a:t>
             </a:r>
             <a:r>
               <a:rPr lang="pt-BR" sz="2400" dirty="0" smtClean="0"/>
-              <a:t>[0][1]</a:t>
-            </a:r>
-            <a:r>
-              <a:rPr lang="pt-BR" sz="2400" dirty="0" smtClean="0">
-                <a:solidFill>
-                  <a:srgbClr val="FFC000"/>
-                </a:solidFill>
-              </a:rPr>
               <a:t> = </a:t>
             </a:r>
             <a:r>
-              <a:rPr lang="pt-BR" sz="2000" dirty="0" smtClean="0">
-                <a:solidFill>
-                  <a:srgbClr val="FFC000"/>
-                </a:solidFill>
-              </a:rPr>
+              <a:rPr lang="pt-BR" sz="2000" dirty="0" smtClean="0"/>
               <a:t>8473</a:t>
             </a:r>
             <a:r>
-              <a:rPr lang="pt-BR" sz="2400" dirty="0" smtClean="0">
-                <a:solidFill>
-                  <a:srgbClr val="FFC000"/>
-                </a:solidFill>
-              </a:rPr>
+              <a:rPr lang="pt-BR" sz="2400" dirty="0" smtClean="0"/>
               <a:t>;</a:t>
             </a:r>
           </a:p>
@@ -8150,39 +8215,27 @@
               <a:buNone/>
             </a:pPr>
             <a:r>
+              <a:rPr lang="pt-BR" sz="2400" dirty="0" smtClean="0"/>
+              <a:t>matricula</a:t>
+            </a:r>
+            <a:r>
               <a:rPr lang="pt-BR" sz="2400" dirty="0" smtClean="0">
                 <a:solidFill>
                   <a:srgbClr val="FFC000"/>
                 </a:solidFill>
               </a:rPr>
-              <a:t>matricula</a:t>
+              <a:t>[0][2]</a:t>
             </a:r>
             <a:r>
               <a:rPr lang="pt-BR" sz="2400" dirty="0" smtClean="0"/>
-              <a:t>[0][2]</a:t>
-            </a:r>
-            <a:r>
-              <a:rPr lang="pt-BR" sz="2400" dirty="0" smtClean="0">
-                <a:solidFill>
-                  <a:srgbClr val="FFC000"/>
-                </a:solidFill>
-              </a:rPr>
               <a:t> = </a:t>
             </a:r>
             <a:r>
-              <a:rPr lang="pt-BR" sz="2000" dirty="0" smtClean="0">
-                <a:solidFill>
-                  <a:srgbClr val="FFC000"/>
-                </a:solidFill>
-              </a:rPr>
+              <a:rPr lang="pt-BR" sz="2000" dirty="0" smtClean="0"/>
               <a:t>3693</a:t>
             </a:r>
             <a:r>
-              <a:rPr lang="pt-BR" sz="2400" dirty="0" smtClean="0">
-                <a:solidFill>
-                  <a:srgbClr val="FFC000"/>
-                </a:solidFill>
-              </a:rPr>
+              <a:rPr lang="pt-BR" sz="2400" dirty="0" smtClean="0"/>
               <a:t>;</a:t>
             </a:r>
           </a:p>
@@ -8200,39 +8253,27 @@
               <a:buNone/>
             </a:pPr>
             <a:r>
+              <a:rPr lang="pt-BR" sz="2400" dirty="0" smtClean="0"/>
+              <a:t>matricula</a:t>
+            </a:r>
+            <a:r>
               <a:rPr lang="pt-BR" sz="2400" dirty="0" smtClean="0">
                 <a:solidFill>
                   <a:srgbClr val="FFC000"/>
                 </a:solidFill>
               </a:rPr>
-              <a:t>matricula</a:t>
+              <a:t>[0][3]</a:t>
             </a:r>
             <a:r>
               <a:rPr lang="pt-BR" sz="2400" dirty="0" smtClean="0"/>
-              <a:t>[0][3]</a:t>
-            </a:r>
-            <a:r>
-              <a:rPr lang="pt-BR" sz="2400" dirty="0" smtClean="0">
-                <a:solidFill>
-                  <a:srgbClr val="FFC000"/>
-                </a:solidFill>
-              </a:rPr>
               <a:t> = </a:t>
             </a:r>
             <a:r>
-              <a:rPr lang="pt-BR" sz="2000" dirty="0" smtClean="0">
-                <a:solidFill>
-                  <a:srgbClr val="FFC000"/>
-                </a:solidFill>
-              </a:rPr>
+              <a:rPr lang="pt-BR" sz="2000" dirty="0" smtClean="0"/>
               <a:t>8738</a:t>
             </a:r>
             <a:r>
-              <a:rPr lang="pt-BR" sz="2400" dirty="0" smtClean="0">
-                <a:solidFill>
-                  <a:srgbClr val="FFC000"/>
-                </a:solidFill>
-              </a:rPr>
+              <a:rPr lang="pt-BR" sz="2400" dirty="0" smtClean="0"/>
               <a:t>;</a:t>
             </a:r>
           </a:p>
@@ -8250,39 +8291,27 @@
               <a:buNone/>
             </a:pPr>
             <a:r>
+              <a:rPr lang="pt-BR" sz="2400" dirty="0" smtClean="0"/>
+              <a:t>matricula</a:t>
+            </a:r>
+            <a:r>
               <a:rPr lang="pt-BR" sz="2400" dirty="0" smtClean="0">
                 <a:solidFill>
                   <a:srgbClr val="FFC000"/>
                 </a:solidFill>
               </a:rPr>
-              <a:t>matricula</a:t>
+              <a:t>[0][4]</a:t>
             </a:r>
             <a:r>
               <a:rPr lang="pt-BR" sz="2400" dirty="0" smtClean="0"/>
-              <a:t>[0][4]</a:t>
-            </a:r>
-            <a:r>
-              <a:rPr lang="pt-BR" sz="2400" dirty="0" smtClean="0">
-                <a:solidFill>
-                  <a:srgbClr val="FFC000"/>
-                </a:solidFill>
-              </a:rPr>
               <a:t> = </a:t>
             </a:r>
             <a:r>
-              <a:rPr lang="pt-BR" sz="2000" dirty="0" smtClean="0">
-                <a:solidFill>
-                  <a:srgbClr val="FFC000"/>
-                </a:solidFill>
-              </a:rPr>
+              <a:rPr lang="pt-BR" sz="2000" dirty="0" smtClean="0"/>
               <a:t>9838 </a:t>
             </a:r>
             <a:r>
-              <a:rPr lang="pt-BR" sz="2400" dirty="0" smtClean="0">
-                <a:solidFill>
-                  <a:srgbClr val="FFC000"/>
-                </a:solidFill>
-              </a:rPr>
+              <a:rPr lang="pt-BR" sz="2400" dirty="0" smtClean="0"/>
               <a:t>;</a:t>
             </a:r>
           </a:p>
@@ -8300,39 +8329,27 @@
               <a:buNone/>
             </a:pPr>
             <a:r>
+              <a:rPr lang="pt-BR" sz="2400" dirty="0" smtClean="0"/>
+              <a:t>matricula</a:t>
+            </a:r>
+            <a:r>
               <a:rPr lang="pt-BR" sz="2400" dirty="0" smtClean="0">
                 <a:solidFill>
                   <a:srgbClr val="FFC000"/>
                 </a:solidFill>
               </a:rPr>
-              <a:t>matricula</a:t>
+              <a:t>[1][0]</a:t>
             </a:r>
             <a:r>
               <a:rPr lang="pt-BR" sz="2400" dirty="0" smtClean="0"/>
-              <a:t>[1][0]</a:t>
-            </a:r>
-            <a:r>
-              <a:rPr lang="pt-BR" sz="2400" dirty="0" smtClean="0">
-                <a:solidFill>
-                  <a:srgbClr val="FFC000"/>
-                </a:solidFill>
-              </a:rPr>
               <a:t> = </a:t>
             </a:r>
             <a:r>
-              <a:rPr lang="pt-BR" sz="2000" dirty="0" smtClean="0">
-                <a:solidFill>
-                  <a:srgbClr val="FFC000"/>
-                </a:solidFill>
-              </a:rPr>
+              <a:rPr lang="pt-BR" sz="2000" dirty="0" smtClean="0"/>
               <a:t>7438</a:t>
             </a:r>
             <a:r>
-              <a:rPr lang="pt-BR" sz="2400" dirty="0" smtClean="0">
-                <a:solidFill>
-                  <a:srgbClr val="FFC000"/>
-                </a:solidFill>
-              </a:rPr>
+              <a:rPr lang="pt-BR" sz="2400" dirty="0" smtClean="0"/>
               <a:t>;</a:t>
             </a:r>
           </a:p>
@@ -8350,39 +8367,27 @@
               <a:buNone/>
             </a:pPr>
             <a:r>
+              <a:rPr lang="pt-BR" sz="2400" dirty="0" smtClean="0"/>
+              <a:t>matricula</a:t>
+            </a:r>
+            <a:r>
               <a:rPr lang="pt-BR" sz="2400" dirty="0" smtClean="0">
                 <a:solidFill>
                   <a:srgbClr val="FFC000"/>
                 </a:solidFill>
               </a:rPr>
-              <a:t>matricula</a:t>
+              <a:t>[1][1]</a:t>
             </a:r>
             <a:r>
               <a:rPr lang="pt-BR" sz="2400" dirty="0" smtClean="0"/>
-              <a:t>[1][1]</a:t>
-            </a:r>
-            <a:r>
-              <a:rPr lang="pt-BR" sz="2400" dirty="0" smtClean="0">
-                <a:solidFill>
-                  <a:srgbClr val="FFC000"/>
-                </a:solidFill>
-              </a:rPr>
               <a:t> = </a:t>
             </a:r>
             <a:r>
-              <a:rPr lang="pt-BR" sz="2000" dirty="0" smtClean="0">
-                <a:solidFill>
-                  <a:srgbClr val="FFC000"/>
-                </a:solidFill>
-              </a:rPr>
+              <a:rPr lang="pt-BR" sz="2000" dirty="0" smtClean="0"/>
               <a:t>12987</a:t>
             </a:r>
             <a:r>
-              <a:rPr lang="pt-BR" sz="2400" dirty="0" smtClean="0">
-                <a:solidFill>
-                  <a:srgbClr val="FFC000"/>
-                </a:solidFill>
-              </a:rPr>
+              <a:rPr lang="pt-BR" sz="2400" dirty="0" smtClean="0"/>
               <a:t>;</a:t>
             </a:r>
           </a:p>
@@ -8400,11 +8405,7 @@
               <a:buNone/>
             </a:pPr>
             <a:r>
-              <a:rPr lang="pt-BR" sz="2400" dirty="0" smtClean="0">
-                <a:solidFill>
-                  <a:srgbClr val="FFC000"/>
-                </a:solidFill>
-              </a:rPr>
+              <a:rPr lang="pt-BR" sz="2400" dirty="0" smtClean="0"/>
               <a:t>....</a:t>
             </a:r>
           </a:p>
@@ -8422,11 +8423,7 @@
               <a:buNone/>
             </a:pPr>
             <a:r>
-              <a:rPr lang="pt-BR" sz="2400" dirty="0" smtClean="0">
-                <a:solidFill>
-                  <a:srgbClr val="FFC000"/>
-                </a:solidFill>
-              </a:rPr>
+              <a:rPr lang="pt-BR" sz="2400" dirty="0" smtClean="0"/>
               <a:t>....</a:t>
             </a:r>
           </a:p>
@@ -8444,46 +8441,30 @@
               <a:buNone/>
             </a:pPr>
             <a:r>
+              <a:rPr lang="pt-BR" sz="2400" dirty="0" smtClean="0"/>
+              <a:t>matricula</a:t>
+            </a:r>
+            <a:r>
               <a:rPr lang="pt-BR" sz="2400" dirty="0" smtClean="0">
                 <a:solidFill>
                   <a:srgbClr val="FFC000"/>
                 </a:solidFill>
               </a:rPr>
-              <a:t>matricula</a:t>
+              <a:t>[2][4]</a:t>
             </a:r>
             <a:r>
               <a:rPr lang="pt-BR" sz="2400" dirty="0" smtClean="0"/>
-              <a:t>[2][4]</a:t>
-            </a:r>
-            <a:r>
-              <a:rPr lang="pt-BR" sz="2400" dirty="0" smtClean="0">
-                <a:solidFill>
-                  <a:srgbClr val="FFC000"/>
-                </a:solidFill>
-              </a:rPr>
               <a:t> = </a:t>
             </a:r>
             <a:r>
-              <a:rPr lang="pt-BR" sz="2000" dirty="0" smtClean="0">
-                <a:solidFill>
-                  <a:srgbClr val="FFC000"/>
-                </a:solidFill>
-              </a:rPr>
+              <a:rPr lang="pt-BR" sz="2000" dirty="0" smtClean="0"/>
               <a:t>9343</a:t>
             </a:r>
             <a:r>
-              <a:rPr lang="pt-BR" sz="2400" dirty="0" smtClean="0">
-                <a:solidFill>
-                  <a:srgbClr val="FFC000"/>
-                </a:solidFill>
-              </a:rPr>
+              <a:rPr lang="pt-BR" sz="2400" dirty="0" smtClean="0"/>
               <a:t>;</a:t>
             </a:r>
-            <a:endParaRPr lang="en-US" sz="2400" dirty="0" smtClean="0">
-              <a:solidFill>
-                <a:srgbClr val="FFC000"/>
-              </a:solidFill>
-            </a:endParaRPr>
+            <a:endParaRPr lang="en-US" sz="2400" dirty="0" smtClean="0"/>
           </a:p>
         </p:txBody>
       </p:sp>
@@ -9565,6 +9546,35 @@
               </a:rPr>
               <a:t>matricula</a:t>
             </a:r>
+          </a:p>
+        </p:txBody>
+      </p:sp>
+      <p:sp>
+        <p:nvSpPr>
+          <p:cNvPr id="20" name="Espaço Reservado para Número de Slide 19"/>
+          <p:cNvSpPr>
+            <a:spLocks noGrp="1"/>
+          </p:cNvSpPr>
+          <p:nvPr>
+            <p:ph type="sldNum" sz="quarter" idx="12"/>
+          </p:nvPr>
+        </p:nvSpPr>
+        <p:spPr/>
+        <p:txBody>
+          <a:bodyPr/>
+          <a:lstStyle/>
+          <a:p>
+            <a:pPr>
+              <a:defRPr/>
+            </a:pPr>
+            <a:fld id="{E69D0DB4-801C-41EC-8349-1D089238E876}" type="slidenum">
+              <a:rPr lang="pt-BR" smtClean="0"/>
+              <a:pPr>
+                <a:defRPr/>
+              </a:pPr>
+              <a:t>12</a:t>
+            </a:fld>
+            <a:endParaRPr lang="pt-BR"/>
           </a:p>
         </p:txBody>
       </p:sp>
@@ -9652,12 +9662,24 @@
               <a:buNone/>
             </a:pPr>
             <a:r>
-              <a:rPr lang="pt-BR" sz="2400" dirty="0" err="1" smtClean="0"/>
+              <a:rPr lang="pt-BR" sz="2400" dirty="0" err="1" smtClean="0">
+                <a:solidFill>
+                  <a:srgbClr val="FFC000"/>
+                </a:solidFill>
+              </a:rPr>
               <a:t>long</a:t>
             </a:r>
             <a:r>
+              <a:rPr lang="pt-BR" sz="2400" dirty="0" smtClean="0">
+                <a:solidFill>
+                  <a:srgbClr val="FFC000"/>
+                </a:solidFill>
+              </a:rPr>
+              <a:t>[ ][ ] </a:t>
+            </a:r>
+            <a:r>
               <a:rPr lang="pt-BR" sz="2400" dirty="0" smtClean="0"/>
-              <a:t>[ ][ ] </a:t>
+              <a:t>matricula</a:t>
             </a:r>
             <a:r>
               <a:rPr lang="pt-BR" sz="2400" dirty="0" smtClean="0">
@@ -9665,10 +9687,6 @@
                   <a:srgbClr val="FFC000"/>
                 </a:solidFill>
               </a:rPr>
-              <a:t>matricula</a:t>
-            </a:r>
-            <a:r>
-              <a:rPr lang="pt-BR" sz="2400" dirty="0" smtClean="0"/>
               <a:t> = {</a:t>
             </a:r>
           </a:p>
@@ -9686,8 +9704,16 @@
               <a:buNone/>
             </a:pPr>
             <a:r>
+              <a:rPr lang="pt-BR" sz="2400" dirty="0" smtClean="0">
+                <a:solidFill>
+                  <a:srgbClr val="FFC000"/>
+                </a:solidFill>
+              </a:rPr>
+              <a:t>	{ </a:t>
+            </a:r>
+            <a:r>
               <a:rPr lang="pt-BR" sz="2400" dirty="0" smtClean="0"/>
-              <a:t>	{ </a:t>
+              <a:t>12563</a:t>
             </a:r>
             <a:r>
               <a:rPr lang="pt-BR" sz="2400" dirty="0" smtClean="0">
@@ -9695,58 +9721,54 @@
                   <a:srgbClr val="FFC000"/>
                 </a:solidFill>
               </a:rPr>
-              <a:t>12563</a:t>
+              <a:t>, </a:t>
             </a:r>
             <a:r>
               <a:rPr lang="pt-BR" sz="2400" dirty="0" smtClean="0"/>
+              <a:t>8473</a:t>
+            </a:r>
+            <a:r>
+              <a:rPr lang="pt-BR" sz="2400" dirty="0" smtClean="0">
+                <a:solidFill>
+                  <a:srgbClr val="FFC000"/>
+                </a:solidFill>
+              </a:rPr>
               <a:t>, </a:t>
             </a:r>
             <a:r>
+              <a:rPr lang="pt-BR" sz="2400" dirty="0" smtClean="0"/>
+              <a:t>3693</a:t>
+            </a:r>
+            <a:r>
               <a:rPr lang="pt-BR" sz="2400" dirty="0" smtClean="0">
                 <a:solidFill>
                   <a:srgbClr val="FFC000"/>
                 </a:solidFill>
               </a:rPr>
-              <a:t>8473</a:t>
+              <a:t>, </a:t>
             </a:r>
             <a:r>
               <a:rPr lang="pt-BR" sz="2400" dirty="0" smtClean="0"/>
+              <a:t>8738</a:t>
+            </a:r>
+            <a:r>
+              <a:rPr lang="pt-BR" sz="2400" dirty="0" smtClean="0">
+                <a:solidFill>
+                  <a:srgbClr val="FFC000"/>
+                </a:solidFill>
+              </a:rPr>
               <a:t>, </a:t>
             </a:r>
             <a:r>
+              <a:rPr lang="pt-BR" sz="2400" dirty="0" smtClean="0"/>
+              <a:t>9838</a:t>
+            </a:r>
+            <a:r>
               <a:rPr lang="pt-BR" sz="2400" dirty="0" smtClean="0">
                 <a:solidFill>
                   <a:srgbClr val="FFC000"/>
                 </a:solidFill>
               </a:rPr>
-              <a:t>3693</a:t>
-            </a:r>
-            <a:r>
-              <a:rPr lang="pt-BR" sz="2400" dirty="0" smtClean="0"/>
-              <a:t>, </a:t>
-            </a:r>
-            <a:r>
-              <a:rPr lang="pt-BR" sz="2400" dirty="0" smtClean="0">
-                <a:solidFill>
-                  <a:srgbClr val="FFC000"/>
-                </a:solidFill>
-              </a:rPr>
-              <a:t>8738</a:t>
-            </a:r>
-            <a:r>
-              <a:rPr lang="pt-BR" sz="2400" dirty="0" smtClean="0"/>
-              <a:t>, </a:t>
-            </a:r>
-            <a:r>
-              <a:rPr lang="pt-BR" sz="2400" dirty="0" smtClean="0">
-                <a:solidFill>
-                  <a:srgbClr val="FFC000"/>
-                </a:solidFill>
-              </a:rPr>
-              <a:t>9838</a:t>
-            </a:r>
-            <a:r>
-              <a:rPr lang="pt-BR" sz="2400" dirty="0" smtClean="0"/>
               <a:t> },</a:t>
             </a:r>
           </a:p>
@@ -9764,8 +9786,16 @@
               <a:buNone/>
             </a:pPr>
             <a:r>
+              <a:rPr lang="pt-BR" sz="2400" dirty="0" smtClean="0">
+                <a:solidFill>
+                  <a:srgbClr val="FFC000"/>
+                </a:solidFill>
+              </a:rPr>
+              <a:t>	{ </a:t>
+            </a:r>
+            <a:r>
               <a:rPr lang="pt-BR" sz="2400" dirty="0" smtClean="0"/>
-              <a:t>	{ </a:t>
+              <a:t>7438</a:t>
             </a:r>
             <a:r>
               <a:rPr lang="pt-BR" sz="2400" dirty="0" smtClean="0">
@@ -9773,58 +9803,54 @@
                   <a:srgbClr val="FFC000"/>
                 </a:solidFill>
               </a:rPr>
-              <a:t>7438</a:t>
+              <a:t>, </a:t>
             </a:r>
             <a:r>
               <a:rPr lang="pt-BR" sz="2400" dirty="0" smtClean="0"/>
+              <a:t>12987</a:t>
+            </a:r>
+            <a:r>
+              <a:rPr lang="pt-BR" sz="2400" dirty="0" smtClean="0">
+                <a:solidFill>
+                  <a:srgbClr val="FFC000"/>
+                </a:solidFill>
+              </a:rPr>
               <a:t>, </a:t>
             </a:r>
             <a:r>
+              <a:rPr lang="pt-BR" sz="2400" dirty="0" smtClean="0"/>
+              <a:t>0922</a:t>
+            </a:r>
+            <a:r>
               <a:rPr lang="pt-BR" sz="2400" dirty="0" smtClean="0">
                 <a:solidFill>
                   <a:srgbClr val="FFC000"/>
                 </a:solidFill>
               </a:rPr>
-              <a:t>12987</a:t>
+              <a:t>,  </a:t>
             </a:r>
             <a:r>
               <a:rPr lang="pt-BR" sz="2400" dirty="0" smtClean="0"/>
+              <a:t>1879</a:t>
+            </a:r>
+            <a:r>
+              <a:rPr lang="pt-BR" sz="2400" dirty="0" smtClean="0">
+                <a:solidFill>
+                  <a:srgbClr val="FFC000"/>
+                </a:solidFill>
+              </a:rPr>
               <a:t>, </a:t>
             </a:r>
             <a:r>
+              <a:rPr lang="pt-BR" sz="2400" dirty="0" smtClean="0"/>
+              <a:t>70987</a:t>
+            </a:r>
+            <a:r>
               <a:rPr lang="pt-BR" sz="2400" dirty="0" smtClean="0">
                 <a:solidFill>
                   <a:srgbClr val="FFC000"/>
                 </a:solidFill>
               </a:rPr>
-              <a:t>0922</a:t>
-            </a:r>
-            <a:r>
-              <a:rPr lang="pt-BR" sz="2400" dirty="0" smtClean="0"/>
-              <a:t>,  </a:t>
-            </a:r>
-            <a:r>
-              <a:rPr lang="pt-BR" sz="2400" dirty="0" smtClean="0">
-                <a:solidFill>
-                  <a:srgbClr val="FFC000"/>
-                </a:solidFill>
-              </a:rPr>
-              <a:t>1879</a:t>
-            </a:r>
-            <a:r>
-              <a:rPr lang="pt-BR" sz="2400" dirty="0" smtClean="0"/>
-              <a:t>, </a:t>
-            </a:r>
-            <a:r>
-              <a:rPr lang="pt-BR" sz="2400" dirty="0" smtClean="0">
-                <a:solidFill>
-                  <a:srgbClr val="FFC000"/>
-                </a:solidFill>
-              </a:rPr>
-              <a:t>70987</a:t>
-            </a:r>
-            <a:r>
-              <a:rPr lang="pt-BR" sz="2400" dirty="0" smtClean="0"/>
               <a:t> },</a:t>
             </a:r>
           </a:p>
@@ -9842,8 +9868,16 @@
               <a:buNone/>
             </a:pPr>
             <a:r>
+              <a:rPr lang="pt-BR" sz="2400" dirty="0" smtClean="0">
+                <a:solidFill>
+                  <a:srgbClr val="FFC000"/>
+                </a:solidFill>
+              </a:rPr>
+              <a:t>	{ </a:t>
+            </a:r>
+            <a:r>
               <a:rPr lang="pt-BR" sz="2400" dirty="0" smtClean="0"/>
-              <a:t>	{ </a:t>
+              <a:t>20870</a:t>
             </a:r>
             <a:r>
               <a:rPr lang="pt-BR" sz="2400" dirty="0" smtClean="0">
@@ -9851,58 +9885,54 @@
                   <a:srgbClr val="FFC000"/>
                 </a:solidFill>
               </a:rPr>
-              <a:t>20870</a:t>
+              <a:t>, </a:t>
             </a:r>
             <a:r>
               <a:rPr lang="pt-BR" sz="2400" dirty="0" smtClean="0"/>
+              <a:t>9870</a:t>
+            </a:r>
+            <a:r>
+              <a:rPr lang="pt-BR" sz="2400" dirty="0" smtClean="0">
+                <a:solidFill>
+                  <a:srgbClr val="FFC000"/>
+                </a:solidFill>
+              </a:rPr>
               <a:t>, </a:t>
             </a:r>
             <a:r>
+              <a:rPr lang="pt-BR" sz="2400" dirty="0" smtClean="0"/>
+              <a:t>4788</a:t>
+            </a:r>
+            <a:r>
               <a:rPr lang="pt-BR" sz="2400" dirty="0" smtClean="0">
                 <a:solidFill>
                   <a:srgbClr val="FFC000"/>
                 </a:solidFill>
               </a:rPr>
-              <a:t>9870</a:t>
+              <a:t>, </a:t>
             </a:r>
             <a:r>
               <a:rPr lang="pt-BR" sz="2400" dirty="0" smtClean="0"/>
+              <a:t>9784</a:t>
+            </a:r>
+            <a:r>
+              <a:rPr lang="pt-BR" sz="2400" dirty="0" smtClean="0">
+                <a:solidFill>
+                  <a:srgbClr val="FFC000"/>
+                </a:solidFill>
+              </a:rPr>
               <a:t>, </a:t>
             </a:r>
             <a:r>
+              <a:rPr lang="pt-BR" sz="2400" dirty="0" smtClean="0"/>
+              <a:t>3456</a:t>
+            </a:r>
+            <a:r>
               <a:rPr lang="pt-BR" sz="2400" dirty="0" smtClean="0">
                 <a:solidFill>
                   <a:srgbClr val="FFC000"/>
                 </a:solidFill>
               </a:rPr>
-              <a:t>4788</a:t>
-            </a:r>
-            <a:r>
-              <a:rPr lang="pt-BR" sz="2400" dirty="0" smtClean="0"/>
-              <a:t>, </a:t>
-            </a:r>
-            <a:r>
-              <a:rPr lang="pt-BR" sz="2400" dirty="0" smtClean="0">
-                <a:solidFill>
-                  <a:srgbClr val="FFC000"/>
-                </a:solidFill>
-              </a:rPr>
-              <a:t>9784</a:t>
-            </a:r>
-            <a:r>
-              <a:rPr lang="pt-BR" sz="2400" dirty="0" smtClean="0"/>
-              <a:t>, </a:t>
-            </a:r>
-            <a:r>
-              <a:rPr lang="pt-BR" sz="2400" dirty="0" smtClean="0">
-                <a:solidFill>
-                  <a:srgbClr val="FFC000"/>
-                </a:solidFill>
-              </a:rPr>
-              <a:t>3456</a:t>
-            </a:r>
-            <a:r>
-              <a:rPr lang="pt-BR" sz="2400" dirty="0" smtClean="0"/>
               <a:t>}</a:t>
             </a:r>
           </a:p>
@@ -9920,22 +9950,18 @@
               <a:buNone/>
             </a:pPr>
             <a:r>
+              <a:rPr lang="pt-BR" sz="2400" dirty="0" smtClean="0">
+                <a:solidFill>
+                  <a:srgbClr val="FFC000"/>
+                </a:solidFill>
+              </a:rPr>
+              <a:t>}</a:t>
+            </a:r>
+            <a:r>
               <a:rPr lang="pt-BR" sz="2400" dirty="0" smtClean="0"/>
-              <a:t>}</a:t>
-            </a:r>
-            <a:r>
-              <a:rPr lang="pt-BR" sz="2400" dirty="0" smtClean="0">
-                <a:solidFill>
-                  <a:srgbClr val="FFC000"/>
-                </a:solidFill>
-              </a:rPr>
               <a:t>;</a:t>
             </a:r>
-            <a:endParaRPr lang="en-US" sz="2400" dirty="0" smtClean="0">
-              <a:solidFill>
-                <a:srgbClr val="FFC000"/>
-              </a:solidFill>
-            </a:endParaRPr>
+            <a:endParaRPr lang="en-US" sz="2400" dirty="0" smtClean="0"/>
           </a:p>
         </p:txBody>
       </p:sp>
@@ -11017,6 +11043,35 @@
               </a:rPr>
               <a:t>matricula</a:t>
             </a:r>
+          </a:p>
+        </p:txBody>
+      </p:sp>
+      <p:sp>
+        <p:nvSpPr>
+          <p:cNvPr id="20" name="Espaço Reservado para Número de Slide 19"/>
+          <p:cNvSpPr>
+            <a:spLocks noGrp="1"/>
+          </p:cNvSpPr>
+          <p:nvPr>
+            <p:ph type="sldNum" sz="quarter" idx="12"/>
+          </p:nvPr>
+        </p:nvSpPr>
+        <p:spPr/>
+        <p:txBody>
+          <a:bodyPr/>
+          <a:lstStyle/>
+          <a:p>
+            <a:pPr>
+              <a:defRPr/>
+            </a:pPr>
+            <a:fld id="{E69D0DB4-801C-41EC-8349-1D089238E876}" type="slidenum">
+              <a:rPr lang="pt-BR" smtClean="0"/>
+              <a:pPr>
+                <a:defRPr/>
+              </a:pPr>
+              <a:t>13</a:t>
+            </a:fld>
+            <a:endParaRPr lang="pt-BR"/>
           </a:p>
         </p:txBody>
       </p:sp>
@@ -11095,242 +11150,215 @@
               <a:buNone/>
             </a:pPr>
             <a:r>
+              <a:rPr lang="pt-BR" sz="2800" dirty="0" smtClean="0"/>
+              <a:t>for (</a:t>
+            </a:r>
+            <a:r>
+              <a:rPr lang="pt-BR" sz="2800" dirty="0" err="1" smtClean="0"/>
+              <a:t>int</a:t>
+            </a:r>
+            <a:r>
+              <a:rPr lang="pt-BR" sz="2800" dirty="0" smtClean="0"/>
+              <a:t> </a:t>
+            </a:r>
+            <a:r>
               <a:rPr lang="pt-BR" sz="2800" dirty="0" smtClean="0">
                 <a:solidFill>
-                  <a:srgbClr val="F1B60F"/>
-                </a:solidFill>
-              </a:rPr>
-              <a:t>for (</a:t>
+                  <a:srgbClr val="FFC000"/>
+                </a:solidFill>
+              </a:rPr>
+              <a:t>i</a:t>
+            </a:r>
+            <a:r>
+              <a:rPr lang="pt-BR" sz="2800" dirty="0" smtClean="0"/>
+              <a:t> = 0; </a:t>
+            </a:r>
+            <a:r>
+              <a:rPr lang="pt-BR" sz="2800" dirty="0" smtClean="0">
+                <a:solidFill>
+                  <a:srgbClr val="FFC000"/>
+                </a:solidFill>
+              </a:rPr>
+              <a:t>i</a:t>
+            </a:r>
+            <a:r>
+              <a:rPr lang="pt-BR" sz="2800" dirty="0" smtClean="0"/>
+              <a:t> &lt; </a:t>
+            </a:r>
+            <a:r>
+              <a:rPr lang="pt-BR" sz="2800" dirty="0" smtClean="0">
+                <a:solidFill>
+                  <a:srgbClr val="FFC000"/>
+                </a:solidFill>
+              </a:rPr>
+              <a:t>matricula.</a:t>
             </a:r>
             <a:r>
               <a:rPr lang="pt-BR" sz="2800" dirty="0" err="1" smtClean="0">
                 <a:solidFill>
-                  <a:srgbClr val="F1B60F"/>
-                </a:solidFill>
-              </a:rPr>
+                  <a:srgbClr val="FFC000"/>
+                </a:solidFill>
+              </a:rPr>
+              <a:t>length</a:t>
+            </a:r>
+            <a:r>
+              <a:rPr lang="pt-BR" sz="2800" dirty="0" smtClean="0"/>
+              <a:t>; </a:t>
+            </a:r>
+            <a:r>
+              <a:rPr lang="pt-BR" sz="2800" dirty="0" smtClean="0">
+                <a:solidFill>
+                  <a:srgbClr val="FFC000"/>
+                </a:solidFill>
+              </a:rPr>
+              <a:t>i</a:t>
+            </a:r>
+            <a:r>
+              <a:rPr lang="pt-BR" sz="2800" dirty="0" smtClean="0"/>
+              <a:t>++) {</a:t>
+            </a:r>
+            <a:br>
+              <a:rPr lang="pt-BR" sz="2800" dirty="0" smtClean="0"/>
+            </a:br>
+            <a:r>
+              <a:rPr lang="pt-BR" sz="2800" dirty="0" smtClean="0"/>
+              <a:t>	for (</a:t>
+            </a:r>
+            <a:r>
+              <a:rPr lang="pt-BR" sz="2800" dirty="0" err="1" smtClean="0"/>
               <a:t>int</a:t>
             </a:r>
             <a:r>
+              <a:rPr lang="pt-BR" sz="2800" dirty="0" smtClean="0"/>
+              <a:t> </a:t>
+            </a:r>
+            <a:r>
               <a:rPr lang="pt-BR" sz="2800" dirty="0" smtClean="0">
                 <a:solidFill>
-                  <a:srgbClr val="F1B60F"/>
-                </a:solidFill>
-              </a:rPr>
-              <a:t> </a:t>
+                  <a:srgbClr val="FFC000"/>
+                </a:solidFill>
+              </a:rPr>
+              <a:t>j</a:t>
             </a:r>
             <a:r>
               <a:rPr lang="pt-BR" sz="2800" dirty="0" smtClean="0"/>
-              <a:t>i</a:t>
+              <a:t> = 0; </a:t>
             </a:r>
             <a:r>
               <a:rPr lang="pt-BR" sz="2800" dirty="0" smtClean="0">
                 <a:solidFill>
-                  <a:srgbClr val="F1B60F"/>
-                </a:solidFill>
-              </a:rPr>
-              <a:t> = 0; </a:t>
+                  <a:srgbClr val="FFC000"/>
+                </a:solidFill>
+              </a:rPr>
+              <a:t>j</a:t>
             </a:r>
             <a:r>
               <a:rPr lang="pt-BR" sz="2800" dirty="0" smtClean="0"/>
-              <a:t>i</a:t>
+              <a:t> &lt; </a:t>
             </a:r>
             <a:r>
               <a:rPr lang="pt-BR" sz="2800" dirty="0" smtClean="0">
                 <a:solidFill>
-                  <a:srgbClr val="F1B60F"/>
-                </a:solidFill>
-              </a:rPr>
-              <a:t> &lt; </a:t>
+                  <a:srgbClr val="FFC000"/>
+                </a:solidFill>
+              </a:rPr>
+              <a:t>matricula[i].</a:t>
+            </a:r>
+            <a:r>
+              <a:rPr lang="pt-BR" sz="2800" dirty="0" err="1" smtClean="0">
+                <a:solidFill>
+                  <a:srgbClr val="FFC000"/>
+                </a:solidFill>
+              </a:rPr>
+              <a:t>length</a:t>
             </a:r>
             <a:r>
               <a:rPr lang="pt-BR" sz="2800" dirty="0" smtClean="0"/>
-              <a:t>matricula.</a:t>
+              <a:t>; </a:t>
+            </a:r>
+            <a:r>
+              <a:rPr lang="pt-BR" sz="2800" dirty="0" smtClean="0">
+                <a:solidFill>
+                  <a:srgbClr val="FFC000"/>
+                </a:solidFill>
+              </a:rPr>
+              <a:t>j</a:t>
+            </a:r>
+            <a:r>
+              <a:rPr lang="pt-BR" sz="2800" dirty="0" smtClean="0"/>
+              <a:t>++) {</a:t>
+            </a:r>
+            <a:br>
+              <a:rPr lang="pt-BR" sz="2800" dirty="0" smtClean="0"/>
+            </a:br>
+            <a:r>
+              <a:rPr lang="pt-BR" sz="2800" dirty="0" smtClean="0"/>
+              <a:t>		System.</a:t>
             </a:r>
             <a:r>
               <a:rPr lang="pt-BR" sz="2800" dirty="0" err="1" smtClean="0"/>
-              <a:t>length</a:t>
+              <a:t>out.println</a:t>
+            </a:r>
+            <a:r>
+              <a:rPr lang="pt-BR" sz="2800" dirty="0" smtClean="0"/>
+              <a:t>(</a:t>
             </a:r>
             <a:r>
               <a:rPr lang="pt-BR" sz="2800" dirty="0" smtClean="0">
                 <a:solidFill>
-                  <a:srgbClr val="F1B60F"/>
-                </a:solidFill>
-              </a:rPr>
-              <a:t>; </a:t>
+                  <a:srgbClr val="FFC000"/>
+                </a:solidFill>
+              </a:rPr>
+              <a:t>matricula[i][j]</a:t>
             </a:r>
             <a:r>
               <a:rPr lang="pt-BR" sz="2800" dirty="0" smtClean="0"/>
-              <a:t>i</a:t>
-            </a:r>
-            <a:r>
-              <a:rPr lang="pt-BR" sz="2800" dirty="0" smtClean="0">
-                <a:solidFill>
-                  <a:srgbClr val="F1B60F"/>
-                </a:solidFill>
-              </a:rPr>
-              <a:t>++) {</a:t>
+              <a:t>);</a:t>
             </a:r>
             <a:br>
-              <a:rPr lang="pt-BR" sz="2800" dirty="0" smtClean="0">
-                <a:solidFill>
-                  <a:srgbClr val="F1B60F"/>
-                </a:solidFill>
-              </a:rPr>
+              <a:rPr lang="pt-BR" sz="2800" dirty="0" smtClean="0"/>
             </a:br>
             <a:r>
-              <a:rPr lang="pt-BR" sz="2800" dirty="0" smtClean="0">
-                <a:solidFill>
-                  <a:srgbClr val="F1B60F"/>
-                </a:solidFill>
-              </a:rPr>
-              <a:t>	for (</a:t>
-            </a:r>
-            <a:r>
-              <a:rPr lang="pt-BR" sz="2800" dirty="0" err="1" smtClean="0">
-                <a:solidFill>
-                  <a:srgbClr val="F1B60F"/>
-                </a:solidFill>
-              </a:rPr>
-              <a:t>int</a:t>
-            </a:r>
-            <a:r>
-              <a:rPr lang="pt-BR" sz="2800" dirty="0" smtClean="0">
-                <a:solidFill>
-                  <a:srgbClr val="F1B60F"/>
-                </a:solidFill>
-              </a:rPr>
-              <a:t> </a:t>
-            </a:r>
-            <a:r>
               <a:rPr lang="pt-BR" sz="2800" dirty="0" smtClean="0"/>
-              <a:t>j</a:t>
-            </a:r>
-            <a:r>
-              <a:rPr lang="pt-BR" sz="2800" dirty="0" smtClean="0">
-                <a:solidFill>
-                  <a:srgbClr val="F1B60F"/>
-                </a:solidFill>
-              </a:rPr>
-              <a:t> = 0; </a:t>
-            </a:r>
-            <a:r>
+              <a:t>	}</a:t>
+            </a:r>
+            <a:br>
               <a:rPr lang="pt-BR" sz="2800" dirty="0" smtClean="0"/>
-              <a:t>j</a:t>
-            </a:r>
-            <a:r>
-              <a:rPr lang="pt-BR" sz="2800" dirty="0" smtClean="0">
-                <a:solidFill>
-                  <a:srgbClr val="F1B60F"/>
-                </a:solidFill>
-              </a:rPr>
-              <a:t> &lt; </a:t>
-            </a:r>
+            </a:br>
             <a:r>
               <a:rPr lang="pt-BR" sz="2800" dirty="0" smtClean="0"/>
-              <a:t>matricula[i].</a:t>
-            </a:r>
-            <a:r>
-              <a:rPr lang="pt-BR" sz="2800" dirty="0" err="1" smtClean="0"/>
-              <a:t>length</a:t>
-            </a:r>
-            <a:r>
-              <a:rPr lang="pt-BR" sz="2800" dirty="0" smtClean="0">
-                <a:solidFill>
-                  <a:srgbClr val="F1B60F"/>
-                </a:solidFill>
-              </a:rPr>
-              <a:t>; </a:t>
-            </a:r>
-            <a:r>
-              <a:rPr lang="pt-BR" sz="2800" dirty="0" smtClean="0"/>
-              <a:t>j</a:t>
-            </a:r>
-            <a:r>
-              <a:rPr lang="pt-BR" sz="2800" dirty="0" smtClean="0">
-                <a:solidFill>
-                  <a:srgbClr val="F1B60F"/>
-                </a:solidFill>
-              </a:rPr>
-              <a:t>++) {</a:t>
-            </a:r>
-            <a:br>
-              <a:rPr lang="pt-BR" sz="2800" dirty="0" smtClean="0">
-                <a:solidFill>
-                  <a:srgbClr val="F1B60F"/>
-                </a:solidFill>
-              </a:rPr>
-            </a:br>
-            <a:r>
-              <a:rPr lang="pt-BR" sz="2800" dirty="0" smtClean="0">
-                <a:solidFill>
-                  <a:srgbClr val="F1B60F"/>
-                </a:solidFill>
-              </a:rPr>
-              <a:t>		System.</a:t>
-            </a:r>
-            <a:r>
-              <a:rPr lang="pt-BR" sz="2800" dirty="0" err="1" smtClean="0">
-                <a:solidFill>
-                  <a:srgbClr val="F1B60F"/>
-                </a:solidFill>
-              </a:rPr>
-              <a:t>out.println</a:t>
-            </a:r>
-            <a:r>
-              <a:rPr lang="pt-BR" sz="2800" dirty="0" smtClean="0">
-                <a:solidFill>
-                  <a:srgbClr val="F1B60F"/>
-                </a:solidFill>
-              </a:rPr>
-              <a:t>(</a:t>
-            </a:r>
-            <a:r>
-              <a:rPr lang="pt-BR" sz="2800" dirty="0" smtClean="0"/>
-              <a:t>matricula[i][j]</a:t>
-            </a:r>
-            <a:r>
-              <a:rPr lang="pt-BR" sz="2800" dirty="0" smtClean="0">
-                <a:solidFill>
-                  <a:srgbClr val="F1B60F"/>
-                </a:solidFill>
-              </a:rPr>
-              <a:t>);</a:t>
-            </a:r>
-            <a:br>
-              <a:rPr lang="pt-BR" sz="2800" dirty="0" smtClean="0">
-                <a:solidFill>
-                  <a:srgbClr val="F1B60F"/>
-                </a:solidFill>
-              </a:rPr>
-            </a:br>
-            <a:r>
-              <a:rPr lang="pt-BR" sz="2800" dirty="0" smtClean="0">
-                <a:solidFill>
-                  <a:srgbClr val="F1B60F"/>
-                </a:solidFill>
-              </a:rPr>
-              <a:t>	}</a:t>
-            </a:r>
-            <a:br>
-              <a:rPr lang="pt-BR" sz="2800" dirty="0" smtClean="0">
-                <a:solidFill>
-                  <a:srgbClr val="F1B60F"/>
-                </a:solidFill>
-              </a:rPr>
-            </a:br>
-            <a:r>
-              <a:rPr lang="pt-BR" sz="2800" dirty="0" smtClean="0">
-                <a:solidFill>
-                  <a:srgbClr val="F1B60F"/>
-                </a:solidFill>
-              </a:rPr>
               <a:t>}</a:t>
             </a:r>
-            <a:endParaRPr lang="en-US" sz="2800" dirty="0" smtClean="0">
-              <a:solidFill>
-                <a:srgbClr val="F1B60F"/>
-              </a:solidFill>
-            </a:endParaRPr>
+            <a:endParaRPr lang="en-US" sz="2800" dirty="0" smtClean="0"/>
+          </a:p>
+        </p:txBody>
+      </p:sp>
+      <p:sp>
+        <p:nvSpPr>
+          <p:cNvPr id="4" name="Espaço Reservado para Número de Slide 3"/>
+          <p:cNvSpPr>
+            <a:spLocks noGrp="1"/>
+          </p:cNvSpPr>
+          <p:nvPr>
+            <p:ph type="sldNum" sz="quarter" idx="12"/>
+          </p:nvPr>
+        </p:nvSpPr>
+        <p:spPr/>
+        <p:txBody>
+          <a:bodyPr/>
+          <a:lstStyle/>
+          <a:p>
+            <a:pPr>
+              <a:defRPr/>
+            </a:pPr>
+            <a:fld id="{E69D0DB4-801C-41EC-8349-1D089238E876}" type="slidenum">
+              <a:rPr lang="pt-BR" smtClean="0"/>
+              <a:pPr>
+                <a:defRPr/>
+              </a:pPr>
+              <a:t>14</a:t>
+            </a:fld>
+            <a:endParaRPr lang="pt-BR"/>
           </a:p>
         </p:txBody>
       </p:sp>
@@ -11409,218 +11437,159 @@
               <a:buNone/>
             </a:pPr>
             <a:r>
+              <a:rPr lang="pt-BR" sz="2800" dirty="0" smtClean="0"/>
+              <a:t>for (</a:t>
+            </a:r>
+            <a:r>
+              <a:rPr lang="pt-BR" sz="2800" dirty="0" err="1" smtClean="0">
+                <a:solidFill>
+                  <a:srgbClr val="FFC000"/>
+                </a:solidFill>
+              </a:rPr>
+              <a:t>long</a:t>
+            </a:r>
+            <a:r>
               <a:rPr lang="pt-BR" sz="2800" dirty="0" smtClean="0">
                 <a:solidFill>
-                  <a:srgbClr val="F1B60F"/>
-                </a:solidFill>
-              </a:rPr>
-              <a:t>for </a:t>
+                  <a:srgbClr val="FFC000"/>
+                </a:solidFill>
+              </a:rPr>
+              <a:t>[] linha</a:t>
+            </a:r>
+            <a:r>
+              <a:rPr lang="pt-BR" sz="2800" dirty="0" smtClean="0"/>
+              <a:t> : </a:t>
             </a:r>
             <a:r>
               <a:rPr lang="pt-BR" sz="2800" dirty="0" smtClean="0">
                 <a:solidFill>
-                  <a:srgbClr val="F1B60F"/>
-                </a:solidFill>
-              </a:rPr>
+                  <a:srgbClr val="FFC000"/>
+                </a:solidFill>
+              </a:rPr>
+              <a:t>matricula</a:t>
+            </a:r>
+            <a:r>
+              <a:rPr lang="pt-BR" sz="2800" dirty="0" smtClean="0"/>
+              <a:t>) {</a:t>
+            </a:r>
+            <a:br>
+              <a:rPr lang="pt-BR" sz="2800" dirty="0" smtClean="0"/>
+            </a:br>
+            <a:r>
+              <a:rPr lang="pt-BR" sz="2800" dirty="0" smtClean="0"/>
+              <a:t>	for (</a:t>
+            </a:r>
+            <a:r>
+              <a:rPr lang="pt-BR" sz="2800" dirty="0" err="1" smtClean="0">
+                <a:solidFill>
+                  <a:srgbClr val="FFC000"/>
+                </a:solidFill>
+              </a:rPr>
+              <a:t>long</a:t>
+            </a:r>
+            <a:r>
+              <a:rPr lang="pt-BR" sz="2800" dirty="0" smtClean="0">
+                <a:solidFill>
+                  <a:srgbClr val="FFC000"/>
+                </a:solidFill>
+              </a:rPr>
+              <a:t> </a:t>
+            </a:r>
+            <a:r>
+              <a:rPr lang="pt-BR" sz="2800" dirty="0" err="1" smtClean="0">
+                <a:solidFill>
+                  <a:srgbClr val="FFC000"/>
+                </a:solidFill>
+              </a:rPr>
+              <a:t>celula</a:t>
+            </a:r>
+            <a:r>
+              <a:rPr lang="pt-BR" sz="2800" dirty="0" smtClean="0"/>
+              <a:t> : </a:t>
+            </a:r>
+            <a:r>
+              <a:rPr lang="pt-BR" sz="2800" dirty="0" smtClean="0">
+                <a:solidFill>
+                  <a:srgbClr val="FFC000"/>
+                </a:solidFill>
+              </a:rPr>
+              <a:t>linha</a:t>
+            </a:r>
+            <a:r>
+              <a:rPr lang="pt-BR" sz="2800" dirty="0" smtClean="0"/>
+              <a:t>) {</a:t>
+            </a:r>
+            <a:br>
+              <a:rPr lang="pt-BR" sz="2800" dirty="0" smtClean="0"/>
+            </a:br>
+            <a:r>
+              <a:rPr lang="pt-BR" sz="2800" dirty="0" smtClean="0"/>
+              <a:t>		System.</a:t>
+            </a:r>
+            <a:r>
+              <a:rPr lang="pt-BR" sz="2800" dirty="0" err="1" smtClean="0"/>
+              <a:t>out.println</a:t>
+            </a:r>
+            <a:r>
+              <a:rPr lang="pt-BR" sz="2800" dirty="0" smtClean="0"/>
               <a:t>(</a:t>
             </a:r>
             <a:r>
-              <a:rPr lang="pt-BR" sz="2800" dirty="0" err="1" smtClean="0"/>
-              <a:t>long</a:t>
+              <a:rPr lang="pt-BR" sz="2800" dirty="0" err="1" smtClean="0">
+                <a:solidFill>
+                  <a:srgbClr val="FFC000"/>
+                </a:solidFill>
+              </a:rPr>
+              <a:t>celula</a:t>
             </a:r>
             <a:r>
               <a:rPr lang="pt-BR" sz="2800" dirty="0" smtClean="0"/>
-              <a:t>[] linha</a:t>
-            </a:r>
-            <a:r>
-              <a:rPr lang="pt-BR" sz="2800" dirty="0" smtClean="0">
-                <a:solidFill>
-                  <a:srgbClr val="F1B60F"/>
-                </a:solidFill>
-              </a:rPr>
-              <a:t> : </a:t>
-            </a:r>
-            <a:r>
+              <a:t>);</a:t>
+            </a:r>
+            <a:br>
               <a:rPr lang="pt-BR" sz="2800" dirty="0" smtClean="0"/>
-              <a:t>matricula</a:t>
-            </a:r>
-            <a:r>
-              <a:rPr lang="pt-BR" sz="2800" dirty="0" smtClean="0">
-                <a:solidFill>
-                  <a:srgbClr val="F1B60F"/>
-                </a:solidFill>
-              </a:rPr>
-              <a:t>) </a:t>
-            </a:r>
-            <a:r>
-              <a:rPr lang="pt-BR" sz="2800" dirty="0" smtClean="0">
-                <a:solidFill>
-                  <a:srgbClr val="F1B60F"/>
-                </a:solidFill>
-              </a:rPr>
-              <a:t>{</a:t>
+            </a:br>
+            <a:r>
+              <a:rPr lang="pt-BR" sz="2800" dirty="0" smtClean="0"/>
+              <a:t>	}</a:t>
             </a:r>
             <a:br>
-              <a:rPr lang="pt-BR" sz="2800" dirty="0" smtClean="0">
-                <a:solidFill>
-                  <a:srgbClr val="F1B60F"/>
-                </a:solidFill>
-              </a:rPr>
+              <a:rPr lang="pt-BR" sz="2800" dirty="0" smtClean="0"/>
             </a:br>
             <a:r>
-              <a:rPr lang="pt-BR" sz="2800" dirty="0" smtClean="0">
-                <a:solidFill>
-                  <a:srgbClr val="F1B60F"/>
-                </a:solidFill>
-              </a:rPr>
-              <a:t>	for </a:t>
-            </a:r>
-            <a:r>
-              <a:rPr lang="pt-BR" sz="2800" dirty="0" smtClean="0">
-                <a:solidFill>
-                  <a:srgbClr val="F1B60F"/>
-                </a:solidFill>
-              </a:rPr>
-              <a:t>(</a:t>
-            </a:r>
-            <a:r>
-              <a:rPr lang="pt-BR" sz="2800" dirty="0" err="1" smtClean="0"/>
-              <a:t>long</a:t>
-            </a:r>
-            <a:r>
               <a:rPr lang="pt-BR" sz="2800" dirty="0" smtClean="0"/>
-              <a:t> </a:t>
-            </a:r>
-            <a:r>
-              <a:rPr lang="pt-BR" sz="2800" dirty="0" err="1" smtClean="0"/>
-              <a:t>celula</a:t>
-            </a:r>
-            <a:r>
-              <a:rPr lang="pt-BR" sz="2800" dirty="0" smtClean="0"/>
-              <a:t> </a:t>
-            </a:r>
-            <a:r>
-              <a:rPr lang="pt-BR" sz="2800" dirty="0" smtClean="0">
-                <a:solidFill>
-                  <a:srgbClr val="F1B60F"/>
-                </a:solidFill>
-              </a:rPr>
-              <a:t>: </a:t>
-            </a:r>
-            <a:r>
-              <a:rPr lang="pt-BR" sz="2800" dirty="0" smtClean="0"/>
-              <a:t>linha</a:t>
-            </a:r>
-            <a:r>
-              <a:rPr lang="pt-BR" sz="2800" dirty="0" smtClean="0">
-                <a:solidFill>
-                  <a:srgbClr val="F1B60F"/>
-                </a:solidFill>
-              </a:rPr>
-              <a:t>) </a:t>
-            </a:r>
-            <a:r>
-              <a:rPr lang="pt-BR" sz="2800" dirty="0" smtClean="0">
-                <a:solidFill>
-                  <a:srgbClr val="F1B60F"/>
-                </a:solidFill>
-              </a:rPr>
-              <a:t>{</a:t>
-            </a:r>
-            <a:br>
-              <a:rPr lang="pt-BR" sz="2800" dirty="0" smtClean="0">
-                <a:solidFill>
-                  <a:srgbClr val="F1B60F"/>
-                </a:solidFill>
-              </a:rPr>
-            </a:br>
-            <a:r>
-              <a:rPr lang="pt-BR" sz="2800" dirty="0" smtClean="0">
-                <a:solidFill>
-                  <a:srgbClr val="F1B60F"/>
-                </a:solidFill>
-              </a:rPr>
-              <a:t>		</a:t>
-            </a:r>
-            <a:r>
-              <a:rPr lang="pt-BR" sz="2800" dirty="0" smtClean="0">
-                <a:solidFill>
-                  <a:srgbClr val="F1B60F"/>
-                </a:solidFill>
-              </a:rPr>
-              <a:t>System.</a:t>
-            </a:r>
-            <a:r>
-              <a:rPr lang="pt-BR" sz="2800" dirty="0" err="1" smtClean="0">
-                <a:solidFill>
-                  <a:srgbClr val="F1B60F"/>
-                </a:solidFill>
-              </a:rPr>
-              <a:t>out.println</a:t>
-            </a:r>
-            <a:r>
-              <a:rPr lang="pt-BR" sz="2800" dirty="0" smtClean="0">
-                <a:solidFill>
-                  <a:srgbClr val="F1B60F"/>
-                </a:solidFill>
-              </a:rPr>
-              <a:t>(</a:t>
-            </a:r>
-            <a:r>
-              <a:rPr lang="pt-BR" sz="2800" dirty="0" err="1" smtClean="0"/>
-              <a:t>celula</a:t>
-            </a:r>
-            <a:r>
-              <a:rPr lang="pt-BR" sz="2800" dirty="0" smtClean="0">
-                <a:solidFill>
-                  <a:srgbClr val="F1B60F"/>
-                </a:solidFill>
-              </a:rPr>
-              <a:t>);</a:t>
-            </a:r>
-            <a:r>
-              <a:rPr lang="pt-BR" sz="2800" dirty="0" smtClean="0">
-                <a:solidFill>
-                  <a:srgbClr val="F1B60F"/>
-                </a:solidFill>
-              </a:rPr>
-              <a:t/>
-            </a:r>
-            <a:br>
-              <a:rPr lang="pt-BR" sz="2800" dirty="0" smtClean="0">
-                <a:solidFill>
-                  <a:srgbClr val="F1B60F"/>
-                </a:solidFill>
-              </a:rPr>
-            </a:br>
-            <a:r>
-              <a:rPr lang="pt-BR" sz="2800" dirty="0" smtClean="0">
-                <a:solidFill>
-                  <a:srgbClr val="F1B60F"/>
-                </a:solidFill>
-              </a:rPr>
-              <a:t>	}</a:t>
-            </a:r>
-            <a:br>
-              <a:rPr lang="pt-BR" sz="2800" dirty="0" smtClean="0">
-                <a:solidFill>
-                  <a:srgbClr val="F1B60F"/>
-                </a:solidFill>
-              </a:rPr>
-            </a:br>
-            <a:r>
-              <a:rPr lang="pt-BR" sz="2800" dirty="0" smtClean="0">
-                <a:solidFill>
-                  <a:srgbClr val="F1B60F"/>
-                </a:solidFill>
-              </a:rPr>
               <a:t>}</a:t>
             </a:r>
-            <a:endParaRPr lang="en-US" sz="2800" dirty="0" smtClean="0">
-              <a:solidFill>
-                <a:srgbClr val="F1B60F"/>
-              </a:solidFill>
-            </a:endParaRPr>
+            <a:endParaRPr lang="en-US" sz="2800" dirty="0" smtClean="0"/>
+          </a:p>
+        </p:txBody>
+      </p:sp>
+      <p:sp>
+        <p:nvSpPr>
+          <p:cNvPr id="4" name="Espaço Reservado para Número de Slide 3"/>
+          <p:cNvSpPr>
+            <a:spLocks noGrp="1"/>
+          </p:cNvSpPr>
+          <p:nvPr>
+            <p:ph type="sldNum" sz="quarter" idx="12"/>
+          </p:nvPr>
+        </p:nvSpPr>
+        <p:spPr/>
+        <p:txBody>
+          <a:bodyPr/>
+          <a:lstStyle/>
+          <a:p>
+            <a:pPr>
+              <a:defRPr/>
+            </a:pPr>
+            <a:fld id="{E69D0DB4-801C-41EC-8349-1D089238E876}" type="slidenum">
+              <a:rPr lang="pt-BR" smtClean="0"/>
+              <a:pPr>
+                <a:defRPr/>
+              </a:pPr>
+              <a:t>15</a:t>
+            </a:fld>
+            <a:endParaRPr lang="pt-BR"/>
           </a:p>
         </p:txBody>
       </p:sp>
@@ -11761,186 +11730,208 @@
             </a:pPr>
             <a:r>
               <a:rPr lang="pt-BR" sz="2800" dirty="0" smtClean="0">
+                <a:solidFill>
+                  <a:srgbClr val="FFC000"/>
+                </a:solidFill>
                 <a:cs typeface="Times New Roman" pitchFamily="18" charset="0"/>
               </a:rPr>
               <a:t>Conta[ ]</a:t>
             </a:r>
             <a:r>
               <a:rPr lang="pt-BR" sz="2800" dirty="0" smtClean="0">
-                <a:solidFill>
-                  <a:srgbClr val="FFC000"/>
-                </a:solidFill>
                 <a:cs typeface="Times New Roman" pitchFamily="18" charset="0"/>
               </a:rPr>
               <a:t> </a:t>
-            </a:r>
-            <a:r>
-              <a:rPr lang="pt-BR" sz="2800" dirty="0" err="1" smtClean="0">
-                <a:solidFill>
-                  <a:srgbClr val="FFC000"/>
-                </a:solidFill>
-                <a:cs typeface="Times New Roman" pitchFamily="18" charset="0"/>
-              </a:rPr>
-              <a:t>listaConta</a:t>
-            </a:r>
-            <a:r>
-              <a:rPr lang="pt-BR" sz="2800" dirty="0" smtClean="0">
-                <a:solidFill>
-                  <a:srgbClr val="FFC000"/>
-                </a:solidFill>
-                <a:cs typeface="Times New Roman" pitchFamily="18" charset="0"/>
-              </a:rPr>
-              <a:t> </a:t>
-            </a:r>
-            <a:r>
-              <a:rPr lang="pt-BR" sz="2800" dirty="0" smtClean="0">
-                <a:solidFill>
-                  <a:srgbClr val="FFC000"/>
-                </a:solidFill>
-                <a:cs typeface="Times New Roman" pitchFamily="18" charset="0"/>
-              </a:rPr>
-              <a:t>= </a:t>
             </a:r>
             <a:r>
               <a:rPr lang="pt-BR" sz="2800" dirty="0" err="1" smtClean="0">
                 <a:cs typeface="Times New Roman" pitchFamily="18" charset="0"/>
               </a:rPr>
-              <a:t>new</a:t>
+              <a:t>listaConta</a:t>
             </a:r>
             <a:r>
               <a:rPr lang="pt-BR" sz="2800" dirty="0" smtClean="0">
                 <a:cs typeface="Times New Roman" pitchFamily="18" charset="0"/>
               </a:rPr>
+              <a:t> = </a:t>
+            </a:r>
+            <a:r>
+              <a:rPr lang="pt-BR" sz="2800" dirty="0" err="1" smtClean="0">
+                <a:solidFill>
+                  <a:srgbClr val="FFC000"/>
+                </a:solidFill>
+                <a:cs typeface="Times New Roman" pitchFamily="18" charset="0"/>
+              </a:rPr>
+              <a:t>new</a:t>
+            </a:r>
+            <a:r>
+              <a:rPr lang="pt-BR" sz="2800" dirty="0" smtClean="0">
+                <a:solidFill>
+                  <a:srgbClr val="FFC000"/>
+                </a:solidFill>
+                <a:cs typeface="Times New Roman" pitchFamily="18" charset="0"/>
+              </a:rPr>
               <a:t> Conta[2]</a:t>
             </a:r>
             <a:r>
               <a:rPr lang="pt-BR" sz="2800" dirty="0" smtClean="0">
-                <a:solidFill>
-                  <a:srgbClr val="FFC000"/>
-                </a:solidFill>
                 <a:cs typeface="Times New Roman" pitchFamily="18" charset="0"/>
               </a:rPr>
               <a:t>;</a:t>
             </a:r>
             <a:br>
               <a:rPr lang="pt-BR" sz="2800" dirty="0" smtClean="0">
-                <a:solidFill>
-                  <a:srgbClr val="FFC000"/>
-                </a:solidFill>
                 <a:cs typeface="Times New Roman" pitchFamily="18" charset="0"/>
               </a:rPr>
             </a:br>
             <a:r>
               <a:rPr lang="pt-BR" sz="2800" dirty="0" smtClean="0">
-                <a:solidFill>
-                  <a:srgbClr val="FFC000"/>
-                </a:solidFill>
                 <a:cs typeface="Times New Roman" pitchFamily="18" charset="0"/>
               </a:rPr>
               <a:t/>
             </a:r>
             <a:br>
               <a:rPr lang="pt-BR" sz="2800" dirty="0" smtClean="0">
-                <a:solidFill>
-                  <a:srgbClr val="FFC000"/>
-                </a:solidFill>
                 <a:cs typeface="Times New Roman" pitchFamily="18" charset="0"/>
               </a:rPr>
             </a:br>
             <a:r>
               <a:rPr lang="pt-BR" sz="2800" dirty="0" err="1" smtClean="0">
-                <a:solidFill>
-                  <a:srgbClr val="FFC000"/>
-                </a:solidFill>
                 <a:cs typeface="Times New Roman" pitchFamily="18" charset="0"/>
               </a:rPr>
               <a:t>listaConta</a:t>
+            </a:r>
+            <a:r>
+              <a:rPr lang="pt-BR" sz="2800" dirty="0" smtClean="0">
+                <a:solidFill>
+                  <a:srgbClr val="FFC000"/>
+                </a:solidFill>
+                <a:cs typeface="Times New Roman" pitchFamily="18" charset="0"/>
+              </a:rPr>
+              <a:t>[0]</a:t>
             </a:r>
             <a:r>
               <a:rPr lang="pt-BR" sz="2800" dirty="0" smtClean="0">
                 <a:cs typeface="Times New Roman" pitchFamily="18" charset="0"/>
               </a:rPr>
-              <a:t>[0</a:t>
+              <a:t> = </a:t>
+            </a:r>
+            <a:r>
+              <a:rPr lang="pt-BR" sz="2800" dirty="0" err="1" smtClean="0">
+                <a:solidFill>
+                  <a:srgbClr val="FFC000"/>
+                </a:solidFill>
+                <a:cs typeface="Times New Roman" pitchFamily="18" charset="0"/>
+              </a:rPr>
+              <a:t>new</a:t>
+            </a:r>
+            <a:r>
+              <a:rPr lang="pt-BR" sz="2800" dirty="0" smtClean="0">
+                <a:solidFill>
+                  <a:srgbClr val="FFC000"/>
+                </a:solidFill>
+                <a:cs typeface="Times New Roman" pitchFamily="18" charset="0"/>
+              </a:rPr>
+              <a:t> Conta()</a:t>
             </a:r>
             <a:r>
               <a:rPr lang="pt-BR" sz="2800" dirty="0" smtClean="0">
                 <a:cs typeface="Times New Roman" pitchFamily="18" charset="0"/>
               </a:rPr>
-              <a:t>]</a:t>
-            </a:r>
-            <a:r>
+              <a:t>;</a:t>
+            </a:r>
+            <a:br>
               <a:rPr lang="pt-BR" sz="2800" dirty="0" smtClean="0">
-                <a:solidFill>
-                  <a:srgbClr val="FFC000"/>
-                </a:solidFill>
                 <a:cs typeface="Times New Roman" pitchFamily="18" charset="0"/>
               </a:rPr>
-              <a:t> = </a:t>
-            </a:r>
+            </a:br>
             <a:r>
               <a:rPr lang="pt-BR" sz="2800" dirty="0" err="1" smtClean="0">
                 <a:cs typeface="Times New Roman" pitchFamily="18" charset="0"/>
               </a:rPr>
-              <a:t>new</a:t>
+              <a:t>listaConta</a:t>
+            </a:r>
+            <a:r>
+              <a:rPr lang="pt-BR" sz="2800" dirty="0" smtClean="0">
+                <a:solidFill>
+                  <a:srgbClr val="FFC000"/>
+                </a:solidFill>
+                <a:cs typeface="Times New Roman" pitchFamily="18" charset="0"/>
+              </a:rPr>
+              <a:t>[0]</a:t>
             </a:r>
             <a:r>
               <a:rPr lang="pt-BR" sz="2800" dirty="0" smtClean="0">
                 <a:cs typeface="Times New Roman" pitchFamily="18" charset="0"/>
               </a:rPr>
-              <a:t> Conta()</a:t>
+              <a:t>.</a:t>
+            </a:r>
+            <a:r>
+              <a:rPr lang="pt-BR" sz="2800" dirty="0" err="1" smtClean="0">
+                <a:solidFill>
+                  <a:srgbClr val="FFC000"/>
+                </a:solidFill>
+                <a:cs typeface="Times New Roman" pitchFamily="18" charset="0"/>
+              </a:rPr>
+              <a:t>setNumero</a:t>
             </a:r>
             <a:r>
               <a:rPr lang="pt-BR" sz="2800" dirty="0" smtClean="0">
-                <a:solidFill>
-                  <a:srgbClr val="FFC000"/>
-                </a:solidFill>
                 <a:cs typeface="Times New Roman" pitchFamily="18" charset="0"/>
               </a:rPr>
-              <a:t>;</a:t>
+              <a:t>(5003);</a:t>
             </a:r>
             <a:br>
               <a:rPr lang="pt-BR" sz="2800" dirty="0" smtClean="0">
-                <a:solidFill>
-                  <a:srgbClr val="FFC000"/>
-                </a:solidFill>
                 <a:cs typeface="Times New Roman" pitchFamily="18" charset="0"/>
               </a:rPr>
             </a:br>
             <a:r>
               <a:rPr lang="pt-BR" sz="2800" dirty="0" err="1" smtClean="0">
-                <a:solidFill>
-                  <a:srgbClr val="FFC000"/>
-                </a:solidFill>
                 <a:cs typeface="Times New Roman" pitchFamily="18" charset="0"/>
               </a:rPr>
               <a:t>listaConta</a:t>
+            </a:r>
+            <a:r>
+              <a:rPr lang="pt-BR" sz="2800" dirty="0" smtClean="0">
+                <a:solidFill>
+                  <a:srgbClr val="FFC000"/>
+                </a:solidFill>
+                <a:cs typeface="Times New Roman" pitchFamily="18" charset="0"/>
+              </a:rPr>
+              <a:t>[0]</a:t>
             </a:r>
             <a:r>
               <a:rPr lang="pt-BR" sz="2800" dirty="0" smtClean="0">
                 <a:cs typeface="Times New Roman" pitchFamily="18" charset="0"/>
               </a:rPr>
-              <a:t>[0</a:t>
+              <a:t>.</a:t>
+            </a:r>
+            <a:r>
+              <a:rPr lang="pt-BR" sz="2800" dirty="0" err="1" smtClean="0">
+                <a:solidFill>
+                  <a:srgbClr val="FFC000"/>
+                </a:solidFill>
+                <a:cs typeface="Times New Roman" pitchFamily="18" charset="0"/>
+              </a:rPr>
+              <a:t>setNome</a:t>
             </a:r>
             <a:r>
               <a:rPr lang="pt-BR" sz="2800" dirty="0" smtClean="0">
                 <a:cs typeface="Times New Roman" pitchFamily="18" charset="0"/>
               </a:rPr>
-              <a:t>]</a:t>
-            </a:r>
-            <a:r>
+              <a:t>("Manuel");</a:t>
+            </a:r>
+            <a:br>
               <a:rPr lang="pt-BR" sz="2800" dirty="0" smtClean="0">
-                <a:solidFill>
-                  <a:srgbClr val="FFC000"/>
-                </a:solidFill>
                 <a:cs typeface="Times New Roman" pitchFamily="18" charset="0"/>
               </a:rPr>
-              <a:t>.</a:t>
-            </a:r>
+            </a:br>
             <a:r>
               <a:rPr lang="pt-BR" sz="2800" dirty="0" err="1" smtClean="0">
                 <a:cs typeface="Times New Roman" pitchFamily="18" charset="0"/>
               </a:rPr>
-              <a:t>setNumero</a:t>
+              <a:t>listaConta</a:t>
             </a:r>
             <a:r>
               <a:rPr lang="pt-BR" sz="2800" dirty="0" smtClean="0">
@@ -11949,51 +11940,50 @@
                 </a:solidFill>
                 <a:cs typeface="Times New Roman" pitchFamily="18" charset="0"/>
               </a:rPr>
-              <a:t>(5003);</a:t>
+              <a:t>[0]</a:t>
+            </a:r>
+            <a:r>
+              <a:rPr lang="pt-BR" sz="2800" dirty="0" smtClean="0">
+                <a:cs typeface="Times New Roman" pitchFamily="18" charset="0"/>
+              </a:rPr>
+              <a:t>.</a:t>
+            </a:r>
+            <a:r>
+              <a:rPr lang="pt-BR" sz="2800" dirty="0" err="1" smtClean="0">
+                <a:solidFill>
+                  <a:srgbClr val="FFC000"/>
+                </a:solidFill>
+                <a:cs typeface="Times New Roman" pitchFamily="18" charset="0"/>
+              </a:rPr>
+              <a:t>setSaldo</a:t>
+            </a:r>
+            <a:r>
+              <a:rPr lang="pt-BR" sz="2800" dirty="0" smtClean="0">
+                <a:cs typeface="Times New Roman" pitchFamily="18" charset="0"/>
+              </a:rPr>
+              <a:t>(800.0);</a:t>
             </a:r>
             <a:br>
               <a:rPr lang="pt-BR" sz="2800" dirty="0" smtClean="0">
-                <a:solidFill>
-                  <a:srgbClr val="FFC000"/>
-                </a:solidFill>
                 <a:cs typeface="Times New Roman" pitchFamily="18" charset="0"/>
               </a:rPr>
             </a:br>
-            <a:r>
-              <a:rPr lang="pt-BR" sz="2800" dirty="0" err="1" smtClean="0">
-                <a:solidFill>
-                  <a:srgbClr val="FFC000"/>
-                </a:solidFill>
-                <a:cs typeface="Times New Roman" pitchFamily="18" charset="0"/>
-              </a:rPr>
-              <a:t>listaConta</a:t>
-            </a:r>
             <a:r>
               <a:rPr lang="pt-BR" sz="2800" dirty="0" smtClean="0">
                 <a:cs typeface="Times New Roman" pitchFamily="18" charset="0"/>
               </a:rPr>
-              <a:t>[0</a:t>
-            </a:r>
-            <a:r>
+              <a:t/>
+            </a:r>
+            <a:br>
               <a:rPr lang="pt-BR" sz="2800" dirty="0" smtClean="0">
                 <a:cs typeface="Times New Roman" pitchFamily="18" charset="0"/>
               </a:rPr>
-              <a:t>]</a:t>
-            </a:r>
-            <a:r>
-              <a:rPr lang="pt-BR" sz="2800" dirty="0" smtClean="0">
-                <a:solidFill>
-                  <a:srgbClr val="FFC000"/>
-                </a:solidFill>
-                <a:cs typeface="Times New Roman" pitchFamily="18" charset="0"/>
-              </a:rPr>
-              <a:t>.</a:t>
-            </a:r>
+            </a:br>
             <a:r>
               <a:rPr lang="pt-BR" sz="2800" dirty="0" err="1" smtClean="0">
                 <a:cs typeface="Times New Roman" pitchFamily="18" charset="0"/>
               </a:rPr>
-              <a:t>setNome</a:t>
+              <a:t>listaConta</a:t>
             </a:r>
             <a:r>
               <a:rPr lang="pt-BR" sz="2800" dirty="0" smtClean="0">
@@ -12002,51 +11992,89 @@
                 </a:solidFill>
                 <a:cs typeface="Times New Roman" pitchFamily="18" charset="0"/>
               </a:rPr>
-              <a:t>("Manuel");</a:t>
+              <a:t>[1]</a:t>
+            </a:r>
+            <a:r>
+              <a:rPr lang="pt-BR" sz="2800" dirty="0" smtClean="0">
+                <a:cs typeface="Times New Roman" pitchFamily="18" charset="0"/>
+              </a:rPr>
+              <a:t> = </a:t>
+            </a:r>
+            <a:r>
+              <a:rPr lang="pt-BR" sz="2800" dirty="0" err="1" smtClean="0">
+                <a:solidFill>
+                  <a:srgbClr val="FFC000"/>
+                </a:solidFill>
+                <a:cs typeface="Times New Roman" pitchFamily="18" charset="0"/>
+              </a:rPr>
+              <a:t>new</a:t>
+            </a:r>
+            <a:r>
+              <a:rPr lang="pt-BR" sz="2800" dirty="0" smtClean="0">
+                <a:solidFill>
+                  <a:srgbClr val="FFC000"/>
+                </a:solidFill>
+                <a:cs typeface="Times New Roman" pitchFamily="18" charset="0"/>
+              </a:rPr>
+              <a:t> Conta()</a:t>
+            </a:r>
+            <a:r>
+              <a:rPr lang="pt-BR" sz="2800" dirty="0" smtClean="0">
+                <a:cs typeface="Times New Roman" pitchFamily="18" charset="0"/>
+              </a:rPr>
+              <a:t>;</a:t>
             </a:r>
             <a:br>
               <a:rPr lang="pt-BR" sz="2800" dirty="0" smtClean="0">
-                <a:solidFill>
-                  <a:srgbClr val="FFC000"/>
-                </a:solidFill>
                 <a:cs typeface="Times New Roman" pitchFamily="18" charset="0"/>
               </a:rPr>
             </a:br>
             <a:r>
               <a:rPr lang="pt-BR" sz="2800" dirty="0" err="1" smtClean="0">
-                <a:solidFill>
-                  <a:srgbClr val="FFC000"/>
-                </a:solidFill>
                 <a:cs typeface="Times New Roman" pitchFamily="18" charset="0"/>
               </a:rPr>
               <a:t>listaConta</a:t>
+            </a:r>
+            <a:r>
+              <a:rPr lang="pt-BR" sz="2800" dirty="0" smtClean="0">
+                <a:solidFill>
+                  <a:srgbClr val="FFC000"/>
+                </a:solidFill>
+                <a:cs typeface="Times New Roman" pitchFamily="18" charset="0"/>
+              </a:rPr>
+              <a:t>[1]</a:t>
             </a:r>
             <a:r>
               <a:rPr lang="pt-BR" sz="2800" dirty="0" smtClean="0">
                 <a:cs typeface="Times New Roman" pitchFamily="18" charset="0"/>
               </a:rPr>
-              <a:t>[0</a:t>
+              <a:t>.</a:t>
+            </a:r>
+            <a:r>
+              <a:rPr lang="pt-BR" sz="2800" dirty="0" err="1" smtClean="0">
+                <a:solidFill>
+                  <a:srgbClr val="FFC000"/>
+                </a:solidFill>
+                <a:cs typeface="Times New Roman" pitchFamily="18" charset="0"/>
+              </a:rPr>
+              <a:t>setNumero</a:t>
             </a:r>
             <a:r>
               <a:rPr lang="pt-BR" sz="2800" dirty="0" smtClean="0">
                 <a:cs typeface="Times New Roman" pitchFamily="18" charset="0"/>
               </a:rPr>
-              <a:t>]</a:t>
-            </a:r>
-            <a:r>
+              <a:t>(5004);</a:t>
+            </a:r>
+            <a:br>
               <a:rPr lang="pt-BR" sz="2800" dirty="0" smtClean="0">
-                <a:solidFill>
-                  <a:srgbClr val="FFC000"/>
-                </a:solidFill>
                 <a:cs typeface="Times New Roman" pitchFamily="18" charset="0"/>
               </a:rPr>
-              <a:t>.</a:t>
-            </a:r>
+            </a:br>
             <a:r>
               <a:rPr lang="pt-BR" sz="2800" dirty="0" err="1" smtClean="0">
                 <a:cs typeface="Times New Roman" pitchFamily="18" charset="0"/>
               </a:rPr>
-              <a:t>setSaldo</a:t>
+              <a:t>listaConta</a:t>
             </a:r>
             <a:r>
               <a:rPr lang="pt-BR" sz="2800" dirty="0" smtClean="0">
@@ -12055,243 +12083,99 @@
                 </a:solidFill>
                 <a:cs typeface="Times New Roman" pitchFamily="18" charset="0"/>
               </a:rPr>
-              <a:t>(800.0);</a:t>
+              <a:t>[1]</a:t>
+            </a:r>
+            <a:r>
+              <a:rPr lang="pt-BR" sz="2800" dirty="0" smtClean="0">
+                <a:cs typeface="Times New Roman" pitchFamily="18" charset="0"/>
+              </a:rPr>
+              <a:t>.</a:t>
+            </a:r>
+            <a:r>
+              <a:rPr lang="pt-BR" sz="2800" dirty="0" err="1" smtClean="0">
+                <a:solidFill>
+                  <a:srgbClr val="FFC000"/>
+                </a:solidFill>
+                <a:cs typeface="Times New Roman" pitchFamily="18" charset="0"/>
+              </a:rPr>
+              <a:t>setNome</a:t>
+            </a:r>
+            <a:r>
+              <a:rPr lang="pt-BR" sz="2800" dirty="0" smtClean="0">
+                <a:cs typeface="Times New Roman" pitchFamily="18" charset="0"/>
+              </a:rPr>
+              <a:t>("Joaquim");</a:t>
             </a:r>
             <a:br>
               <a:rPr lang="pt-BR" sz="2800" dirty="0" smtClean="0">
-                <a:solidFill>
-                  <a:srgbClr val="FFC000"/>
-                </a:solidFill>
                 <a:cs typeface="Times New Roman" pitchFamily="18" charset="0"/>
               </a:rPr>
             </a:br>
             <a:r>
+              <a:rPr lang="pt-BR" sz="2800" dirty="0" err="1" smtClean="0">
+                <a:cs typeface="Times New Roman" pitchFamily="18" charset="0"/>
+              </a:rPr>
+              <a:t>listaConta</a:t>
+            </a:r>
+            <a:r>
               <a:rPr lang="pt-BR" sz="2800" dirty="0" smtClean="0">
                 <a:solidFill>
                   <a:srgbClr val="FFC000"/>
                 </a:solidFill>
                 <a:cs typeface="Times New Roman" pitchFamily="18" charset="0"/>
               </a:rPr>
-              <a:t/>
-            </a:r>
-            <a:br>
-              <a:rPr lang="pt-BR" sz="2800" dirty="0" smtClean="0">
-                <a:solidFill>
-                  <a:srgbClr val="FFC000"/>
-                </a:solidFill>
-                <a:cs typeface="Times New Roman" pitchFamily="18" charset="0"/>
-              </a:rPr>
-            </a:br>
-            <a:r>
-              <a:rPr lang="pt-BR" sz="2800" dirty="0" err="1" smtClean="0">
-                <a:solidFill>
-                  <a:srgbClr val="FFC000"/>
-                </a:solidFill>
-                <a:cs typeface="Times New Roman" pitchFamily="18" charset="0"/>
-              </a:rPr>
-              <a:t>listaConta</a:t>
+              <a:t>[1]</a:t>
             </a:r>
             <a:r>
               <a:rPr lang="pt-BR" sz="2800" dirty="0" smtClean="0">
                 <a:cs typeface="Times New Roman" pitchFamily="18" charset="0"/>
               </a:rPr>
-              <a:t>[1</a:t>
+              <a:t>.</a:t>
+            </a:r>
+            <a:r>
+              <a:rPr lang="pt-BR" sz="2800" dirty="0" err="1" smtClean="0">
+                <a:solidFill>
+                  <a:srgbClr val="FFC000"/>
+                </a:solidFill>
+                <a:cs typeface="Times New Roman" pitchFamily="18" charset="0"/>
+              </a:rPr>
+              <a:t>setSaldo</a:t>
             </a:r>
             <a:r>
               <a:rPr lang="pt-BR" sz="2800" dirty="0" smtClean="0">
                 <a:cs typeface="Times New Roman" pitchFamily="18" charset="0"/>
               </a:rPr>
-              <a:t>]</a:t>
-            </a:r>
-            <a:r>
-              <a:rPr lang="pt-BR" sz="2800" dirty="0" smtClean="0">
-                <a:solidFill>
-                  <a:srgbClr val="FFC000"/>
-                </a:solidFill>
-                <a:cs typeface="Times New Roman" pitchFamily="18" charset="0"/>
-              </a:rPr>
-              <a:t> = </a:t>
-            </a:r>
-            <a:r>
-              <a:rPr lang="pt-BR" sz="2800" dirty="0" err="1" smtClean="0">
-                <a:cs typeface="Times New Roman" pitchFamily="18" charset="0"/>
-              </a:rPr>
-              <a:t>new</a:t>
-            </a:r>
-            <a:r>
-              <a:rPr lang="pt-BR" sz="2800" dirty="0" smtClean="0">
-                <a:cs typeface="Times New Roman" pitchFamily="18" charset="0"/>
-              </a:rPr>
-              <a:t> Conta()</a:t>
-            </a:r>
-            <a:r>
-              <a:rPr lang="pt-BR" sz="2800" dirty="0" smtClean="0">
-                <a:solidFill>
-                  <a:srgbClr val="FFC000"/>
-                </a:solidFill>
-                <a:cs typeface="Times New Roman" pitchFamily="18" charset="0"/>
-              </a:rPr>
-              <a:t>;</a:t>
-            </a:r>
-            <a:br>
-              <a:rPr lang="pt-BR" sz="2800" dirty="0" smtClean="0">
-                <a:solidFill>
-                  <a:srgbClr val="FFC000"/>
-                </a:solidFill>
-                <a:cs typeface="Times New Roman" pitchFamily="18" charset="0"/>
-              </a:rPr>
-            </a:br>
-            <a:r>
-              <a:rPr lang="pt-BR" sz="2800" dirty="0" err="1" smtClean="0">
-                <a:solidFill>
-                  <a:srgbClr val="FFC000"/>
-                </a:solidFill>
-                <a:cs typeface="Times New Roman" pitchFamily="18" charset="0"/>
-              </a:rPr>
-              <a:t>listaConta</a:t>
-            </a:r>
-            <a:r>
-              <a:rPr lang="pt-BR" sz="2800" dirty="0" smtClean="0">
-                <a:cs typeface="Times New Roman" pitchFamily="18" charset="0"/>
-              </a:rPr>
-              <a:t>[1</a:t>
-            </a:r>
-            <a:r>
-              <a:rPr lang="pt-BR" sz="2800" dirty="0" smtClean="0">
-                <a:cs typeface="Times New Roman" pitchFamily="18" charset="0"/>
-              </a:rPr>
-              <a:t>]</a:t>
-            </a:r>
-            <a:r>
-              <a:rPr lang="pt-BR" sz="2800" dirty="0" smtClean="0">
-                <a:solidFill>
-                  <a:srgbClr val="FFC000"/>
-                </a:solidFill>
-                <a:cs typeface="Times New Roman" pitchFamily="18" charset="0"/>
-              </a:rPr>
-              <a:t>.</a:t>
-            </a:r>
-            <a:r>
-              <a:rPr lang="pt-BR" sz="2800" dirty="0" err="1" smtClean="0">
-                <a:cs typeface="Times New Roman" pitchFamily="18" charset="0"/>
-              </a:rPr>
-              <a:t>setNumero</a:t>
-            </a:r>
-            <a:r>
-              <a:rPr lang="pt-BR" sz="2800" dirty="0" smtClean="0">
-                <a:solidFill>
-                  <a:srgbClr val="FFC000"/>
-                </a:solidFill>
-                <a:cs typeface="Times New Roman" pitchFamily="18" charset="0"/>
-              </a:rPr>
-              <a:t>(5004);</a:t>
-            </a:r>
-            <a:br>
-              <a:rPr lang="pt-BR" sz="2800" dirty="0" smtClean="0">
-                <a:solidFill>
-                  <a:srgbClr val="FFC000"/>
-                </a:solidFill>
-                <a:cs typeface="Times New Roman" pitchFamily="18" charset="0"/>
-              </a:rPr>
-            </a:br>
-            <a:r>
-              <a:rPr lang="pt-BR" sz="2800" dirty="0" err="1" smtClean="0">
-                <a:solidFill>
-                  <a:srgbClr val="FFC000"/>
-                </a:solidFill>
-                <a:cs typeface="Times New Roman" pitchFamily="18" charset="0"/>
-              </a:rPr>
-              <a:t>listaConta</a:t>
-            </a:r>
-            <a:r>
-              <a:rPr lang="pt-BR" sz="2800" dirty="0" smtClean="0">
-                <a:cs typeface="Times New Roman" pitchFamily="18" charset="0"/>
-              </a:rPr>
-              <a:t>[1</a:t>
-            </a:r>
-            <a:r>
-              <a:rPr lang="pt-BR" sz="2800" dirty="0" smtClean="0">
-                <a:cs typeface="Times New Roman" pitchFamily="18" charset="0"/>
-              </a:rPr>
-              <a:t>]</a:t>
-            </a:r>
-            <a:r>
-              <a:rPr lang="pt-BR" sz="2800" dirty="0" smtClean="0">
-                <a:solidFill>
-                  <a:srgbClr val="FFC000"/>
-                </a:solidFill>
-                <a:cs typeface="Times New Roman" pitchFamily="18" charset="0"/>
-              </a:rPr>
-              <a:t>.</a:t>
-            </a:r>
-            <a:r>
-              <a:rPr lang="pt-BR" sz="2800" dirty="0" err="1" smtClean="0">
-                <a:cs typeface="Times New Roman" pitchFamily="18" charset="0"/>
-              </a:rPr>
-              <a:t>setNome</a:t>
-            </a:r>
-            <a:r>
-              <a:rPr lang="pt-BR" sz="2800" dirty="0" smtClean="0">
-                <a:solidFill>
-                  <a:srgbClr val="FFC000"/>
-                </a:solidFill>
-                <a:cs typeface="Times New Roman" pitchFamily="18" charset="0"/>
-              </a:rPr>
-              <a:t>("Joaquim");</a:t>
-            </a:r>
-            <a:br>
-              <a:rPr lang="pt-BR" sz="2800" dirty="0" smtClean="0">
-                <a:solidFill>
-                  <a:srgbClr val="FFC000"/>
-                </a:solidFill>
-                <a:cs typeface="Times New Roman" pitchFamily="18" charset="0"/>
-              </a:rPr>
-            </a:br>
-            <a:r>
-              <a:rPr lang="pt-BR" sz="2800" dirty="0" err="1" smtClean="0">
-                <a:solidFill>
-                  <a:srgbClr val="FFC000"/>
-                </a:solidFill>
-                <a:cs typeface="Times New Roman" pitchFamily="18" charset="0"/>
-              </a:rPr>
-              <a:t>listaConta</a:t>
-            </a:r>
-            <a:r>
-              <a:rPr lang="pt-BR" sz="2800" dirty="0" smtClean="0">
-                <a:cs typeface="Times New Roman" pitchFamily="18" charset="0"/>
-              </a:rPr>
-              <a:t>[1</a:t>
-            </a:r>
-            <a:r>
-              <a:rPr lang="pt-BR" sz="2800" dirty="0" smtClean="0">
-                <a:cs typeface="Times New Roman" pitchFamily="18" charset="0"/>
-              </a:rPr>
-              <a:t>]</a:t>
-            </a:r>
-            <a:r>
-              <a:rPr lang="pt-BR" sz="2800" dirty="0" smtClean="0">
-                <a:solidFill>
-                  <a:srgbClr val="FFC000"/>
-                </a:solidFill>
-                <a:cs typeface="Times New Roman" pitchFamily="18" charset="0"/>
-              </a:rPr>
-              <a:t>.</a:t>
-            </a:r>
-            <a:r>
-              <a:rPr lang="pt-BR" sz="2800" dirty="0" err="1" smtClean="0">
-                <a:cs typeface="Times New Roman" pitchFamily="18" charset="0"/>
-              </a:rPr>
-              <a:t>setSaldo</a:t>
-            </a:r>
-            <a:r>
-              <a:rPr lang="pt-BR" sz="2800" dirty="0" smtClean="0">
-                <a:solidFill>
-                  <a:srgbClr val="FFC000"/>
-                </a:solidFill>
-                <a:cs typeface="Times New Roman" pitchFamily="18" charset="0"/>
-              </a:rPr>
               <a:t>(650.0);</a:t>
             </a:r>
+          </a:p>
+        </p:txBody>
+      </p:sp>
+      <p:sp>
+        <p:nvSpPr>
+          <p:cNvPr id="4" name="Espaço Reservado para Número de Slide 3"/>
+          <p:cNvSpPr>
+            <a:spLocks noGrp="1"/>
+          </p:cNvSpPr>
+          <p:nvPr>
+            <p:ph type="sldNum" sz="quarter" idx="12"/>
+          </p:nvPr>
+        </p:nvSpPr>
+        <p:spPr/>
+        <p:txBody>
+          <a:bodyPr/>
+          <a:lstStyle/>
+          <a:p>
+            <a:pPr>
+              <a:defRPr/>
+            </a:pPr>
+            <a:fld id="{E69D0DB4-801C-41EC-8349-1D089238E876}" type="slidenum">
+              <a:rPr lang="pt-BR" smtClean="0"/>
+              <a:pPr>
+                <a:defRPr/>
+              </a:pPr>
+              <a:t>16</a:t>
+            </a:fld>
+            <a:endParaRPr lang="pt-BR"/>
           </a:p>
         </p:txBody>
       </p:sp>
@@ -12450,53 +12334,163 @@
             </a:pPr>
             <a:r>
               <a:rPr lang="pt-BR" sz="2800" dirty="0" smtClean="0">
+                <a:solidFill>
+                  <a:srgbClr val="FFC000"/>
+                </a:solidFill>
                 <a:cs typeface="Times New Roman" pitchFamily="18" charset="0"/>
               </a:rPr>
               <a:t>Conta[ ] </a:t>
             </a:r>
             <a:r>
               <a:rPr lang="pt-BR" sz="2800" dirty="0" err="1" smtClean="0">
-                <a:solidFill>
-                  <a:srgbClr val="FFC000"/>
-                </a:solidFill>
                 <a:cs typeface="Times New Roman" pitchFamily="18" charset="0"/>
               </a:rPr>
               <a:t>listaConta</a:t>
+            </a:r>
+            <a:r>
+              <a:rPr lang="pt-BR" sz="2800" dirty="0" smtClean="0">
+                <a:solidFill>
+                  <a:srgbClr val="FFC000"/>
+                </a:solidFill>
+                <a:cs typeface="Times New Roman" pitchFamily="18" charset="0"/>
+              </a:rPr>
+              <a:t> = {</a:t>
+            </a:r>
+            <a:br>
+              <a:rPr lang="pt-BR" sz="2800" dirty="0" smtClean="0">
+                <a:solidFill>
+                  <a:srgbClr val="FFC000"/>
+                </a:solidFill>
+                <a:cs typeface="Times New Roman" pitchFamily="18" charset="0"/>
+              </a:rPr>
+            </a:br>
+            <a:r>
+              <a:rPr lang="pt-BR" sz="2800" dirty="0" smtClean="0">
+                <a:solidFill>
+                  <a:srgbClr val="FFC000"/>
+                </a:solidFill>
+                <a:cs typeface="Times New Roman" pitchFamily="18" charset="0"/>
+              </a:rPr>
+              <a:t>	</a:t>
+            </a:r>
+            <a:r>
+              <a:rPr lang="pt-BR" sz="2800" dirty="0" err="1" smtClean="0">
+                <a:solidFill>
+                  <a:srgbClr val="FFC000"/>
+                </a:solidFill>
+                <a:cs typeface="Times New Roman" pitchFamily="18" charset="0"/>
+              </a:rPr>
+              <a:t>new</a:t>
+            </a:r>
+            <a:r>
+              <a:rPr lang="pt-BR" sz="2800" dirty="0" smtClean="0">
+                <a:solidFill>
+                  <a:srgbClr val="FFC000"/>
+                </a:solidFill>
+                <a:cs typeface="Times New Roman" pitchFamily="18" charset="0"/>
+              </a:rPr>
+              <a:t> Conta(</a:t>
             </a:r>
             <a:r>
               <a:rPr lang="pt-BR" sz="2800" dirty="0" smtClean="0">
                 <a:cs typeface="Times New Roman" pitchFamily="18" charset="0"/>
               </a:rPr>
-              <a:t> </a:t>
+              <a:t>5003</a:t>
+            </a:r>
+            <a:r>
+              <a:rPr lang="pt-BR" sz="2800" dirty="0" smtClean="0">
+                <a:solidFill>
+                  <a:srgbClr val="FFC000"/>
+                </a:solidFill>
+                <a:cs typeface="Times New Roman" pitchFamily="18" charset="0"/>
+              </a:rPr>
+              <a:t>, </a:t>
             </a:r>
             <a:r>
               <a:rPr lang="pt-BR" sz="2800" dirty="0" smtClean="0">
                 <a:cs typeface="Times New Roman" pitchFamily="18" charset="0"/>
               </a:rPr>
-              <a:t>= {</a:t>
+              <a:t>"Manuel"</a:t>
+            </a:r>
+            <a:r>
+              <a:rPr lang="pt-BR" sz="2800" dirty="0" smtClean="0">
+                <a:solidFill>
+                  <a:srgbClr val="FFC000"/>
+                </a:solidFill>
+                <a:cs typeface="Times New Roman" pitchFamily="18" charset="0"/>
+              </a:rPr>
+              <a:t>, </a:t>
+            </a:r>
+            <a:r>
+              <a:rPr lang="pt-BR" sz="2800" dirty="0" smtClean="0">
+                <a:cs typeface="Times New Roman" pitchFamily="18" charset="0"/>
+              </a:rPr>
+              <a:t>800.0</a:t>
+            </a:r>
+            <a:r>
+              <a:rPr lang="pt-BR" sz="2800" dirty="0" smtClean="0">
+                <a:solidFill>
+                  <a:srgbClr val="FFC000"/>
+                </a:solidFill>
+                <a:cs typeface="Times New Roman" pitchFamily="18" charset="0"/>
+              </a:rPr>
+              <a:t>) ,</a:t>
             </a:r>
             <a:br>
               <a:rPr lang="pt-BR" sz="2800" dirty="0" smtClean="0">
+                <a:solidFill>
+                  <a:srgbClr val="FFC000"/>
+                </a:solidFill>
                 <a:cs typeface="Times New Roman" pitchFamily="18" charset="0"/>
               </a:rPr>
             </a:br>
+            <a:r>
+              <a:rPr lang="pt-BR" sz="2800" dirty="0" smtClean="0">
+                <a:solidFill>
+                  <a:srgbClr val="FFC000"/>
+                </a:solidFill>
+                <a:cs typeface="Times New Roman" pitchFamily="18" charset="0"/>
+              </a:rPr>
+              <a:t>	</a:t>
+            </a:r>
+            <a:r>
+              <a:rPr lang="pt-BR" sz="2800" dirty="0" err="1" smtClean="0">
+                <a:solidFill>
+                  <a:srgbClr val="FFC000"/>
+                </a:solidFill>
+                <a:cs typeface="Times New Roman" pitchFamily="18" charset="0"/>
+              </a:rPr>
+              <a:t>new</a:t>
+            </a:r>
+            <a:r>
+              <a:rPr lang="pt-BR" sz="2800" dirty="0" smtClean="0">
+                <a:solidFill>
+                  <a:srgbClr val="FFC000"/>
+                </a:solidFill>
+                <a:cs typeface="Times New Roman" pitchFamily="18" charset="0"/>
+              </a:rPr>
+              <a:t> Conta(</a:t>
+            </a:r>
             <a:r>
               <a:rPr lang="pt-BR" sz="2800" dirty="0" smtClean="0">
                 <a:cs typeface="Times New Roman" pitchFamily="18" charset="0"/>
               </a:rPr>
-              <a:t>	</a:t>
-            </a:r>
-            <a:r>
-              <a:rPr lang="pt-BR" sz="2800" dirty="0" err="1" smtClean="0">
+              <a:t>5004</a:t>
+            </a:r>
+            <a:r>
+              <a:rPr lang="pt-BR" sz="2800" dirty="0" smtClean="0">
+                <a:solidFill>
+                  <a:srgbClr val="FFC000"/>
+                </a:solidFill>
                 <a:cs typeface="Times New Roman" pitchFamily="18" charset="0"/>
               </a:rPr>
-              <a:t>new</a:t>
+              <a:t>, </a:t>
             </a:r>
             <a:r>
               <a:rPr lang="pt-BR" sz="2800" dirty="0" smtClean="0">
                 <a:cs typeface="Times New Roman" pitchFamily="18" charset="0"/>
               </a:rPr>
-              <a:t> Conta(</a:t>
+              <a:t>"Joaquim"</a:t>
             </a:r>
             <a:r>
               <a:rPr lang="pt-BR" sz="2800" dirty="0" smtClean="0">
@@ -12505,13 +12499,13 @@
                 </a:solidFill>
                 <a:cs typeface="Times New Roman" pitchFamily="18" charset="0"/>
               </a:rPr>
-              <a:t>5003</a:t>
+              <a:t>, </a:t>
             </a:r>
             <a:r>
               <a:rPr lang="pt-BR" sz="2800" dirty="0" smtClean="0">
                 <a:cs typeface="Times New Roman" pitchFamily="18" charset="0"/>
               </a:rPr>
-              <a:t>, </a:t>
+              <a:t>650.0</a:t>
             </a:r>
             <a:r>
               <a:rPr lang="pt-BR" sz="2800" dirty="0" smtClean="0">
@@ -12520,51 +12514,143 @@
                 </a:solidFill>
                 <a:cs typeface="Times New Roman" pitchFamily="18" charset="0"/>
               </a:rPr>
-              <a:t>"Manuel"</a:t>
+              <a:t>) ,</a:t>
+            </a:r>
+            <a:br>
+              <a:rPr lang="pt-BR" sz="2800" dirty="0" smtClean="0">
+                <a:solidFill>
+                  <a:srgbClr val="FFC000"/>
+                </a:solidFill>
+                <a:cs typeface="Times New Roman" pitchFamily="18" charset="0"/>
+              </a:rPr>
+            </a:br>
+            <a:r>
+              <a:rPr lang="pt-BR" sz="2800" dirty="0" smtClean="0">
+                <a:solidFill>
+                  <a:srgbClr val="FFC000"/>
+                </a:solidFill>
+                <a:cs typeface="Times New Roman" pitchFamily="18" charset="0"/>
+              </a:rPr>
+              <a:t>	</a:t>
+            </a:r>
+            <a:r>
+              <a:rPr lang="pt-BR" sz="2800" dirty="0" err="1" smtClean="0">
+                <a:solidFill>
+                  <a:srgbClr val="FFC000"/>
+                </a:solidFill>
+                <a:cs typeface="Times New Roman" pitchFamily="18" charset="0"/>
+              </a:rPr>
+              <a:t>new</a:t>
+            </a:r>
+            <a:r>
+              <a:rPr lang="pt-BR" sz="2800" dirty="0" smtClean="0">
+                <a:solidFill>
+                  <a:srgbClr val="FFC000"/>
+                </a:solidFill>
+                <a:cs typeface="Times New Roman" pitchFamily="18" charset="0"/>
+              </a:rPr>
+              <a:t> Conta(</a:t>
             </a:r>
             <a:r>
               <a:rPr lang="pt-BR" sz="2800" dirty="0" smtClean="0">
                 <a:cs typeface="Times New Roman" pitchFamily="18" charset="0"/>
               </a:rPr>
+              <a:t>5005</a:t>
+            </a:r>
+            <a:r>
+              <a:rPr lang="pt-BR" sz="2800" dirty="0" smtClean="0">
+                <a:solidFill>
+                  <a:srgbClr val="FFC000"/>
+                </a:solidFill>
+                <a:cs typeface="Times New Roman" pitchFamily="18" charset="0"/>
+              </a:rPr>
               <a:t>, </a:t>
-            </a:r>
-            <a:r>
-              <a:rPr lang="pt-BR" sz="2800" dirty="0" smtClean="0">
-                <a:solidFill>
-                  <a:srgbClr val="FFC000"/>
-                </a:solidFill>
-                <a:cs typeface="Times New Roman" pitchFamily="18" charset="0"/>
-              </a:rPr>
-              <a:t>800.0</a:t>
             </a:r>
             <a:r>
               <a:rPr lang="pt-BR" sz="2800" dirty="0" smtClean="0">
                 <a:cs typeface="Times New Roman" pitchFamily="18" charset="0"/>
               </a:rPr>
+              <a:t>"Maria"</a:t>
+            </a:r>
+            <a:r>
+              <a:rPr lang="pt-BR" sz="2800" dirty="0" smtClean="0">
+                <a:solidFill>
+                  <a:srgbClr val="FFC000"/>
+                </a:solidFill>
+                <a:cs typeface="Times New Roman" pitchFamily="18" charset="0"/>
+              </a:rPr>
+              <a:t>, </a:t>
+            </a:r>
+            <a:r>
+              <a:rPr lang="pt-BR" sz="2800" dirty="0" smtClean="0">
+                <a:cs typeface="Times New Roman" pitchFamily="18" charset="0"/>
+              </a:rPr>
+              <a:t>1020.0</a:t>
+            </a:r>
+            <a:r>
+              <a:rPr lang="pt-BR" sz="2800" dirty="0" smtClean="0">
+                <a:solidFill>
+                  <a:srgbClr val="FFC000"/>
+                </a:solidFill>
+                <a:cs typeface="Times New Roman" pitchFamily="18" charset="0"/>
+              </a:rPr>
               <a:t>) ,</a:t>
             </a:r>
             <a:br>
               <a:rPr lang="pt-BR" sz="2800" dirty="0" smtClean="0">
+                <a:solidFill>
+                  <a:srgbClr val="FFC000"/>
+                </a:solidFill>
                 <a:cs typeface="Times New Roman" pitchFamily="18" charset="0"/>
               </a:rPr>
             </a:br>
+            <a:r>
+              <a:rPr lang="pt-BR" sz="2800" dirty="0" smtClean="0">
+                <a:solidFill>
+                  <a:srgbClr val="FFC000"/>
+                </a:solidFill>
+                <a:cs typeface="Times New Roman" pitchFamily="18" charset="0"/>
+              </a:rPr>
+              <a:t>	</a:t>
+            </a:r>
+            <a:r>
+              <a:rPr lang="pt-BR" sz="2800" dirty="0" err="1" smtClean="0">
+                <a:solidFill>
+                  <a:srgbClr val="FFC000"/>
+                </a:solidFill>
+                <a:cs typeface="Times New Roman" pitchFamily="18" charset="0"/>
+              </a:rPr>
+              <a:t>new</a:t>
+            </a:r>
+            <a:r>
+              <a:rPr lang="pt-BR" sz="2800" dirty="0" smtClean="0">
+                <a:solidFill>
+                  <a:srgbClr val="FFC000"/>
+                </a:solidFill>
+                <a:cs typeface="Times New Roman" pitchFamily="18" charset="0"/>
+              </a:rPr>
+              <a:t> Conta(</a:t>
+            </a:r>
             <a:r>
               <a:rPr lang="pt-BR" sz="2800" dirty="0" smtClean="0">
                 <a:cs typeface="Times New Roman" pitchFamily="18" charset="0"/>
               </a:rPr>
-              <a:t>	</a:t>
-            </a:r>
-            <a:r>
-              <a:rPr lang="pt-BR" sz="2800" dirty="0" err="1" smtClean="0">
+              <a:t>5006</a:t>
+            </a:r>
+            <a:r>
+              <a:rPr lang="pt-BR" sz="2800" dirty="0" smtClean="0">
+                <a:solidFill>
+                  <a:srgbClr val="FFC000"/>
+                </a:solidFill>
                 <a:cs typeface="Times New Roman" pitchFamily="18" charset="0"/>
               </a:rPr>
-              <a:t>new</a:t>
+              <a:t>, </a:t>
             </a:r>
             <a:r>
               <a:rPr lang="pt-BR" sz="2800" dirty="0" smtClean="0">
                 <a:cs typeface="Times New Roman" pitchFamily="18" charset="0"/>
               </a:rPr>
-              <a:t> Conta(</a:t>
+              <a:t>"Carlos"</a:t>
             </a:r>
             <a:r>
               <a:rPr lang="pt-BR" sz="2800" dirty="0" smtClean="0">
@@ -12573,13 +12659,13 @@
                 </a:solidFill>
                 <a:cs typeface="Times New Roman" pitchFamily="18" charset="0"/>
               </a:rPr>
-              <a:t>5004</a:t>
+              <a:t>, </a:t>
             </a:r>
             <a:r>
               <a:rPr lang="pt-BR" sz="2800" dirty="0" smtClean="0">
                 <a:cs typeface="Times New Roman" pitchFamily="18" charset="0"/>
               </a:rPr>
-              <a:t>, </a:t>
+              <a:t>580.5</a:t>
             </a:r>
             <a:r>
               <a:rPr lang="pt-BR" sz="2800" dirty="0" smtClean="0">
@@ -12588,176 +12674,54 @@
                 </a:solidFill>
                 <a:cs typeface="Times New Roman" pitchFamily="18" charset="0"/>
               </a:rPr>
-              <a:t>"Joaquim"</a:t>
-            </a:r>
-            <a:r>
-              <a:rPr lang="pt-BR" sz="2800" dirty="0" smtClean="0">
-                <a:cs typeface="Times New Roman" pitchFamily="18" charset="0"/>
-              </a:rPr>
-              <a:t>, </a:t>
-            </a:r>
-            <a:r>
-              <a:rPr lang="pt-BR" sz="2800" dirty="0" smtClean="0">
-                <a:solidFill>
-                  <a:srgbClr val="FFC000"/>
-                </a:solidFill>
-                <a:cs typeface="Times New Roman" pitchFamily="18" charset="0"/>
-              </a:rPr>
-              <a:t>650.0</a:t>
-            </a:r>
-            <a:r>
-              <a:rPr lang="pt-BR" sz="2800" dirty="0" smtClean="0">
-                <a:cs typeface="Times New Roman" pitchFamily="18" charset="0"/>
-              </a:rPr>
-              <a:t>) ,</a:t>
+              <a:t>)</a:t>
             </a:r>
             <a:br>
               <a:rPr lang="pt-BR" sz="2800" dirty="0" smtClean="0">
+                <a:solidFill>
+                  <a:srgbClr val="FFC000"/>
+                </a:solidFill>
                 <a:cs typeface="Times New Roman" pitchFamily="18" charset="0"/>
               </a:rPr>
             </a:br>
             <a:r>
               <a:rPr lang="pt-BR" sz="2800" dirty="0" smtClean="0">
+                <a:solidFill>
+                  <a:srgbClr val="FFC000"/>
+                </a:solidFill>
                 <a:cs typeface="Times New Roman" pitchFamily="18" charset="0"/>
               </a:rPr>
-              <a:t>	</a:t>
-            </a:r>
-            <a:r>
-              <a:rPr lang="pt-BR" sz="2800" dirty="0" err="1" smtClean="0">
-                <a:cs typeface="Times New Roman" pitchFamily="18" charset="0"/>
-              </a:rPr>
-              <a:t>new</a:t>
-            </a:r>
-            <a:r>
-              <a:rPr lang="pt-BR" sz="2800" dirty="0" smtClean="0">
-                <a:cs typeface="Times New Roman" pitchFamily="18" charset="0"/>
-              </a:rPr>
-              <a:t> Conta(</a:t>
-            </a:r>
-            <a:r>
-              <a:rPr lang="pt-BR" sz="2800" dirty="0" smtClean="0">
-                <a:solidFill>
-                  <a:srgbClr val="FFC000"/>
-                </a:solidFill>
-                <a:cs typeface="Times New Roman" pitchFamily="18" charset="0"/>
-              </a:rPr>
-              <a:t>5005</a:t>
-            </a:r>
-            <a:r>
-              <a:rPr lang="pt-BR" sz="2800" dirty="0" smtClean="0">
-                <a:cs typeface="Times New Roman" pitchFamily="18" charset="0"/>
-              </a:rPr>
-              <a:t>, </a:t>
-            </a:r>
-            <a:r>
-              <a:rPr lang="pt-BR" sz="2800" dirty="0" smtClean="0">
-                <a:solidFill>
-                  <a:srgbClr val="FFC000"/>
-                </a:solidFill>
-                <a:cs typeface="Times New Roman" pitchFamily="18" charset="0"/>
-              </a:rPr>
-              <a:t>"Maria"</a:t>
-            </a:r>
-            <a:r>
-              <a:rPr lang="pt-BR" sz="2800" dirty="0" smtClean="0">
-                <a:cs typeface="Times New Roman" pitchFamily="18" charset="0"/>
-              </a:rPr>
-              <a:t>, </a:t>
-            </a:r>
-            <a:r>
-              <a:rPr lang="pt-BR" sz="2800" dirty="0" smtClean="0">
-                <a:solidFill>
-                  <a:srgbClr val="FFC000"/>
-                </a:solidFill>
-                <a:cs typeface="Times New Roman" pitchFamily="18" charset="0"/>
-              </a:rPr>
-              <a:t>1020.0</a:t>
-            </a:r>
-            <a:r>
-              <a:rPr lang="pt-BR" sz="2800" dirty="0" smtClean="0">
-                <a:cs typeface="Times New Roman" pitchFamily="18" charset="0"/>
-              </a:rPr>
-              <a:t>) ,</a:t>
-            </a:r>
-            <a:br>
-              <a:rPr lang="pt-BR" sz="2800" dirty="0" smtClean="0">
-                <a:cs typeface="Times New Roman" pitchFamily="18" charset="0"/>
-              </a:rPr>
-            </a:br>
-            <a:r>
-              <a:rPr lang="pt-BR" sz="2800" dirty="0" smtClean="0">
-                <a:cs typeface="Times New Roman" pitchFamily="18" charset="0"/>
-              </a:rPr>
-              <a:t>	</a:t>
-            </a:r>
-            <a:r>
-              <a:rPr lang="pt-BR" sz="2800" dirty="0" err="1" smtClean="0">
-                <a:cs typeface="Times New Roman" pitchFamily="18" charset="0"/>
-              </a:rPr>
-              <a:t>new</a:t>
-            </a:r>
-            <a:r>
-              <a:rPr lang="pt-BR" sz="2800" dirty="0" smtClean="0">
-                <a:cs typeface="Times New Roman" pitchFamily="18" charset="0"/>
-              </a:rPr>
-              <a:t> Conta(</a:t>
-            </a:r>
-            <a:r>
-              <a:rPr lang="pt-BR" sz="2800" dirty="0" smtClean="0">
-                <a:solidFill>
-                  <a:srgbClr val="FFC000"/>
-                </a:solidFill>
-                <a:cs typeface="Times New Roman" pitchFamily="18" charset="0"/>
-              </a:rPr>
-              <a:t>5006</a:t>
-            </a:r>
-            <a:r>
-              <a:rPr lang="pt-BR" sz="2800" dirty="0" smtClean="0">
-                <a:cs typeface="Times New Roman" pitchFamily="18" charset="0"/>
-              </a:rPr>
-              <a:t>, </a:t>
-            </a:r>
-            <a:r>
-              <a:rPr lang="pt-BR" sz="2800" dirty="0" smtClean="0">
-                <a:solidFill>
-                  <a:srgbClr val="FFC000"/>
-                </a:solidFill>
-                <a:cs typeface="Times New Roman" pitchFamily="18" charset="0"/>
-              </a:rPr>
-              <a:t>"Carlos"</a:t>
-            </a:r>
-            <a:r>
-              <a:rPr lang="pt-BR" sz="2800" dirty="0" smtClean="0">
-                <a:cs typeface="Times New Roman" pitchFamily="18" charset="0"/>
-              </a:rPr>
-              <a:t>, </a:t>
-            </a:r>
-            <a:r>
-              <a:rPr lang="pt-BR" sz="2800" dirty="0" smtClean="0">
-                <a:solidFill>
-                  <a:srgbClr val="FFC000"/>
-                </a:solidFill>
-                <a:cs typeface="Times New Roman" pitchFamily="18" charset="0"/>
-              </a:rPr>
-              <a:t>580.5</a:t>
-            </a:r>
-            <a:r>
-              <a:rPr lang="pt-BR" sz="2800" dirty="0" smtClean="0">
-                <a:cs typeface="Times New Roman" pitchFamily="18" charset="0"/>
-              </a:rPr>
-              <a:t>)</a:t>
-            </a:r>
-            <a:br>
-              <a:rPr lang="pt-BR" sz="2800" dirty="0" smtClean="0">
-                <a:cs typeface="Times New Roman" pitchFamily="18" charset="0"/>
-              </a:rPr>
-            </a:br>
-            <a:r>
-              <a:rPr lang="pt-BR" sz="2800" dirty="0" smtClean="0">
-                <a:cs typeface="Times New Roman" pitchFamily="18" charset="0"/>
-              </a:rPr>
               <a:t>};</a:t>
             </a:r>
+          </a:p>
+        </p:txBody>
+      </p:sp>
+      <p:sp>
+        <p:nvSpPr>
+          <p:cNvPr id="4" name="Espaço Reservado para Número de Slide 3"/>
+          <p:cNvSpPr>
+            <a:spLocks noGrp="1"/>
+          </p:cNvSpPr>
+          <p:nvPr>
+            <p:ph type="sldNum" sz="quarter" idx="12"/>
+          </p:nvPr>
+        </p:nvSpPr>
+        <p:spPr/>
+        <p:txBody>
+          <a:bodyPr/>
+          <a:lstStyle/>
+          <a:p>
+            <a:pPr>
+              <a:defRPr/>
+            </a:pPr>
+            <a:fld id="{E69D0DB4-801C-41EC-8349-1D089238E876}" type="slidenum">
+              <a:rPr lang="pt-BR" smtClean="0"/>
+              <a:pPr>
+                <a:defRPr/>
+              </a:pPr>
+              <a:t>17</a:t>
+            </a:fld>
+            <a:endParaRPr lang="pt-BR"/>
           </a:p>
         </p:txBody>
       </p:sp>
@@ -12916,107 +12880,544 @@
             </a:pPr>
             <a:r>
               <a:rPr lang="pt-BR" sz="2800" dirty="0" smtClean="0">
-                <a:solidFill>
-                  <a:srgbClr val="FFC000"/>
-                </a:solidFill>
                 <a:cs typeface="Times New Roman" pitchFamily="18" charset="0"/>
               </a:rPr>
               <a:t>for (</a:t>
+            </a:r>
+            <a:r>
+              <a:rPr lang="pt-BR" sz="2800" dirty="0" err="1" smtClean="0">
+                <a:solidFill>
+                  <a:srgbClr val="FFC000"/>
+                </a:solidFill>
+                <a:cs typeface="Times New Roman" pitchFamily="18" charset="0"/>
+              </a:rPr>
+              <a:t>int</a:t>
+            </a:r>
+            <a:r>
+              <a:rPr lang="pt-BR" sz="2800" dirty="0" smtClean="0">
+                <a:solidFill>
+                  <a:srgbClr val="FFC000"/>
+                </a:solidFill>
+                <a:cs typeface="Times New Roman" pitchFamily="18" charset="0"/>
+              </a:rPr>
+              <a:t> i</a:t>
+            </a:r>
+            <a:r>
+              <a:rPr lang="pt-BR" sz="2800" dirty="0" smtClean="0">
+                <a:cs typeface="Times New Roman" pitchFamily="18" charset="0"/>
+              </a:rPr>
+              <a:t> = 0; </a:t>
+            </a:r>
+            <a:r>
+              <a:rPr lang="pt-BR" sz="2800" dirty="0" smtClean="0">
+                <a:solidFill>
+                  <a:srgbClr val="FFC000"/>
+                </a:solidFill>
+                <a:cs typeface="Times New Roman" pitchFamily="18" charset="0"/>
+              </a:rPr>
+              <a:t>i</a:t>
+            </a:r>
+            <a:r>
+              <a:rPr lang="pt-BR" sz="2800" dirty="0" smtClean="0">
+                <a:cs typeface="Times New Roman" pitchFamily="18" charset="0"/>
+              </a:rPr>
+              <a:t> &lt; </a:t>
+            </a:r>
+            <a:r>
+              <a:rPr lang="pt-BR" sz="2800" dirty="0" err="1" smtClean="0">
+                <a:solidFill>
+                  <a:srgbClr val="FFC000"/>
+                </a:solidFill>
+                <a:cs typeface="Times New Roman" pitchFamily="18" charset="0"/>
+              </a:rPr>
+              <a:t>listaConta</a:t>
+            </a:r>
+            <a:r>
+              <a:rPr lang="pt-BR" sz="2800" dirty="0" smtClean="0">
+                <a:solidFill>
+                  <a:srgbClr val="FFC000"/>
+                </a:solidFill>
+                <a:cs typeface="Times New Roman" pitchFamily="18" charset="0"/>
+              </a:rPr>
+              <a:t>.</a:t>
+            </a:r>
+            <a:r>
+              <a:rPr lang="pt-BR" sz="2800" dirty="0" err="1" smtClean="0">
+                <a:solidFill>
+                  <a:srgbClr val="FFC000"/>
+                </a:solidFill>
+                <a:cs typeface="Times New Roman" pitchFamily="18" charset="0"/>
+              </a:rPr>
+              <a:t>length</a:t>
+            </a:r>
+            <a:r>
+              <a:rPr lang="pt-BR" sz="2800" dirty="0" smtClean="0">
+                <a:cs typeface="Times New Roman" pitchFamily="18" charset="0"/>
+              </a:rPr>
+              <a:t>; </a:t>
+            </a:r>
+            <a:r>
+              <a:rPr lang="pt-BR" sz="2800" dirty="0" smtClean="0">
+                <a:solidFill>
+                  <a:srgbClr val="FFC000"/>
+                </a:solidFill>
+                <a:cs typeface="Times New Roman" pitchFamily="18" charset="0"/>
+              </a:rPr>
+              <a:t>i</a:t>
+            </a:r>
+            <a:r>
+              <a:rPr lang="pt-BR" sz="2800" dirty="0" smtClean="0">
+                <a:cs typeface="Times New Roman" pitchFamily="18" charset="0"/>
+              </a:rPr>
+              <a:t>++) {</a:t>
+            </a:r>
+            <a:br>
+              <a:rPr lang="pt-BR" sz="2800" dirty="0" smtClean="0">
+                <a:cs typeface="Times New Roman" pitchFamily="18" charset="0"/>
+              </a:rPr>
+            </a:br>
+            <a:r>
+              <a:rPr lang="pt-BR" sz="2800" dirty="0" smtClean="0">
+                <a:cs typeface="Times New Roman" pitchFamily="18" charset="0"/>
+              </a:rPr>
+              <a:t>	System.</a:t>
             </a:r>
             <a:r>
               <a:rPr lang="pt-BR" sz="2800" dirty="0" err="1" smtClean="0">
                 <a:cs typeface="Times New Roman" pitchFamily="18" charset="0"/>
               </a:rPr>
-              <a:t>int</a:t>
+              <a:t>out.println</a:t>
             </a:r>
             <a:r>
               <a:rPr lang="pt-BR" sz="2800" dirty="0" smtClean="0">
                 <a:cs typeface="Times New Roman" pitchFamily="18" charset="0"/>
               </a:rPr>
-              <a:t> i</a:t>
-            </a:r>
-            <a:r>
-              <a:rPr lang="pt-BR" sz="2800" dirty="0" smtClean="0">
-                <a:solidFill>
-                  <a:srgbClr val="FFC000"/>
-                </a:solidFill>
-                <a:cs typeface="Times New Roman" pitchFamily="18" charset="0"/>
-              </a:rPr>
-              <a:t> = 0; </a:t>
-            </a:r>
-            <a:r>
+              <a:t>(“Saldo da conta ” +</a:t>
+            </a:r>
+            <a:br>
               <a:rPr lang="pt-BR" sz="2800" dirty="0" smtClean="0">
                 <a:cs typeface="Times New Roman" pitchFamily="18" charset="0"/>
               </a:rPr>
-              <a:t>i</a:t>
-            </a:r>
+            </a:br>
             <a:r>
               <a:rPr lang="pt-BR" sz="2800" dirty="0" smtClean="0">
-                <a:solidFill>
-                  <a:srgbClr val="FFC000"/>
-                </a:solidFill>
                 <a:cs typeface="Times New Roman" pitchFamily="18" charset="0"/>
               </a:rPr>
-              <a:t> &lt; </a:t>
+              <a:t>		</a:t>
+            </a:r>
+            <a:r>
+              <a:rPr lang="pt-BR" sz="2800" dirty="0" err="1" smtClean="0">
+                <a:solidFill>
+                  <a:srgbClr val="FFC000"/>
+                </a:solidFill>
+                <a:cs typeface="Times New Roman" pitchFamily="18" charset="0"/>
+              </a:rPr>
+              <a:t>listaConta</a:t>
+            </a:r>
+            <a:r>
+              <a:rPr lang="pt-BR" sz="2800" dirty="0" smtClean="0">
+                <a:solidFill>
+                  <a:srgbClr val="FFC000"/>
+                </a:solidFill>
+                <a:cs typeface="Times New Roman" pitchFamily="18" charset="0"/>
+              </a:rPr>
+              <a:t>[i].</a:t>
+            </a:r>
+            <a:r>
+              <a:rPr lang="pt-BR" sz="2800" dirty="0" err="1" smtClean="0">
+                <a:solidFill>
+                  <a:srgbClr val="FFC000"/>
+                </a:solidFill>
+                <a:cs typeface="Times New Roman" pitchFamily="18" charset="0"/>
+              </a:rPr>
+              <a:t>getNumero</a:t>
+            </a:r>
+            <a:r>
+              <a:rPr lang="pt-BR" sz="2800" dirty="0" smtClean="0">
+                <a:solidFill>
+                  <a:srgbClr val="FFC000"/>
+                </a:solidFill>
+                <a:cs typeface="Times New Roman" pitchFamily="18" charset="0"/>
+              </a:rPr>
+              <a:t>()</a:t>
+            </a:r>
+            <a:r>
+              <a:rPr lang="pt-BR" sz="2800" dirty="0" smtClean="0">
+                <a:cs typeface="Times New Roman" pitchFamily="18" charset="0"/>
+              </a:rPr>
+              <a:t> + “: ” +</a:t>
+            </a:r>
+            <a:br>
+              <a:rPr lang="pt-BR" sz="2800" dirty="0" smtClean="0">
+                <a:cs typeface="Times New Roman" pitchFamily="18" charset="0"/>
+              </a:rPr>
+            </a:br>
+            <a:r>
+              <a:rPr lang="pt-BR" sz="2800" dirty="0" smtClean="0">
+                <a:cs typeface="Times New Roman" pitchFamily="18" charset="0"/>
+              </a:rPr>
+              <a:t>		</a:t>
+            </a:r>
+            <a:r>
+              <a:rPr lang="pt-BR" sz="2800" dirty="0" err="1" smtClean="0">
+                <a:solidFill>
+                  <a:srgbClr val="FFC000"/>
+                </a:solidFill>
+                <a:cs typeface="Times New Roman" pitchFamily="18" charset="0"/>
+              </a:rPr>
+              <a:t>listaConta</a:t>
+            </a:r>
+            <a:r>
+              <a:rPr lang="pt-BR" sz="2800" dirty="0" smtClean="0">
+                <a:solidFill>
+                  <a:srgbClr val="FFC000"/>
+                </a:solidFill>
+                <a:cs typeface="Times New Roman" pitchFamily="18" charset="0"/>
+              </a:rPr>
+              <a:t>[i].</a:t>
+            </a:r>
+            <a:r>
+              <a:rPr lang="pt-BR" sz="2800" dirty="0" err="1" smtClean="0">
+                <a:solidFill>
+                  <a:srgbClr val="FFC000"/>
+                </a:solidFill>
+                <a:cs typeface="Times New Roman" pitchFamily="18" charset="0"/>
+              </a:rPr>
+              <a:t>getSaldo</a:t>
+            </a:r>
+            <a:r>
+              <a:rPr lang="pt-BR" sz="2800" dirty="0" smtClean="0">
+                <a:solidFill>
+                  <a:srgbClr val="FFC000"/>
+                </a:solidFill>
+                <a:cs typeface="Times New Roman" pitchFamily="18" charset="0"/>
+              </a:rPr>
+              <a:t>()</a:t>
+            </a:r>
+            <a:r>
+              <a:rPr lang="pt-BR" sz="2800" dirty="0" smtClean="0">
+                <a:cs typeface="Times New Roman" pitchFamily="18" charset="0"/>
+              </a:rPr>
+              <a:t>);</a:t>
+            </a:r>
+            <a:br>
+              <a:rPr lang="pt-BR" sz="2800" dirty="0" smtClean="0">
+                <a:cs typeface="Times New Roman" pitchFamily="18" charset="0"/>
+              </a:rPr>
+            </a:br>
+            <a:r>
+              <a:rPr lang="pt-BR" sz="2800" dirty="0" smtClean="0">
+                <a:cs typeface="Times New Roman" pitchFamily="18" charset="0"/>
+              </a:rPr>
+              <a:t>}</a:t>
+            </a:r>
+          </a:p>
+        </p:txBody>
+      </p:sp>
+      <p:sp>
+        <p:nvSpPr>
+          <p:cNvPr id="4" name="Espaço Reservado para Número de Slide 3"/>
+          <p:cNvSpPr>
+            <a:spLocks noGrp="1"/>
+          </p:cNvSpPr>
+          <p:nvPr>
+            <p:ph type="sldNum" sz="quarter" idx="12"/>
+          </p:nvPr>
+        </p:nvSpPr>
+        <p:spPr/>
+        <p:txBody>
+          <a:bodyPr/>
+          <a:lstStyle/>
+          <a:p>
+            <a:pPr>
+              <a:defRPr/>
+            </a:pPr>
+            <a:fld id="{E69D0DB4-801C-41EC-8349-1D089238E876}" type="slidenum">
+              <a:rPr lang="pt-BR" smtClean="0"/>
+              <a:pPr>
+                <a:defRPr/>
+              </a:pPr>
+              <a:t>18</a:t>
+            </a:fld>
+            <a:endParaRPr lang="pt-BR"/>
+          </a:p>
+        </p:txBody>
+      </p:sp>
+    </p:spTree>
+  </p:cSld>
+  <p:clrMapOvr>
+    <a:masterClrMapping/>
+  </p:clrMapOvr>
+  <p:transition spd="med"/>
+  <p:timing>
+    <p:tnLst>
+      <p:par>
+        <p:cTn id="1" dur="indefinite" restart="never" nodeType="tmRoot">
+          <p:childTnLst>
+            <p:seq concurrent="1" nextAc="seek">
+              <p:cTn id="2" dur="indefinite" nodeType="mainSeq"/>
+              <p:prevCondLst>
+                <p:cond evt="onPrev" delay="0">
+                  <p:tgtEl>
+                    <p:sldTgt/>
+                  </p:tgtEl>
+                </p:cond>
+              </p:prevCondLst>
+              <p:nextCondLst>
+                <p:cond evt="onNext" delay="0">
+                  <p:tgtEl>
+                    <p:sldTgt/>
+                  </p:tgtEl>
+                </p:cond>
+              </p:nextCondLst>
+            </p:seq>
+          </p:childTnLst>
+        </p:cTn>
+      </p:par>
+    </p:tnLst>
+  </p:timing>
+</p:sld>
+</file>
+
+<file path=ppt/slides/slide19.xml><?xml version="1.0" encoding="utf-8"?>
+<p:sld xmlns:a="http://schemas.openxmlformats.org/drawingml/2006/main" xmlns:r="http://schemas.openxmlformats.org/officeDocument/2006/relationships" xmlns:p="http://schemas.openxmlformats.org/presentationml/2006/main">
+  <p:cSld>
+    <p:spTree>
+      <p:nvGrpSpPr>
+        <p:cNvPr id="1" name=""/>
+        <p:cNvGrpSpPr/>
+        <p:nvPr/>
+      </p:nvGrpSpPr>
+      <p:grpSpPr>
+        <a:xfrm>
+          <a:off x="0" y="0"/>
+          <a:ext cx="0" cy="0"/>
+          <a:chOff x="0" y="0"/>
+          <a:chExt cx="0" cy="0"/>
+        </a:xfrm>
+      </p:grpSpPr>
+      <p:sp>
+        <p:nvSpPr>
+          <p:cNvPr id="11266" name="Rectangle 1"/>
+          <p:cNvSpPr>
+            <a:spLocks noGrp="1" noChangeArrowheads="1"/>
+          </p:cNvSpPr>
+          <p:nvPr>
+            <p:ph type="title" idx="4294967295"/>
+          </p:nvPr>
+        </p:nvSpPr>
+        <p:spPr/>
+        <p:txBody>
+          <a:bodyPr/>
+          <a:lstStyle/>
+          <a:p>
+            <a:pPr eaLnBrk="1" hangingPunct="1">
+              <a:buClrTx/>
+              <a:buFontTx/>
+              <a:buNone/>
+              <a:tabLst>
+                <a:tab pos="0" algn="l"/>
+                <a:tab pos="447675" algn="l"/>
+                <a:tab pos="896938" algn="l"/>
+                <a:tab pos="1346200" algn="l"/>
+                <a:tab pos="1795463" algn="l"/>
+                <a:tab pos="2244725" algn="l"/>
+                <a:tab pos="2693988" algn="l"/>
+                <a:tab pos="3143250" algn="l"/>
+                <a:tab pos="3592513" algn="l"/>
+                <a:tab pos="4041775" algn="l"/>
+                <a:tab pos="4491038" algn="l"/>
+                <a:tab pos="4940300" algn="l"/>
+                <a:tab pos="5389563" algn="l"/>
+                <a:tab pos="5838825" algn="l"/>
+                <a:tab pos="6288088" algn="l"/>
+                <a:tab pos="6737350" algn="l"/>
+                <a:tab pos="7186613" algn="l"/>
+                <a:tab pos="7635875" algn="l"/>
+                <a:tab pos="8085138" algn="l"/>
+                <a:tab pos="8534400" algn="l"/>
+                <a:tab pos="8983663" algn="l"/>
+              </a:tabLst>
+            </a:pPr>
+            <a:r>
+              <a:rPr lang="pt-BR" smtClean="0">
+                <a:cs typeface="Times New Roman" pitchFamily="18" charset="0"/>
+              </a:rPr>
+              <a:t>Array de objetos</a:t>
+            </a:r>
+          </a:p>
+        </p:txBody>
+      </p:sp>
+      <p:sp>
+        <p:nvSpPr>
+          <p:cNvPr id="11267" name="Rectangle 2"/>
+          <p:cNvSpPr>
+            <a:spLocks noGrp="1" noChangeArrowheads="1"/>
+          </p:cNvSpPr>
+          <p:nvPr>
+            <p:ph type="body" idx="4294967295"/>
+          </p:nvPr>
+        </p:nvSpPr>
+        <p:spPr/>
+        <p:txBody>
+          <a:bodyPr/>
+          <a:lstStyle/>
+          <a:p>
+            <a:pPr marL="0" indent="0" eaLnBrk="1" hangingPunct="1">
+              <a:spcBef>
+                <a:spcPts val="1650"/>
+              </a:spcBef>
+              <a:buClrTx/>
+              <a:buFontTx/>
+              <a:buNone/>
+              <a:tabLst>
+                <a:tab pos="658813" algn="l"/>
+                <a:tab pos="1108075" algn="l"/>
+                <a:tab pos="1557338" algn="l"/>
+                <a:tab pos="2006600" algn="l"/>
+                <a:tab pos="2455863" algn="l"/>
+                <a:tab pos="2905125" algn="l"/>
+                <a:tab pos="3354388" algn="l"/>
+                <a:tab pos="3803650" algn="l"/>
+                <a:tab pos="4252913" algn="l"/>
+                <a:tab pos="4702175" algn="l"/>
+                <a:tab pos="5151438" algn="l"/>
+                <a:tab pos="5600700" algn="l"/>
+                <a:tab pos="6049963" algn="l"/>
+                <a:tab pos="6499225" algn="l"/>
+                <a:tab pos="6948488" algn="l"/>
+                <a:tab pos="7397750" algn="l"/>
+                <a:tab pos="7847013" algn="l"/>
+                <a:tab pos="8296275" algn="l"/>
+                <a:tab pos="8640763" algn="l"/>
+                <a:tab pos="9090025" algn="l"/>
+                <a:tab pos="9539288" algn="l"/>
+                <a:tab pos="9988550" algn="l"/>
+                <a:tab pos="10437813" algn="l"/>
+              </a:tabLst>
+            </a:pPr>
+            <a:r>
+              <a:rPr lang="pt-BR" sz="2800" dirty="0" smtClean="0">
+                <a:cs typeface="Times New Roman" pitchFamily="18" charset="0"/>
+              </a:rPr>
+              <a:t>for (</a:t>
+            </a:r>
+            <a:r>
+              <a:rPr lang="pt-BR" sz="2800" dirty="0" smtClean="0">
+                <a:solidFill>
+                  <a:srgbClr val="FFC000"/>
+                </a:solidFill>
+                <a:cs typeface="Times New Roman" pitchFamily="18" charset="0"/>
+              </a:rPr>
+              <a:t>Conta </a:t>
+            </a:r>
+            <a:r>
+              <a:rPr lang="pt-BR" sz="2800" dirty="0" err="1" smtClean="0">
+                <a:solidFill>
+                  <a:srgbClr val="FFC000"/>
+                </a:solidFill>
+                <a:cs typeface="Times New Roman" pitchFamily="18" charset="0"/>
+              </a:rPr>
+              <a:t>conta</a:t>
+            </a:r>
+            <a:r>
+              <a:rPr lang="pt-BR" sz="2800" dirty="0" smtClean="0">
+                <a:cs typeface="Times New Roman" pitchFamily="18" charset="0"/>
+              </a:rPr>
+              <a:t> : </a:t>
+            </a:r>
+            <a:r>
+              <a:rPr lang="pt-BR" sz="2800" dirty="0" err="1" smtClean="0">
+                <a:solidFill>
+                  <a:srgbClr val="FFC000"/>
+                </a:solidFill>
+                <a:cs typeface="Times New Roman" pitchFamily="18" charset="0"/>
+              </a:rPr>
+              <a:t>listaConta</a:t>
+            </a:r>
+            <a:r>
+              <a:rPr lang="pt-BR" sz="2800" dirty="0" smtClean="0">
+                <a:cs typeface="Times New Roman" pitchFamily="18" charset="0"/>
+              </a:rPr>
+              <a:t>) {</a:t>
+            </a:r>
+            <a:br>
+              <a:rPr lang="pt-BR" sz="2800" dirty="0" smtClean="0">
+                <a:cs typeface="Times New Roman" pitchFamily="18" charset="0"/>
+              </a:rPr>
+            </a:br>
+            <a:r>
+              <a:rPr lang="pt-BR" sz="2800" dirty="0" smtClean="0">
+                <a:cs typeface="Times New Roman" pitchFamily="18" charset="0"/>
+              </a:rPr>
+              <a:t>	System.</a:t>
             </a:r>
             <a:r>
               <a:rPr lang="pt-BR" sz="2800" dirty="0" err="1" smtClean="0">
                 <a:cs typeface="Times New Roman" pitchFamily="18" charset="0"/>
               </a:rPr>
-              <a:t>listaConta</a:t>
+              <a:t>out.println</a:t>
             </a:r>
             <a:r>
               <a:rPr lang="pt-BR" sz="2800" dirty="0" smtClean="0">
                 <a:cs typeface="Times New Roman" pitchFamily="18" charset="0"/>
               </a:rPr>
-              <a:t>.</a:t>
-            </a:r>
-            <a:r>
-              <a:rPr lang="pt-BR" sz="2800" dirty="0" err="1" smtClean="0">
-                <a:cs typeface="Times New Roman" pitchFamily="18" charset="0"/>
-              </a:rPr>
-              <a:t>length</a:t>
-            </a:r>
-            <a:r>
-              <a:rPr lang="pt-BR" sz="2800" dirty="0" smtClean="0">
-                <a:solidFill>
-                  <a:srgbClr val="FFC000"/>
-                </a:solidFill>
-                <a:cs typeface="Times New Roman" pitchFamily="18" charset="0"/>
-              </a:rPr>
-              <a:t>; </a:t>
-            </a:r>
-            <a:r>
+              <a:t>(“Saldo da conta ” +</a:t>
+            </a:r>
+            <a:br>
               <a:rPr lang="pt-BR" sz="2800" dirty="0" smtClean="0">
                 <a:cs typeface="Times New Roman" pitchFamily="18" charset="0"/>
               </a:rPr>
-              <a:t>i</a:t>
-            </a:r>
+            </a:br>
             <a:r>
               <a:rPr lang="pt-BR" sz="2800" dirty="0" smtClean="0">
-                <a:solidFill>
-                  <a:srgbClr val="FFC000"/>
-                </a:solidFill>
                 <a:cs typeface="Times New Roman" pitchFamily="18" charset="0"/>
               </a:rPr>
-              <a:t>++) {</a:t>
+              <a:t>		</a:t>
+            </a:r>
+            <a:r>
+              <a:rPr lang="pt-BR" sz="2800" dirty="0" smtClean="0">
+                <a:solidFill>
+                  <a:srgbClr val="FFC000"/>
+                </a:solidFill>
+                <a:cs typeface="Times New Roman" pitchFamily="18" charset="0"/>
+              </a:rPr>
+              <a:t>conta.</a:t>
+            </a:r>
+            <a:r>
+              <a:rPr lang="pt-BR" sz="2800" dirty="0" err="1" smtClean="0">
+                <a:solidFill>
+                  <a:srgbClr val="FFC000"/>
+                </a:solidFill>
+                <a:cs typeface="Times New Roman" pitchFamily="18" charset="0"/>
+              </a:rPr>
+              <a:t>getNumero</a:t>
+            </a:r>
+            <a:r>
+              <a:rPr lang="pt-BR" sz="2800" dirty="0" smtClean="0">
+                <a:solidFill>
+                  <a:srgbClr val="FFC000"/>
+                </a:solidFill>
+                <a:cs typeface="Times New Roman" pitchFamily="18" charset="0"/>
+              </a:rPr>
+              <a:t>()</a:t>
+            </a:r>
+            <a:r>
+              <a:rPr lang="pt-BR" sz="2800" dirty="0" smtClean="0">
+                <a:cs typeface="Times New Roman" pitchFamily="18" charset="0"/>
+              </a:rPr>
+              <a:t> + “: ” +</a:t>
             </a:r>
             <a:br>
               <a:rPr lang="pt-BR" sz="2800" dirty="0" smtClean="0">
-                <a:solidFill>
-                  <a:srgbClr val="FFC000"/>
-                </a:solidFill>
                 <a:cs typeface="Times New Roman" pitchFamily="18" charset="0"/>
               </a:rPr>
             </a:br>
             <a:r>
               <a:rPr lang="pt-BR" sz="2800" dirty="0" smtClean="0">
-                <a:solidFill>
-                  <a:srgbClr val="FFC000"/>
-                </a:solidFill>
                 <a:cs typeface="Times New Roman" pitchFamily="18" charset="0"/>
               </a:rPr>
-              <a:t>	</a:t>
+              <a:t>		</a:t>
             </a:r>
             <a:r>
               <a:rPr lang="pt-BR" sz="2800" dirty="0" smtClean="0">
@@ -13025,7 +13426,7 @@
                 </a:solidFill>
                 <a:cs typeface="Times New Roman" pitchFamily="18" charset="0"/>
               </a:rPr>
-              <a:t>System.</a:t>
+              <a:t>conta.</a:t>
             </a:r>
             <a:r>
               <a:rPr lang="pt-BR" sz="2800" dirty="0" err="1" smtClean="0">
@@ -13034,7 +13435,7 @@
                 </a:solidFill>
                 <a:cs typeface="Times New Roman" pitchFamily="18" charset="0"/>
               </a:rPr>
-              <a:t>out.println</a:t>
+              <a:t>getSaldo</a:t>
             </a:r>
             <a:r>
               <a:rPr lang="pt-BR" sz="2800" dirty="0" smtClean="0">
@@ -13043,149 +13444,54 @@
                 </a:solidFill>
                 <a:cs typeface="Times New Roman" pitchFamily="18" charset="0"/>
               </a:rPr>
-              <a:t>(“Saldo da conta ” +</a:t>
+              <a:t>()</a:t>
+            </a:r>
+            <a:r>
+              <a:rPr lang="pt-BR" sz="2800" dirty="0" smtClean="0">
+                <a:cs typeface="Times New Roman" pitchFamily="18" charset="0"/>
+              </a:rPr>
+              <a:t>);</a:t>
             </a:r>
             <a:br>
               <a:rPr lang="pt-BR" sz="2800" dirty="0" smtClean="0">
-                <a:solidFill>
-                  <a:srgbClr val="FFC000"/>
-                </a:solidFill>
                 <a:cs typeface="Times New Roman" pitchFamily="18" charset="0"/>
               </a:rPr>
             </a:br>
-            <a:r>
-              <a:rPr lang="pt-BR" sz="2800" dirty="0" smtClean="0">
-                <a:solidFill>
-                  <a:srgbClr val="FFC000"/>
-                </a:solidFill>
-                <a:cs typeface="Times New Roman" pitchFamily="18" charset="0"/>
-              </a:rPr>
-              <a:t>		</a:t>
-            </a:r>
-            <a:r>
-              <a:rPr lang="pt-BR" sz="2800" dirty="0" err="1" smtClean="0">
-                <a:cs typeface="Times New Roman" pitchFamily="18" charset="0"/>
-              </a:rPr>
-              <a:t>listaConta</a:t>
-            </a:r>
             <a:r>
               <a:rPr lang="pt-BR" sz="2800" dirty="0" smtClean="0">
                 <a:cs typeface="Times New Roman" pitchFamily="18" charset="0"/>
               </a:rPr>
-              <a:t>[i].</a:t>
-            </a:r>
-            <a:r>
-              <a:rPr lang="pt-BR" sz="2800" dirty="0" err="1" smtClean="0">
-                <a:cs typeface="Times New Roman" pitchFamily="18" charset="0"/>
-              </a:rPr>
-              <a:t>getNumero</a:t>
-            </a:r>
-            <a:r>
-              <a:rPr lang="pt-BR" sz="2800" dirty="0" smtClean="0">
-                <a:cs typeface="Times New Roman" pitchFamily="18" charset="0"/>
-              </a:rPr>
-              <a:t>()</a:t>
-            </a:r>
-            <a:r>
-              <a:rPr lang="pt-BR" sz="2800" dirty="0" smtClean="0">
-                <a:solidFill>
-                  <a:srgbClr val="FFC000"/>
-                </a:solidFill>
-                <a:cs typeface="Times New Roman" pitchFamily="18" charset="0"/>
-              </a:rPr>
-              <a:t> + “: </a:t>
-            </a:r>
-            <a:r>
-              <a:rPr lang="pt-BR" sz="2800" dirty="0" smtClean="0">
-                <a:solidFill>
-                  <a:srgbClr val="FFC000"/>
-                </a:solidFill>
-                <a:cs typeface="Times New Roman" pitchFamily="18" charset="0"/>
-              </a:rPr>
-              <a:t>”</a:t>
-            </a:r>
-            <a:r>
-              <a:rPr lang="pt-BR" sz="2800" dirty="0" smtClean="0">
-                <a:solidFill>
-                  <a:srgbClr val="FFC000"/>
-                </a:solidFill>
-                <a:cs typeface="Times New Roman" pitchFamily="18" charset="0"/>
-              </a:rPr>
-              <a:t> +</a:t>
-            </a:r>
-            <a:br>
-              <a:rPr lang="pt-BR" sz="2800" dirty="0" smtClean="0">
-                <a:solidFill>
-                  <a:srgbClr val="FFC000"/>
-                </a:solidFill>
-                <a:cs typeface="Times New Roman" pitchFamily="18" charset="0"/>
-              </a:rPr>
-            </a:br>
-            <a:r>
-              <a:rPr lang="pt-BR" sz="2800" dirty="0" smtClean="0">
-                <a:solidFill>
-                  <a:srgbClr val="FFC000"/>
-                </a:solidFill>
-                <a:cs typeface="Times New Roman" pitchFamily="18" charset="0"/>
-              </a:rPr>
-              <a:t>		</a:t>
-            </a:r>
-            <a:r>
-              <a:rPr lang="pt-BR" sz="2800" dirty="0" err="1" smtClean="0">
-                <a:cs typeface="Times New Roman" pitchFamily="18" charset="0"/>
-              </a:rPr>
-              <a:t>listaConta</a:t>
-            </a:r>
-            <a:r>
-              <a:rPr lang="pt-BR" sz="2800" dirty="0" smtClean="0">
-                <a:cs typeface="Times New Roman" pitchFamily="18" charset="0"/>
-              </a:rPr>
-              <a:t>[i].</a:t>
-            </a:r>
-            <a:r>
-              <a:rPr lang="pt-BR" sz="2800" dirty="0" err="1" smtClean="0">
-                <a:cs typeface="Times New Roman" pitchFamily="18" charset="0"/>
-              </a:rPr>
-              <a:t>getSaldo</a:t>
-            </a:r>
-            <a:r>
-              <a:rPr lang="pt-BR" sz="2800" dirty="0" smtClean="0">
-                <a:cs typeface="Times New Roman" pitchFamily="18" charset="0"/>
-              </a:rPr>
-              <a:t>()</a:t>
-            </a:r>
-            <a:r>
-              <a:rPr lang="pt-BR" sz="2800" dirty="0" smtClean="0">
-                <a:solidFill>
-                  <a:srgbClr val="FFC000"/>
-                </a:solidFill>
-                <a:cs typeface="Times New Roman" pitchFamily="18" charset="0"/>
-              </a:rPr>
-              <a:t>);</a:t>
-            </a:r>
-            <a:br>
-              <a:rPr lang="pt-BR" sz="2800" dirty="0" smtClean="0">
-                <a:solidFill>
-                  <a:srgbClr val="FFC000"/>
-                </a:solidFill>
-                <a:cs typeface="Times New Roman" pitchFamily="18" charset="0"/>
-              </a:rPr>
-            </a:br>
-            <a:r>
-              <a:rPr lang="pt-BR" sz="2800" dirty="0" smtClean="0">
-                <a:solidFill>
-                  <a:srgbClr val="FFC000"/>
-                </a:solidFill>
-                <a:cs typeface="Times New Roman" pitchFamily="18" charset="0"/>
-              </a:rPr>
               <a:t>}</a:t>
             </a:r>
-            <a:endParaRPr lang="pt-BR" sz="2800" dirty="0" smtClean="0">
-              <a:solidFill>
-                <a:srgbClr val="FFC000"/>
-              </a:solidFill>
-              <a:cs typeface="Times New Roman" pitchFamily="18" charset="0"/>
-            </a:endParaRPr>
+          </a:p>
+        </p:txBody>
+      </p:sp>
+      <p:sp>
+        <p:nvSpPr>
+          <p:cNvPr id="4" name="Espaço Reservado para Número de Slide 3"/>
+          <p:cNvSpPr>
+            <a:spLocks noGrp="1"/>
+          </p:cNvSpPr>
+          <p:nvPr>
+            <p:ph type="sldNum" sz="quarter" idx="12"/>
+          </p:nvPr>
+        </p:nvSpPr>
+        <p:spPr/>
+        <p:txBody>
+          <a:bodyPr/>
+          <a:lstStyle/>
+          <a:p>
+            <a:pPr>
+              <a:defRPr/>
+            </a:pPr>
+            <a:fld id="{E69D0DB4-801C-41EC-8349-1D089238E876}" type="slidenum">
+              <a:rPr lang="pt-BR" smtClean="0"/>
+              <a:pPr>
+                <a:defRPr/>
+              </a:pPr>
+              <a:t>19</a:t>
+            </a:fld>
+            <a:endParaRPr lang="pt-BR"/>
           </a:p>
         </p:txBody>
       </p:sp>
@@ -13340,6 +13646,35 @@
           </a:p>
         </p:txBody>
       </p:sp>
+      <p:sp>
+        <p:nvSpPr>
+          <p:cNvPr id="4" name="Espaço Reservado para Número de Slide 3"/>
+          <p:cNvSpPr>
+            <a:spLocks noGrp="1"/>
+          </p:cNvSpPr>
+          <p:nvPr>
+            <p:ph type="sldNum" sz="quarter" idx="12"/>
+          </p:nvPr>
+        </p:nvSpPr>
+        <p:spPr/>
+        <p:txBody>
+          <a:bodyPr/>
+          <a:lstStyle/>
+          <a:p>
+            <a:pPr>
+              <a:defRPr/>
+            </a:pPr>
+            <a:fld id="{E69D0DB4-801C-41EC-8349-1D089238E876}" type="slidenum">
+              <a:rPr lang="pt-BR" smtClean="0"/>
+              <a:pPr>
+                <a:defRPr/>
+              </a:pPr>
+              <a:t>2</a:t>
+            </a:fld>
+            <a:endParaRPr lang="pt-BR"/>
+          </a:p>
+        </p:txBody>
+      </p:sp>
     </p:spTree>
   </p:cSld>
   <p:clrMapOvr>
@@ -13558,6 +13893,35 @@
           </a:p>
         </p:txBody>
       </p:sp>
+      <p:sp>
+        <p:nvSpPr>
+          <p:cNvPr id="4" name="Espaço Reservado para Número de Slide 3"/>
+          <p:cNvSpPr>
+            <a:spLocks noGrp="1"/>
+          </p:cNvSpPr>
+          <p:nvPr>
+            <p:ph type="sldNum" sz="quarter" idx="12"/>
+          </p:nvPr>
+        </p:nvSpPr>
+        <p:spPr/>
+        <p:txBody>
+          <a:bodyPr/>
+          <a:lstStyle/>
+          <a:p>
+            <a:pPr>
+              <a:defRPr/>
+            </a:pPr>
+            <a:fld id="{E69D0DB4-801C-41EC-8349-1D089238E876}" type="slidenum">
+              <a:rPr lang="pt-BR" smtClean="0"/>
+              <a:pPr>
+                <a:defRPr/>
+              </a:pPr>
+              <a:t>3</a:t>
+            </a:fld>
+            <a:endParaRPr lang="pt-BR"/>
+          </a:p>
+        </p:txBody>
+      </p:sp>
     </p:spTree>
   </p:cSld>
   <p:clrMapOvr>
@@ -13898,6 +14262,35 @@
           </a:p>
         </p:txBody>
       </p:sp>
+      <p:sp>
+        <p:nvSpPr>
+          <p:cNvPr id="6" name="Espaço Reservado para Número de Slide 5"/>
+          <p:cNvSpPr>
+            <a:spLocks noGrp="1"/>
+          </p:cNvSpPr>
+          <p:nvPr>
+            <p:ph type="sldNum" sz="quarter" idx="12"/>
+          </p:nvPr>
+        </p:nvSpPr>
+        <p:spPr/>
+        <p:txBody>
+          <a:bodyPr/>
+          <a:lstStyle/>
+          <a:p>
+            <a:pPr>
+              <a:defRPr/>
+            </a:pPr>
+            <a:fld id="{9E364CE3-A46F-4C27-B40A-8C650EEE1408}" type="slidenum">
+              <a:rPr lang="pt-BR" smtClean="0"/>
+              <a:pPr>
+                <a:defRPr/>
+              </a:pPr>
+              <a:t>4</a:t>
+            </a:fld>
+            <a:endParaRPr lang="pt-BR"/>
+          </a:p>
+        </p:txBody>
+      </p:sp>
     </p:spTree>
   </p:cSld>
   <p:clrMapOvr>
@@ -14612,6 +15005,35 @@
           </a:p>
         </p:txBody>
       </p:sp>
+      <p:sp>
+        <p:nvSpPr>
+          <p:cNvPr id="12" name="Espaço Reservado para Número de Slide 11"/>
+          <p:cNvSpPr>
+            <a:spLocks noGrp="1"/>
+          </p:cNvSpPr>
+          <p:nvPr>
+            <p:ph type="sldNum" sz="quarter" idx="12"/>
+          </p:nvPr>
+        </p:nvSpPr>
+        <p:spPr/>
+        <p:txBody>
+          <a:bodyPr/>
+          <a:lstStyle/>
+          <a:p>
+            <a:pPr>
+              <a:defRPr/>
+            </a:pPr>
+            <a:fld id="{E69D0DB4-801C-41EC-8349-1D089238E876}" type="slidenum">
+              <a:rPr lang="pt-BR" smtClean="0"/>
+              <a:pPr>
+                <a:defRPr/>
+              </a:pPr>
+              <a:t>5</a:t>
+            </a:fld>
+            <a:endParaRPr lang="pt-BR"/>
+          </a:p>
+        </p:txBody>
+      </p:sp>
     </p:spTree>
   </p:cSld>
   <p:clrMapOvr>
@@ -15619,6 +16041,35 @@
           </a:p>
         </p:txBody>
       </p:sp>
+      <p:sp>
+        <p:nvSpPr>
+          <p:cNvPr id="15" name="Espaço Reservado para Número de Slide 14"/>
+          <p:cNvSpPr>
+            <a:spLocks noGrp="1"/>
+          </p:cNvSpPr>
+          <p:nvPr>
+            <p:ph type="sldNum" sz="quarter" idx="12"/>
+          </p:nvPr>
+        </p:nvSpPr>
+        <p:spPr/>
+        <p:txBody>
+          <a:bodyPr/>
+          <a:lstStyle/>
+          <a:p>
+            <a:pPr>
+              <a:defRPr/>
+            </a:pPr>
+            <a:fld id="{9E364CE3-A46F-4C27-B40A-8C650EEE1408}" type="slidenum">
+              <a:rPr lang="pt-BR" smtClean="0"/>
+              <a:pPr>
+                <a:defRPr/>
+              </a:pPr>
+              <a:t>6</a:t>
+            </a:fld>
+            <a:endParaRPr lang="pt-BR"/>
+          </a:p>
+        </p:txBody>
+      </p:sp>
     </p:spTree>
   </p:cSld>
   <p:clrMapOvr>
@@ -15720,23 +16171,31 @@
               <a:buNone/>
             </a:pPr>
             <a:r>
+              <a:rPr lang="pt-BR" dirty="0" err="1" smtClean="0">
+                <a:solidFill>
+                  <a:srgbClr val="FFC000"/>
+                </a:solidFill>
+              </a:rPr>
+              <a:t>double</a:t>
+            </a:r>
+            <a:r>
+              <a:rPr lang="pt-BR" dirty="0" smtClean="0">
+                <a:solidFill>
+                  <a:srgbClr val="FFC000"/>
+                </a:solidFill>
+              </a:rPr>
+              <a:t>[] </a:t>
+            </a:r>
+            <a:r>
               <a:rPr lang="pt-BR" dirty="0" err="1" smtClean="0"/>
-              <a:t>double</a:t>
-            </a:r>
-            <a:r>
-              <a:rPr lang="pt-BR" dirty="0" smtClean="0"/>
-              <a:t>[] </a:t>
-            </a:r>
-            <a:r>
-              <a:rPr lang="pt-BR" dirty="0" err="1" smtClean="0">
-                <a:solidFill>
-                  <a:srgbClr val="FFC000"/>
-                </a:solidFill>
-              </a:rPr>
               <a:t>salario</a:t>
             </a:r>
             <a:r>
-              <a:rPr lang="pt-BR" dirty="0" smtClean="0"/>
+              <a:rPr lang="pt-BR" dirty="0" smtClean="0">
+                <a:solidFill>
+                  <a:srgbClr val="FFC000"/>
+                </a:solidFill>
+              </a:rPr>
               <a:t>;</a:t>
             </a:r>
           </a:p>
@@ -15745,12 +16204,24 @@
               <a:buNone/>
             </a:pPr>
             <a:r>
-              <a:rPr lang="pt-BR" dirty="0" err="1" smtClean="0"/>
+              <a:rPr lang="pt-BR" dirty="0" err="1" smtClean="0">
+                <a:solidFill>
+                  <a:srgbClr val="FFC000"/>
+                </a:solidFill>
+              </a:rPr>
               <a:t>float</a:t>
             </a:r>
             <a:r>
+              <a:rPr lang="pt-BR" dirty="0" smtClean="0">
+                <a:solidFill>
+                  <a:srgbClr val="FFC000"/>
+                </a:solidFill>
+              </a:rPr>
+              <a:t> </a:t>
+            </a:r>
+            <a:r>
               <a:rPr lang="pt-BR" dirty="0" smtClean="0"/>
-              <a:t> </a:t>
+              <a:t>comprimento</a:t>
             </a:r>
             <a:r>
               <a:rPr lang="pt-BR" dirty="0" smtClean="0">
@@ -15758,10 +16229,6 @@
                   <a:srgbClr val="FFC000"/>
                 </a:solidFill>
               </a:rPr>
-              <a:t>comprimento</a:t>
-            </a:r>
-            <a:r>
-              <a:rPr lang="pt-BR" dirty="0" smtClean="0"/>
               <a:t>[];</a:t>
             </a:r>
           </a:p>
@@ -15770,8 +16237,16 @@
               <a:buNone/>
             </a:pPr>
             <a:r>
+              <a:rPr lang="pt-BR" dirty="0" smtClean="0">
+                <a:solidFill>
+                  <a:srgbClr val="FFC000"/>
+                </a:solidFill>
+              </a:rPr>
+              <a:t>String[] </a:t>
+            </a:r>
+            <a:r>
               <a:rPr lang="pt-BR" dirty="0" smtClean="0"/>
-              <a:t>String[] </a:t>
+              <a:t>telefone</a:t>
             </a:r>
             <a:r>
               <a:rPr lang="pt-BR" dirty="0" smtClean="0">
@@ -15779,10 +16254,6 @@
                   <a:srgbClr val="FFC000"/>
                 </a:solidFill>
               </a:rPr>
-              <a:t>telefone</a:t>
-            </a:r>
-            <a:r>
-              <a:rPr lang="pt-BR" dirty="0" smtClean="0"/>
               <a:t>;</a:t>
             </a:r>
           </a:p>
@@ -15791,12 +16262,24 @@
               <a:buNone/>
             </a:pPr>
             <a:r>
-              <a:rPr lang="pt-BR" dirty="0" err="1" smtClean="0"/>
+              <a:rPr lang="pt-BR" dirty="0" err="1" smtClean="0">
+                <a:solidFill>
+                  <a:srgbClr val="FFC000"/>
+                </a:solidFill>
+              </a:rPr>
               <a:t>int</a:t>
             </a:r>
             <a:r>
+              <a:rPr lang="pt-BR" dirty="0" smtClean="0">
+                <a:solidFill>
+                  <a:srgbClr val="FFC000"/>
+                </a:solidFill>
+              </a:rPr>
+              <a:t> </a:t>
+            </a:r>
+            <a:r>
               <a:rPr lang="pt-BR" dirty="0" smtClean="0"/>
-              <a:t> </a:t>
+              <a:t>idade</a:t>
             </a:r>
             <a:r>
               <a:rPr lang="pt-BR" dirty="0" smtClean="0">
@@ -15804,13 +16287,42 @@
                   <a:srgbClr val="FFC000"/>
                 </a:solidFill>
               </a:rPr>
-              <a:t>idade</a:t>
-            </a:r>
-            <a:r>
-              <a:rPr lang="pt-BR" dirty="0" smtClean="0"/>
               <a:t>[];</a:t>
             </a:r>
-            <a:endParaRPr lang="en-US" dirty="0" smtClean="0"/>
+            <a:endParaRPr lang="en-US" dirty="0" smtClean="0">
+              <a:solidFill>
+                <a:srgbClr val="FFC000"/>
+              </a:solidFill>
+            </a:endParaRPr>
+          </a:p>
+        </p:txBody>
+      </p:sp>
+      <p:sp>
+        <p:nvSpPr>
+          <p:cNvPr id="4" name="Espaço Reservado para Número de Slide 3"/>
+          <p:cNvSpPr>
+            <a:spLocks noGrp="1"/>
+          </p:cNvSpPr>
+          <p:nvPr>
+            <p:ph type="sldNum" sz="quarter" idx="12"/>
+          </p:nvPr>
+        </p:nvSpPr>
+        <p:spPr/>
+        <p:txBody>
+          <a:bodyPr/>
+          <a:lstStyle/>
+          <a:p>
+            <a:pPr>
+              <a:defRPr/>
+            </a:pPr>
+            <a:fld id="{E69D0DB4-801C-41EC-8349-1D089238E876}" type="slidenum">
+              <a:rPr lang="pt-BR" smtClean="0"/>
+              <a:pPr>
+                <a:defRPr/>
+              </a:pPr>
+              <a:t>7</a:t>
+            </a:fld>
+            <a:endParaRPr lang="pt-BR"/>
           </a:p>
         </p:txBody>
       </p:sp>
@@ -15894,39 +16406,63 @@
               <a:buNone/>
             </a:pPr>
             <a:r>
+              <a:rPr lang="pt-BR" dirty="0" err="1" smtClean="0">
+                <a:solidFill>
+                  <a:srgbClr val="FFC000"/>
+                </a:solidFill>
+              </a:rPr>
+              <a:t>double</a:t>
+            </a:r>
+            <a:r>
+              <a:rPr lang="pt-BR" dirty="0" smtClean="0">
+                <a:solidFill>
+                  <a:srgbClr val="FFC000"/>
+                </a:solidFill>
+              </a:rPr>
+              <a:t>[] </a:t>
+            </a:r>
+            <a:r>
               <a:rPr lang="pt-BR" dirty="0" err="1" smtClean="0"/>
+              <a:t>salario</a:t>
+            </a:r>
+            <a:r>
+              <a:rPr lang="pt-BR" dirty="0" smtClean="0">
+                <a:solidFill>
+                  <a:srgbClr val="FFC000"/>
+                </a:solidFill>
+              </a:rPr>
+              <a:t> = </a:t>
+            </a:r>
+            <a:r>
+              <a:rPr lang="pt-BR" dirty="0" err="1" smtClean="0">
+                <a:solidFill>
+                  <a:srgbClr val="FFC000"/>
+                </a:solidFill>
+              </a:rPr>
+              <a:t>new</a:t>
+            </a:r>
+            <a:r>
+              <a:rPr lang="pt-BR" dirty="0" smtClean="0">
+                <a:solidFill>
+                  <a:srgbClr val="FFC000"/>
+                </a:solidFill>
+              </a:rPr>
+              <a:t> </a:t>
+            </a:r>
+            <a:r>
+              <a:rPr lang="pt-BR" dirty="0" err="1" smtClean="0">
+                <a:solidFill>
+                  <a:srgbClr val="FFC000"/>
+                </a:solidFill>
+              </a:rPr>
               <a:t>double</a:t>
             </a:r>
             <a:r>
-              <a:rPr lang="pt-BR" dirty="0" smtClean="0"/>
-              <a:t>[] </a:t>
-            </a:r>
-            <a:r>
-              <a:rPr lang="pt-BR" dirty="0" err="1" smtClean="0">
-                <a:solidFill>
-                  <a:srgbClr val="FFC000"/>
-                </a:solidFill>
-              </a:rPr>
-              <a:t>salario</a:t>
-            </a:r>
-            <a:r>
-              <a:rPr lang="pt-BR" dirty="0" smtClean="0"/>
-              <a:t> = </a:t>
-            </a:r>
-            <a:r>
-              <a:rPr lang="pt-BR" dirty="0" err="1" smtClean="0"/>
-              <a:t>new</a:t>
-            </a:r>
-            <a:r>
-              <a:rPr lang="pt-BR" dirty="0" smtClean="0"/>
-              <a:t> </a:t>
-            </a:r>
-            <a:r>
-              <a:rPr lang="pt-BR" dirty="0" err="1" smtClean="0"/>
-              <a:t>double</a:t>
-            </a:r>
-            <a:r>
-              <a:rPr lang="pt-BR" dirty="0" smtClean="0"/>
+              <a:rPr lang="pt-BR" dirty="0" smtClean="0">
+                <a:solidFill>
+                  <a:srgbClr val="FFC000"/>
+                </a:solidFill>
+              </a:rPr>
               <a:t>[5];</a:t>
             </a:r>
           </a:p>
@@ -15935,39 +16471,63 @@
               <a:buNone/>
             </a:pPr>
             <a:r>
-              <a:rPr lang="pt-BR" dirty="0" err="1" smtClean="0"/>
+              <a:rPr lang="pt-BR" dirty="0" err="1" smtClean="0">
+                <a:solidFill>
+                  <a:srgbClr val="FFC000"/>
+                </a:solidFill>
+              </a:rPr>
               <a:t>float</a:t>
             </a:r>
             <a:r>
+              <a:rPr lang="pt-BR" dirty="0" smtClean="0">
+                <a:solidFill>
+                  <a:srgbClr val="FFC000"/>
+                </a:solidFill>
+              </a:rPr>
+              <a:t> </a:t>
+            </a:r>
+            <a:r>
               <a:rPr lang="pt-BR" dirty="0" smtClean="0"/>
+              <a:t>comprimento</a:t>
+            </a:r>
+            <a:r>
+              <a:rPr lang="pt-BR" dirty="0" smtClean="0">
+                <a:solidFill>
+                  <a:srgbClr val="FFC000"/>
+                </a:solidFill>
+              </a:rPr>
+              <a:t>[] = </a:t>
+            </a:r>
+            <a:r>
+              <a:rPr lang="pt-BR" dirty="0" err="1" smtClean="0">
+                <a:solidFill>
+                  <a:srgbClr val="FFC000"/>
+                </a:solidFill>
+              </a:rPr>
+              <a:t>new</a:t>
+            </a:r>
+            <a:r>
+              <a:rPr lang="pt-BR" dirty="0" smtClean="0">
+                <a:solidFill>
+                  <a:srgbClr val="FFC000"/>
+                </a:solidFill>
+              </a:rPr>
               <a:t> </a:t>
             </a:r>
             <a:r>
+              <a:rPr lang="pt-BR" dirty="0" err="1" smtClean="0">
+                <a:solidFill>
+                  <a:srgbClr val="FFC000"/>
+                </a:solidFill>
+              </a:rPr>
+              <a:t>float</a:t>
+            </a:r>
+            <a:r>
               <a:rPr lang="pt-BR" dirty="0" smtClean="0">
                 <a:solidFill>
                   <a:srgbClr val="FFC000"/>
                 </a:solidFill>
               </a:rPr>
-              <a:t>comprimento</a:t>
-            </a:r>
-            <a:r>
-              <a:rPr lang="pt-BR" dirty="0" smtClean="0"/>
-              <a:t>[] = </a:t>
-            </a:r>
-            <a:r>
-              <a:rPr lang="pt-BR" dirty="0" err="1" smtClean="0"/>
-              <a:t>new</a:t>
-            </a:r>
-            <a:r>
-              <a:rPr lang="pt-BR" dirty="0" smtClean="0"/>
-              <a:t> </a:t>
-            </a:r>
-            <a:r>
-              <a:rPr lang="pt-BR" dirty="0" err="1" smtClean="0"/>
-              <a:t>float</a:t>
-            </a:r>
-            <a:r>
-              <a:rPr lang="pt-BR" dirty="0" smtClean="0"/>
               <a:t>[3];</a:t>
             </a:r>
           </a:p>
@@ -15976,8 +16536,16 @@
               <a:buNone/>
             </a:pPr>
             <a:r>
+              <a:rPr lang="pt-BR" dirty="0" smtClean="0">
+                <a:solidFill>
+                  <a:srgbClr val="FFC000"/>
+                </a:solidFill>
+              </a:rPr>
+              <a:t>String[] </a:t>
+            </a:r>
+            <a:r>
               <a:rPr lang="pt-BR" dirty="0" smtClean="0"/>
-              <a:t>String[] </a:t>
+              <a:t>telefone</a:t>
             </a:r>
             <a:r>
               <a:rPr lang="pt-BR" dirty="0" smtClean="0">
@@ -15985,18 +16553,22 @@
                   <a:srgbClr val="FFC000"/>
                 </a:solidFill>
               </a:rPr>
-              <a:t>telefone</a:t>
-            </a:r>
-            <a:r>
-              <a:rPr lang="pt-BR" dirty="0" smtClean="0"/>
               <a:t> = </a:t>
             </a:r>
             <a:r>
-              <a:rPr lang="pt-BR" dirty="0" err="1" smtClean="0"/>
+              <a:rPr lang="pt-BR" dirty="0" err="1" smtClean="0">
+                <a:solidFill>
+                  <a:srgbClr val="FFC000"/>
+                </a:solidFill>
+              </a:rPr>
               <a:t>new</a:t>
             </a:r>
             <a:r>
-              <a:rPr lang="pt-BR" dirty="0" smtClean="0"/>
+              <a:rPr lang="pt-BR" dirty="0" smtClean="0">
+                <a:solidFill>
+                  <a:srgbClr val="FFC000"/>
+                </a:solidFill>
+              </a:rPr>
               <a:t> String[18];</a:t>
             </a:r>
           </a:p>
@@ -16005,42 +16577,99 @@
               <a:buNone/>
             </a:pPr>
             <a:r>
-              <a:rPr lang="pt-BR" dirty="0" err="1" smtClean="0"/>
+              <a:rPr lang="pt-BR" dirty="0" err="1" smtClean="0">
+                <a:solidFill>
+                  <a:srgbClr val="FFC000"/>
+                </a:solidFill>
+              </a:rPr>
               <a:t>int</a:t>
             </a:r>
             <a:r>
+              <a:rPr lang="pt-BR" dirty="0" smtClean="0">
+                <a:solidFill>
+                  <a:srgbClr val="FFC000"/>
+                </a:solidFill>
+              </a:rPr>
+              <a:t> </a:t>
+            </a:r>
+            <a:r>
               <a:rPr lang="pt-BR" dirty="0" smtClean="0"/>
+              <a:t>idade</a:t>
+            </a:r>
+            <a:r>
+              <a:rPr lang="pt-BR" dirty="0" smtClean="0">
+                <a:solidFill>
+                  <a:srgbClr val="FFC000"/>
+                </a:solidFill>
+              </a:rPr>
+              <a:t>[] = </a:t>
+            </a:r>
+            <a:r>
+              <a:rPr lang="pt-BR" dirty="0" err="1" smtClean="0">
+                <a:solidFill>
+                  <a:srgbClr val="FFC000"/>
+                </a:solidFill>
+              </a:rPr>
+              <a:t>new</a:t>
+            </a:r>
+            <a:r>
+              <a:rPr lang="pt-BR" dirty="0" smtClean="0">
+                <a:solidFill>
+                  <a:srgbClr val="FFC000"/>
+                </a:solidFill>
+              </a:rPr>
               <a:t> </a:t>
             </a:r>
             <a:r>
+              <a:rPr lang="pt-BR" dirty="0" err="1" smtClean="0">
+                <a:solidFill>
+                  <a:srgbClr val="FFC000"/>
+                </a:solidFill>
+              </a:rPr>
+              <a:t>int</a:t>
+            </a:r>
+            <a:r>
               <a:rPr lang="pt-BR" dirty="0" smtClean="0">
                 <a:solidFill>
                   <a:srgbClr val="FFC000"/>
                 </a:solidFill>
               </a:rPr>
-              <a:t>idade</a:t>
-            </a:r>
-            <a:r>
-              <a:rPr lang="pt-BR" dirty="0" smtClean="0"/>
-              <a:t>[] = </a:t>
-            </a:r>
-            <a:r>
-              <a:rPr lang="pt-BR" dirty="0" err="1" smtClean="0"/>
-              <a:t>new</a:t>
-            </a:r>
-            <a:r>
-              <a:rPr lang="pt-BR" dirty="0" smtClean="0"/>
-              <a:t> </a:t>
-            </a:r>
-            <a:r>
-              <a:rPr lang="pt-BR" dirty="0" err="1" smtClean="0"/>
-              <a:t>int</a:t>
-            </a:r>
-            <a:r>
-              <a:rPr lang="pt-BR" dirty="0" smtClean="0"/>
               <a:t>[4];</a:t>
             </a:r>
-            <a:endParaRPr lang="en-US" dirty="0" smtClean="0"/>
+            <a:endParaRPr lang="en-US" dirty="0" smtClean="0">
+              <a:solidFill>
+                <a:srgbClr val="FFC000"/>
+              </a:solidFill>
+            </a:endParaRPr>
+          </a:p>
+        </p:txBody>
+      </p:sp>
+      <p:sp>
+        <p:nvSpPr>
+          <p:cNvPr id="4" name="Espaço Reservado para Número de Slide 3"/>
+          <p:cNvSpPr>
+            <a:spLocks noGrp="1"/>
+          </p:cNvSpPr>
+          <p:nvPr>
+            <p:ph type="sldNum" sz="quarter" idx="12"/>
+          </p:nvPr>
+        </p:nvSpPr>
+        <p:spPr/>
+        <p:txBody>
+          <a:bodyPr/>
+          <a:lstStyle/>
+          <a:p>
+            <a:pPr>
+              <a:defRPr/>
+            </a:pPr>
+            <a:fld id="{E69D0DB4-801C-41EC-8349-1D089238E876}" type="slidenum">
+              <a:rPr lang="pt-BR" smtClean="0"/>
+              <a:pPr>
+                <a:defRPr/>
+              </a:pPr>
+              <a:t>8</a:t>
+            </a:fld>
+            <a:endParaRPr lang="pt-BR"/>
           </a:p>
         </p:txBody>
       </p:sp>
@@ -16124,23 +16753,31 @@
               <a:buNone/>
             </a:pPr>
             <a:r>
+              <a:rPr lang="pt-BR" sz="2400" dirty="0" err="1" smtClean="0">
+                <a:solidFill>
+                  <a:srgbClr val="FFC000"/>
+                </a:solidFill>
+              </a:rPr>
+              <a:t>double</a:t>
+            </a:r>
+            <a:r>
+              <a:rPr lang="pt-BR" sz="2400" dirty="0" smtClean="0">
+                <a:solidFill>
+                  <a:srgbClr val="FFC000"/>
+                </a:solidFill>
+              </a:rPr>
+              <a:t>[ ] </a:t>
+            </a:r>
+            <a:r>
               <a:rPr lang="pt-BR" sz="2400" dirty="0" err="1" smtClean="0"/>
-              <a:t>double</a:t>
-            </a:r>
-            <a:r>
-              <a:rPr lang="pt-BR" sz="2400" dirty="0" smtClean="0"/>
-              <a:t>[ ] </a:t>
-            </a:r>
-            <a:r>
-              <a:rPr lang="pt-BR" sz="2400" dirty="0" err="1" smtClean="0">
-                <a:solidFill>
-                  <a:srgbClr val="FFC000"/>
-                </a:solidFill>
-              </a:rPr>
               <a:t>salario</a:t>
             </a:r>
             <a:r>
-              <a:rPr lang="pt-BR" sz="2400" dirty="0" smtClean="0"/>
+              <a:rPr lang="pt-BR" sz="2400" dirty="0" smtClean="0">
+                <a:solidFill>
+                  <a:srgbClr val="FFC000"/>
+                </a:solidFill>
+              </a:rPr>
               <a:t> = { 1250.3, 520.6, 5200, 2500.15, 840.2 };</a:t>
             </a:r>
           </a:p>
@@ -16149,8 +16786,16 @@
               <a:buNone/>
             </a:pPr>
             <a:r>
+              <a:rPr lang="pt-BR" sz="2400" dirty="0" smtClean="0">
+                <a:solidFill>
+                  <a:srgbClr val="FFC000"/>
+                </a:solidFill>
+              </a:rPr>
+              <a:t>String[ ] </a:t>
+            </a:r>
+            <a:r>
               <a:rPr lang="pt-BR" sz="2400" dirty="0" smtClean="0"/>
-              <a:t>String[ ] </a:t>
+              <a:t>telefone</a:t>
             </a:r>
             <a:r>
               <a:rPr lang="pt-BR" sz="2400" dirty="0" smtClean="0">
@@ -16158,45 +16803,81 @@
                   <a:srgbClr val="FFC000"/>
                 </a:solidFill>
               </a:rPr>
-              <a:t>telefone</a:t>
-            </a:r>
-            <a:r>
-              <a:rPr lang="pt-BR" sz="2400" dirty="0" smtClean="0"/>
               <a:t> = {</a:t>
             </a:r>
             <a:br>
-              <a:rPr lang="pt-BR" sz="2400" dirty="0" smtClean="0"/>
+              <a:rPr lang="pt-BR" sz="2400" dirty="0" smtClean="0">
+                <a:solidFill>
+                  <a:srgbClr val="FFC000"/>
+                </a:solidFill>
+              </a:rPr>
             </a:br>
             <a:r>
-              <a:rPr lang="pt-BR" sz="2400" dirty="0" smtClean="0"/>
+              <a:rPr lang="pt-BR" sz="2400" dirty="0" smtClean="0">
+                <a:solidFill>
+                  <a:srgbClr val="FFC000"/>
+                </a:solidFill>
+              </a:rPr>
               <a:t>	“5689-3214”,</a:t>
             </a:r>
             <a:br>
-              <a:rPr lang="pt-BR" sz="2400" dirty="0" smtClean="0"/>
+              <a:rPr lang="pt-BR" sz="2400" dirty="0" smtClean="0">
+                <a:solidFill>
+                  <a:srgbClr val="FFC000"/>
+                </a:solidFill>
+              </a:rPr>
             </a:br>
             <a:r>
-              <a:rPr lang="pt-BR" sz="2400" dirty="0" smtClean="0"/>
+              <a:rPr lang="pt-BR" sz="2400" dirty="0" smtClean="0">
+                <a:solidFill>
+                  <a:srgbClr val="FFC000"/>
+                </a:solidFill>
+              </a:rPr>
               <a:t>	“9856-4217”,</a:t>
             </a:r>
             <a:br>
-              <a:rPr lang="pt-BR" sz="2400" dirty="0" smtClean="0"/>
+              <a:rPr lang="pt-BR" sz="2400" dirty="0" smtClean="0">
+                <a:solidFill>
+                  <a:srgbClr val="FFC000"/>
+                </a:solidFill>
+              </a:rPr>
             </a:br>
             <a:r>
-              <a:rPr lang="pt-BR" sz="2400" dirty="0" smtClean="0"/>
+              <a:rPr lang="pt-BR" sz="2400" dirty="0" smtClean="0">
+                <a:solidFill>
+                  <a:srgbClr val="FFC000"/>
+                </a:solidFill>
+              </a:rPr>
               <a:t>	“7568-0231”,</a:t>
             </a:r>
             <a:br>
-              <a:rPr lang="pt-BR" sz="2400" dirty="0" smtClean="0"/>
+              <a:rPr lang="pt-BR" sz="2400" dirty="0" smtClean="0">
+                <a:solidFill>
+                  <a:srgbClr val="FFC000"/>
+                </a:solidFill>
+              </a:rPr>
             </a:br>
             <a:r>
-              <a:rPr lang="pt-BR" sz="2400" dirty="0" smtClean="0"/>
+              <a:rPr lang="pt-BR" sz="2400" dirty="0" smtClean="0">
+                <a:solidFill>
+                  <a:srgbClr val="FFC000"/>
+                </a:solidFill>
+              </a:rPr>
               <a:t>	“3276-8241”</a:t>
             </a:r>
             <a:br>
-              <a:rPr lang="pt-BR" sz="2400" dirty="0" smtClean="0"/>
+              <a:rPr lang="pt-BR" sz="2400" dirty="0" smtClean="0">
+                <a:solidFill>
+                  <a:srgbClr val="FFC000"/>
+                </a:solidFill>
+              </a:rPr>
             </a:br>
             <a:r>
-              <a:rPr lang="pt-BR" sz="2400" dirty="0" smtClean="0"/>
+              <a:rPr lang="pt-BR" sz="2400" dirty="0" smtClean="0">
+                <a:solidFill>
+                  <a:srgbClr val="FFC000"/>
+                </a:solidFill>
+              </a:rPr>
               <a:t>};</a:t>
             </a:r>
           </a:p>
@@ -16205,12 +16886,24 @@
               <a:buNone/>
             </a:pPr>
             <a:r>
-              <a:rPr lang="pt-BR" sz="2400" dirty="0" err="1" smtClean="0"/>
+              <a:rPr lang="pt-BR" sz="2400" dirty="0" err="1" smtClean="0">
+                <a:solidFill>
+                  <a:srgbClr val="FFC000"/>
+                </a:solidFill>
+              </a:rPr>
               <a:t>int</a:t>
             </a:r>
             <a:r>
+              <a:rPr lang="pt-BR" sz="2400" dirty="0" smtClean="0">
+                <a:solidFill>
+                  <a:srgbClr val="FFC000"/>
+                </a:solidFill>
+              </a:rPr>
+              <a:t> </a:t>
+            </a:r>
+            <a:r>
               <a:rPr lang="pt-BR" sz="2400" dirty="0" smtClean="0"/>
-              <a:t> </a:t>
+              <a:t>idade</a:t>
             </a:r>
             <a:r>
               <a:rPr lang="pt-BR" sz="2400" dirty="0" smtClean="0">
@@ -16218,13 +16911,42 @@
                   <a:srgbClr val="FFC000"/>
                 </a:solidFill>
               </a:rPr>
-              <a:t>idade</a:t>
-            </a:r>
-            <a:r>
-              <a:rPr lang="pt-BR" sz="2400" dirty="0" smtClean="0"/>
               <a:t>[ ] = { 15, 28, 57, 32, 14, 45, 8, 1, 37, 65};</a:t>
             </a:r>
-            <a:endParaRPr lang="en-US" sz="2400" dirty="0" smtClean="0"/>
+            <a:endParaRPr lang="en-US" sz="2400" dirty="0" smtClean="0">
+              <a:solidFill>
+                <a:srgbClr val="FFC000"/>
+              </a:solidFill>
+            </a:endParaRPr>
+          </a:p>
+        </p:txBody>
+      </p:sp>
+      <p:sp>
+        <p:nvSpPr>
+          <p:cNvPr id="4" name="Espaço Reservado para Número de Slide 3"/>
+          <p:cNvSpPr>
+            <a:spLocks noGrp="1"/>
+          </p:cNvSpPr>
+          <p:nvPr>
+            <p:ph type="sldNum" sz="quarter" idx="12"/>
+          </p:nvPr>
+        </p:nvSpPr>
+        <p:spPr/>
+        <p:txBody>
+          <a:bodyPr/>
+          <a:lstStyle/>
+          <a:p>
+            <a:pPr>
+              <a:defRPr/>
+            </a:pPr>
+            <a:fld id="{E69D0DB4-801C-41EC-8349-1D089238E876}" type="slidenum">
+              <a:rPr lang="pt-BR" smtClean="0"/>
+              <a:pPr>
+                <a:defRPr/>
+              </a:pPr>
+              <a:t>9</a:t>
+            </a:fld>
+            <a:endParaRPr lang="pt-BR"/>
           </a:p>
         </p:txBody>
       </p:sp>

--- a/trunk/2-Java-Programmer-Modulo-II/07.Capitulo02.pptx
+++ b/trunk/2-Java-Programmer-Modulo-II/07.Capitulo02.pptx
@@ -267,7 +267,7 @@
               <a:pPr>
                 <a:defRPr/>
               </a:pPr>
-              <a:t>04/04/2012</a:t>
+              <a:t>30/6/2012</a:t>
             </a:fld>
             <a:endParaRPr lang="pt-BR"/>
           </a:p>
@@ -3342,7 +3342,10 @@
             </a:pPr>
             <a:fld id="{E1532F2F-29F5-4DAE-A363-C6DAC46E1857}" type="datetime1">
               <a:rPr lang="pt-BR" smtClean="0"/>
-              <a:t>04/04/2012</a:t>
+              <a:pPr>
+                <a:defRPr/>
+              </a:pPr>
+              <a:t>30/6/2012</a:t>
             </a:fld>
             <a:endParaRPr lang="pt-BR"/>
           </a:p>
@@ -3531,7 +3534,10 @@
             </a:pPr>
             <a:fld id="{76E0553D-8D34-4DCF-A436-D2E77B7A5246}" type="datetime1">
               <a:rPr lang="pt-BR" smtClean="0"/>
-              <a:t>04/04/2012</a:t>
+              <a:pPr>
+                <a:defRPr/>
+              </a:pPr>
+              <a:t>30/6/2012</a:t>
             </a:fld>
             <a:endParaRPr lang="pt-BR"/>
           </a:p>
@@ -3730,7 +3736,10 @@
             </a:pPr>
             <a:fld id="{A4E414DC-D62F-4E55-830A-E183CA2A1834}" type="datetime1">
               <a:rPr lang="pt-BR" smtClean="0"/>
-              <a:t>04/04/2012</a:t>
+              <a:pPr>
+                <a:defRPr/>
+              </a:pPr>
+              <a:t>30/6/2012</a:t>
             </a:fld>
             <a:endParaRPr lang="pt-BR"/>
           </a:p>
@@ -3988,7 +3997,10 @@
             </a:pPr>
             <a:fld id="{F776AF5D-1D6B-4ED9-A5AC-5C27535AAE57}" type="datetime1">
               <a:rPr lang="pt-BR" smtClean="0"/>
-              <a:t>04/04/2012</a:t>
+              <a:pPr>
+                <a:defRPr/>
+              </a:pPr>
+              <a:t>30/6/2012</a:t>
             </a:fld>
             <a:endParaRPr lang="pt-BR"/>
           </a:p>
@@ -4185,7 +4197,10 @@
             </a:pPr>
             <a:fld id="{EC1BE553-8B4E-4AB0-BA50-AF70C82A532A}" type="datetime1">
               <a:rPr lang="pt-BR" smtClean="0"/>
-              <a:t>04/04/2012</a:t>
+              <a:pPr>
+                <a:defRPr/>
+              </a:pPr>
+              <a:t>30/6/2012</a:t>
             </a:fld>
             <a:endParaRPr lang="pt-BR"/>
           </a:p>
@@ -4688,7 +4703,10 @@
             </a:pPr>
             <a:fld id="{12ED4F63-D730-453C-AC25-D4D62BA6C3A6}" type="datetime1">
               <a:rPr lang="pt-BR" smtClean="0"/>
-              <a:t>04/04/2012</a:t>
+              <a:pPr>
+                <a:defRPr/>
+              </a:pPr>
+              <a:t>30/6/2012</a:t>
             </a:fld>
             <a:endParaRPr lang="pt-BR"/>
           </a:p>
@@ -4976,7 +4994,10 @@
             </a:pPr>
             <a:fld id="{61511202-23A4-4C28-AE00-24FEBB130B9F}" type="datetime1">
               <a:rPr lang="pt-BR" smtClean="0"/>
-              <a:t>04/04/2012</a:t>
+              <a:pPr>
+                <a:defRPr/>
+              </a:pPr>
+              <a:t>30/6/2012</a:t>
             </a:fld>
             <a:endParaRPr lang="pt-BR"/>
           </a:p>
@@ -5374,7 +5395,10 @@
             </a:pPr>
             <a:fld id="{FA21467B-860E-4A10-BC05-9E3F42723107}" type="datetime1">
               <a:rPr lang="pt-BR" smtClean="0"/>
-              <a:t>04/04/2012</a:t>
+              <a:pPr>
+                <a:defRPr/>
+              </a:pPr>
+              <a:t>30/6/2012</a:t>
             </a:fld>
             <a:endParaRPr lang="pt-BR"/>
           </a:p>
@@ -5520,7 +5544,10 @@
             </a:pPr>
             <a:fld id="{7523BC98-7845-4B31-AC11-6C6FDE6340D3}" type="datetime1">
               <a:rPr lang="pt-BR" smtClean="0"/>
-              <a:t>04/04/2012</a:t>
+              <a:pPr>
+                <a:defRPr/>
+              </a:pPr>
+              <a:t>30/6/2012</a:t>
             </a:fld>
             <a:endParaRPr lang="pt-BR"/>
           </a:p>
@@ -5634,7 +5661,10 @@
             </a:pPr>
             <a:fld id="{F9B56AF3-F7FF-4CE1-A685-873F6930876F}" type="datetime1">
               <a:rPr lang="pt-BR" smtClean="0"/>
-              <a:t>04/04/2012</a:t>
+              <a:pPr>
+                <a:defRPr/>
+              </a:pPr>
+              <a:t>30/6/2012</a:t>
             </a:fld>
             <a:endParaRPr lang="pt-BR"/>
           </a:p>
@@ -5907,7 +5937,10 @@
             </a:pPr>
             <a:fld id="{38204BA6-EBD5-47C9-A380-B3C719FDBAB5}" type="datetime1">
               <a:rPr lang="pt-BR" smtClean="0"/>
-              <a:t>04/04/2012</a:t>
+              <a:pPr>
+                <a:defRPr/>
+              </a:pPr>
+              <a:t>30/6/2012</a:t>
             </a:fld>
             <a:endParaRPr lang="pt-BR"/>
           </a:p>
@@ -6188,7 +6221,10 @@
             </a:pPr>
             <a:fld id="{8C975550-D5DC-4616-A3B6-C6BE077798B3}" type="datetime1">
               <a:rPr lang="pt-BR" smtClean="0"/>
-              <a:t>04/04/2012</a:t>
+              <a:pPr>
+                <a:defRPr/>
+              </a:pPr>
+              <a:t>30/6/2012</a:t>
             </a:fld>
             <a:endParaRPr lang="pt-BR"/>
           </a:p>
@@ -6663,7 +6699,10 @@
             </a:pPr>
             <a:fld id="{9C6164F9-0FD3-45A6-9987-3488D7EC9F08}" type="datetime1">
               <a:rPr lang="pt-BR" smtClean="0"/>
-              <a:t>04/04/2012</a:t>
+              <a:pPr>
+                <a:defRPr/>
+              </a:pPr>
+              <a:t>30/6/2012</a:t>
             </a:fld>
             <a:endParaRPr lang="pt-BR"/>
           </a:p>
@@ -7831,38 +7870,26 @@
             </a:pPr>
             <a:r>
               <a:rPr lang="pt-BR" dirty="0" smtClean="0"/>
-              <a:t>for </a:t>
+              <a:t>for (</a:t>
+            </a:r>
+            <a:r>
+              <a:rPr lang="pt-BR" dirty="0" smtClean="0">
+                <a:solidFill>
+                  <a:srgbClr val="FFC000"/>
+                </a:solidFill>
+              </a:rPr>
+              <a:t>String n : nome</a:t>
             </a:r>
             <a:r>
               <a:rPr lang="pt-BR" dirty="0" smtClean="0"/>
-              <a:t>(</a:t>
-            </a:r>
-            <a:r>
-              <a:rPr lang="pt-BR" dirty="0" smtClean="0">
-                <a:solidFill>
-                  <a:srgbClr val="FFC000"/>
-                </a:solidFill>
-              </a:rPr>
-              <a:t>String n : nome</a:t>
-            </a:r>
-            <a:r>
-              <a:rPr lang="pt-BR" dirty="0" smtClean="0"/>
-              <a:t>) </a:t>
-            </a:r>
-            <a:r>
-              <a:rPr lang="pt-BR" dirty="0" smtClean="0"/>
-              <a:t>{</a:t>
+              <a:t>) {</a:t>
             </a:r>
             <a:br>
               <a:rPr lang="pt-BR" dirty="0" smtClean="0"/>
             </a:br>
             <a:r>
               <a:rPr lang="pt-BR" dirty="0" smtClean="0"/>
-              <a:t>	</a:t>
-            </a:r>
-            <a:r>
-              <a:rPr lang="pt-BR" dirty="0" smtClean="0"/>
-              <a:t>System.</a:t>
+              <a:t>	System.</a:t>
             </a:r>
             <a:r>
               <a:rPr lang="pt-BR" dirty="0" err="1" smtClean="0"/>
@@ -7883,10 +7910,6 @@
             <a:r>
               <a:rPr lang="pt-BR" dirty="0" smtClean="0"/>
               <a:t>);</a:t>
-            </a:r>
-            <a:r>
-              <a:rPr lang="pt-BR" dirty="0" smtClean="0"/>
-              <a:t/>
             </a:r>
             <a:br>
               <a:rPr lang="pt-BR" dirty="0" smtClean="0"/>
@@ -8027,17 +8050,26 @@
             <p:ph type="title"/>
           </p:nvPr>
         </p:nvSpPr>
-        <p:spPr/>
+        <p:spPr>
+          <a:xfrm>
+            <a:off x="457200" y="274638"/>
+            <a:ext cx="8258204" cy="1143000"/>
+          </a:xfrm>
+        </p:spPr>
         <p:txBody>
           <a:bodyPr/>
           <a:lstStyle/>
           <a:p>
             <a:pPr eaLnBrk="1" hangingPunct="1"/>
             <a:r>
-              <a:rPr lang="pt-BR" smtClean="0"/>
-              <a:t>Array de 2 dimensões (matriz)</a:t>
-            </a:r>
-            <a:endParaRPr lang="en-US" smtClean="0"/>
+              <a:rPr lang="pt-BR" dirty="0" err="1" smtClean="0"/>
+              <a:t>Array</a:t>
+            </a:r>
+            <a:r>
+              <a:rPr lang="pt-BR" dirty="0" smtClean="0"/>
+              <a:t> de 2 dimensões (matriz)</a:t>
+            </a:r>
+            <a:endParaRPr lang="en-US" dirty="0" smtClean="0"/>
           </a:p>
         </p:txBody>
       </p:sp>
@@ -9620,17 +9652,26 @@
             <p:ph type="title"/>
           </p:nvPr>
         </p:nvSpPr>
-        <p:spPr/>
+        <p:spPr>
+          <a:xfrm>
+            <a:off x="457200" y="274638"/>
+            <a:ext cx="8329642" cy="1143000"/>
+          </a:xfrm>
+        </p:spPr>
         <p:txBody>
           <a:bodyPr/>
           <a:lstStyle/>
           <a:p>
             <a:pPr eaLnBrk="1" hangingPunct="1"/>
             <a:r>
-              <a:rPr lang="pt-BR" smtClean="0"/>
-              <a:t>Array de 2 dimensões (matriz)</a:t>
-            </a:r>
-            <a:endParaRPr lang="en-US" smtClean="0"/>
+              <a:rPr lang="pt-BR" dirty="0" err="1" smtClean="0"/>
+              <a:t>Array</a:t>
+            </a:r>
+            <a:r>
+              <a:rPr lang="pt-BR" dirty="0" smtClean="0"/>
+              <a:t> de 2 dimensões (matriz)</a:t>
+            </a:r>
+            <a:endParaRPr lang="en-US" dirty="0" smtClean="0"/>
           </a:p>
         </p:txBody>
       </p:sp>
